--- a/Documentation/coursetion.pptx
+++ b/Documentation/coursetion.pptx
@@ -8,6 +8,7 @@
     <p:sldId id="256" r:id="rId2"/>
     <p:sldId id="257" r:id="rId3"/>
     <p:sldId id="258" r:id="rId4"/>
+    <p:sldId id="259" r:id="rId5"/>
   </p:sldIdLst>
   <p:sldSz cx="9144000" cy="6858000" type="screen4x3"/>
   <p:notesSz cx="6858000" cy="9144000"/>
@@ -114,6 +115,7 @@
             <p14:sldId id="256"/>
             <p14:sldId id="257"/>
             <p14:sldId id="258"/>
+            <p14:sldId id="259"/>
           </p14:sldIdLst>
         </p14:section>
       </p14:sectionLst>
@@ -3227,6 +3229,16 @@
   <p:clrMapOvr>
     <a:masterClrMapping/>
   </p:clrMapOvr>
+  <p:transition spd="slow">
+    <p:push/>
+  </p:transition>
+  <p:timing>
+    <p:tnLst>
+      <p:par>
+        <p:cTn id="1" dur="indefinite" restart="never" nodeType="tmRoot"/>
+      </p:par>
+    </p:tnLst>
+  </p:timing>
 </p:sld>
 </file>
 
@@ -3755,6 +3767,16 @@
   <p:clrMapOvr>
     <a:masterClrMapping/>
   </p:clrMapOvr>
+  <p:transition spd="slow">
+    <p:push/>
+  </p:transition>
+  <p:timing>
+    <p:tnLst>
+      <p:par>
+        <p:cTn id="1" dur="indefinite" restart="never" nodeType="tmRoot"/>
+      </p:par>
+    </p:tnLst>
+  </p:timing>
 </p:sld>
 </file>
 
@@ -3790,29 +3812,542 @@
           <a:bodyPr/>
           <a:lstStyle/>
           <a:p>
+            <a:r>
+              <a:rPr lang="en-US" dirty="0" smtClean="0"/>
+              <a:t>Tools</a:t>
+            </a:r>
             <a:endParaRPr lang="ru-RU" dirty="0"/>
           </a:p>
         </p:txBody>
       </p:sp>
-      <p:sp>
-        <p:nvSpPr>
-          <p:cNvPr id="3" name="Объект 2"/>
-          <p:cNvSpPr>
-            <a:spLocks noGrp="1"/>
-          </p:cNvSpPr>
-          <p:nvPr>
-            <p:ph idx="1"/>
-          </p:nvPr>
-        </p:nvSpPr>
-        <p:spPr/>
-        <p:txBody>
-          <a:bodyPr/>
-          <a:lstStyle/>
-          <a:p>
-            <a:endParaRPr lang="ru-RU"/>
-          </a:p>
-        </p:txBody>
-      </p:sp>
+      <p:grpSp>
+        <p:nvGrpSpPr>
+          <p:cNvPr id="15" name="Группа 14"/>
+          <p:cNvGrpSpPr/>
+          <p:nvPr/>
+        </p:nvGrpSpPr>
+        <p:grpSpPr>
+          <a:xfrm>
+            <a:off x="1333650" y="3942581"/>
+            <a:ext cx="1584176" cy="1008112"/>
+            <a:chOff x="179512" y="1412776"/>
+            <a:chExt cx="1584176" cy="1008112"/>
+          </a:xfrm>
+        </p:grpSpPr>
+        <p:sp>
+          <p:nvSpPr>
+            <p:cNvPr id="14" name="Прямоугольник 13"/>
+            <p:cNvSpPr/>
+            <p:nvPr/>
+          </p:nvSpPr>
+          <p:spPr>
+            <a:xfrm>
+              <a:off x="179512" y="1412776"/>
+              <a:ext cx="1584176" cy="1008112"/>
+            </a:xfrm>
+            <a:prstGeom prst="rect">
+              <a:avLst/>
+            </a:prstGeom>
+            <a:solidFill>
+              <a:schemeClr val="bg1"/>
+            </a:solidFill>
+            <a:ln>
+              <a:solidFill>
+                <a:schemeClr val="tx1">
+                  <a:alpha val="40000"/>
+                </a:schemeClr>
+              </a:solidFill>
+            </a:ln>
+          </p:spPr>
+          <p:style>
+            <a:lnRef idx="2">
+              <a:schemeClr val="accent1">
+                <a:shade val="50000"/>
+              </a:schemeClr>
+            </a:lnRef>
+            <a:fillRef idx="1">
+              <a:schemeClr val="accent1"/>
+            </a:fillRef>
+            <a:effectRef idx="0">
+              <a:schemeClr val="accent1"/>
+            </a:effectRef>
+            <a:fontRef idx="minor">
+              <a:schemeClr val="lt1"/>
+            </a:fontRef>
+          </p:style>
+          <p:txBody>
+            <a:bodyPr rtlCol="0" anchor="ctr"/>
+            <a:lstStyle/>
+            <a:p>
+              <a:pPr algn="ctr"/>
+              <a:endParaRPr lang="ru-RU"/>
+            </a:p>
+          </p:txBody>
+        </p:sp>
+        <p:pic>
+          <p:nvPicPr>
+            <p:cNvPr id="2052" name="Picture 4" descr="http://edu.cbsystematics.com/images/news/7a2f448a-e991-431c-9730-39616a426a83.png"/>
+            <p:cNvPicPr>
+              <a:picLocks noChangeAspect="1" noChangeArrowheads="1"/>
+            </p:cNvPicPr>
+            <p:nvPr/>
+          </p:nvPicPr>
+          <p:blipFill>
+            <a:blip r:embed="rId2">
+              <a:extLst>
+                <a:ext uri="{28A0092B-C50C-407E-A947-70E740481C1C}">
+                  <a14:useLocalDpi xmlns:a14="http://schemas.microsoft.com/office/drawing/2010/main" val="0"/>
+                </a:ext>
+              </a:extLst>
+            </a:blip>
+            <a:srcRect/>
+            <a:stretch>
+              <a:fillRect/>
+            </a:stretch>
+          </p:blipFill>
+          <p:spPr bwMode="auto">
+            <a:xfrm>
+              <a:off x="288530" y="1556792"/>
+              <a:ext cx="1416123" cy="546916"/>
+            </a:xfrm>
+            <a:prstGeom prst="rect">
+              <a:avLst/>
+            </a:prstGeom>
+            <a:noFill/>
+            <a:extLst>
+              <a:ext uri="{909E8E84-426E-40DD-AFC4-6F175D3DCCD1}">
+                <a14:hiddenFill xmlns:a14="http://schemas.microsoft.com/office/drawing/2010/main">
+                  <a:solidFill>
+                    <a:srgbClr val="FFFFFF"/>
+                  </a:solidFill>
+                </a14:hiddenFill>
+              </a:ext>
+            </a:extLst>
+          </p:spPr>
+        </p:pic>
+      </p:grpSp>
+      <p:pic>
+        <p:nvPicPr>
+          <p:cNvPr id="2053" name="Picture 5"/>
+          <p:cNvPicPr>
+            <a:picLocks noChangeAspect="1" noChangeArrowheads="1"/>
+          </p:cNvPicPr>
+          <p:nvPr/>
+        </p:nvPicPr>
+        <p:blipFill>
+          <a:blip r:embed="rId3">
+            <a:extLst>
+              <a:ext uri="{28A0092B-C50C-407E-A947-70E740481C1C}">
+                <a14:useLocalDpi xmlns:a14="http://schemas.microsoft.com/office/drawing/2010/main" val="0"/>
+              </a:ext>
+            </a:extLst>
+          </a:blip>
+          <a:srcRect/>
+          <a:stretch>
+            <a:fillRect/>
+          </a:stretch>
+        </p:blipFill>
+        <p:spPr bwMode="auto">
+          <a:xfrm>
+            <a:off x="3203848" y="620688"/>
+            <a:ext cx="457200" cy="457200"/>
+          </a:xfrm>
+          <a:prstGeom prst="rect">
+            <a:avLst/>
+          </a:prstGeom>
+          <a:noFill/>
+          <a:ln>
+            <a:noFill/>
+          </a:ln>
+          <a:effectLst/>
+          <a:extLst>
+            <a:ext uri="{909E8E84-426E-40DD-AFC4-6F175D3DCCD1}">
+              <a14:hiddenFill xmlns:a14="http://schemas.microsoft.com/office/drawing/2010/main">
+                <a:solidFill>
+                  <a:schemeClr val="accent1"/>
+                </a:solidFill>
+              </a14:hiddenFill>
+            </a:ext>
+            <a:ext uri="{91240B29-F687-4F45-9708-019B960494DF}">
+              <a14:hiddenLine xmlns:a14="http://schemas.microsoft.com/office/drawing/2010/main" w="9525">
+                <a:solidFill>
+                  <a:schemeClr val="tx1"/>
+                </a:solidFill>
+                <a:miter lim="800000"/>
+                <a:headEnd/>
+                <a:tailEnd/>
+              </a14:hiddenLine>
+            </a:ext>
+            <a:ext uri="{AF507438-7753-43E0-B8FC-AC1667EBCBE1}">
+              <a14:hiddenEffects xmlns:a14="http://schemas.microsoft.com/office/drawing/2010/main">
+                <a:effectLst>
+                  <a:outerShdw dist="35921" dir="2700000" algn="ctr" rotWithShape="0">
+                    <a:schemeClr val="bg2"/>
+                  </a:outerShdw>
+                </a:effectLst>
+              </a14:hiddenEffects>
+            </a:ext>
+          </a:extLst>
+        </p:spPr>
+      </p:pic>
+      <p:grpSp>
+        <p:nvGrpSpPr>
+          <p:cNvPr id="16" name="Группа 15"/>
+          <p:cNvGrpSpPr/>
+          <p:nvPr/>
+        </p:nvGrpSpPr>
+        <p:grpSpPr>
+          <a:xfrm>
+            <a:off x="2987823" y="4522783"/>
+            <a:ext cx="1584176" cy="1941934"/>
+            <a:chOff x="179512" y="2495178"/>
+            <a:chExt cx="1584176" cy="1941934"/>
+          </a:xfrm>
+        </p:grpSpPr>
+        <p:sp>
+          <p:nvSpPr>
+            <p:cNvPr id="22" name="Прямоугольник 21"/>
+            <p:cNvSpPr/>
+            <p:nvPr/>
+          </p:nvSpPr>
+          <p:spPr>
+            <a:xfrm>
+              <a:off x="179512" y="2495178"/>
+              <a:ext cx="1584176" cy="1941934"/>
+            </a:xfrm>
+            <a:prstGeom prst="rect">
+              <a:avLst/>
+            </a:prstGeom>
+            <a:solidFill>
+              <a:schemeClr val="bg1"/>
+            </a:solidFill>
+            <a:ln>
+              <a:solidFill>
+                <a:schemeClr val="tx1">
+                  <a:alpha val="40000"/>
+                </a:schemeClr>
+              </a:solidFill>
+            </a:ln>
+          </p:spPr>
+          <p:style>
+            <a:lnRef idx="2">
+              <a:schemeClr val="accent1">
+                <a:shade val="50000"/>
+              </a:schemeClr>
+            </a:lnRef>
+            <a:fillRef idx="1">
+              <a:schemeClr val="accent1"/>
+            </a:fillRef>
+            <a:effectRef idx="0">
+              <a:schemeClr val="accent1"/>
+            </a:effectRef>
+            <a:fontRef idx="minor">
+              <a:schemeClr val="lt1"/>
+            </a:fontRef>
+          </p:style>
+          <p:txBody>
+            <a:bodyPr rtlCol="0" anchor="ctr"/>
+            <a:lstStyle/>
+            <a:p>
+              <a:pPr algn="ctr"/>
+              <a:endParaRPr lang="ru-RU"/>
+            </a:p>
+          </p:txBody>
+        </p:sp>
+        <p:pic>
+          <p:nvPicPr>
+            <p:cNvPr id="2055" name="Picture 7" descr="http://i.zdnet.com/blogs/xamllogo.jpg"/>
+            <p:cNvPicPr>
+              <a:picLocks noChangeAspect="1" noChangeArrowheads="1"/>
+            </p:cNvPicPr>
+            <p:nvPr/>
+          </p:nvPicPr>
+          <p:blipFill>
+            <a:blip r:embed="rId4">
+              <a:extLst>
+                <a:ext uri="{28A0092B-C50C-407E-A947-70E740481C1C}">
+                  <a14:useLocalDpi xmlns:a14="http://schemas.microsoft.com/office/drawing/2010/main" val="0"/>
+                </a:ext>
+              </a:extLst>
+            </a:blip>
+            <a:srcRect/>
+            <a:stretch>
+              <a:fillRect/>
+            </a:stretch>
+          </p:blipFill>
+          <p:spPr bwMode="auto">
+            <a:xfrm>
+              <a:off x="288529" y="2596783"/>
+              <a:ext cx="1416124" cy="1768321"/>
+            </a:xfrm>
+            <a:prstGeom prst="rect">
+              <a:avLst/>
+            </a:prstGeom>
+            <a:noFill/>
+            <a:ln w="25400">
+              <a:noFill/>
+            </a:ln>
+          </p:spPr>
+        </p:pic>
+      </p:grpSp>
+      <p:grpSp>
+        <p:nvGrpSpPr>
+          <p:cNvPr id="18" name="Группа 17"/>
+          <p:cNvGrpSpPr/>
+          <p:nvPr/>
+        </p:nvGrpSpPr>
+        <p:grpSpPr>
+          <a:xfrm>
+            <a:off x="2987824" y="1412776"/>
+            <a:ext cx="5688631" cy="1008112"/>
+            <a:chOff x="1835696" y="1412776"/>
+            <a:chExt cx="5688631" cy="1008112"/>
+          </a:xfrm>
+        </p:grpSpPr>
+        <p:sp>
+          <p:nvSpPr>
+            <p:cNvPr id="23" name="Прямоугольник 22"/>
+            <p:cNvSpPr/>
+            <p:nvPr/>
+          </p:nvSpPr>
+          <p:spPr>
+            <a:xfrm>
+              <a:off x="1835696" y="1412776"/>
+              <a:ext cx="5688631" cy="1008112"/>
+            </a:xfrm>
+            <a:prstGeom prst="rect">
+              <a:avLst/>
+            </a:prstGeom>
+            <a:noFill/>
+            <a:ln>
+              <a:solidFill>
+                <a:schemeClr val="tx1">
+                  <a:alpha val="40000"/>
+                </a:schemeClr>
+              </a:solidFill>
+            </a:ln>
+          </p:spPr>
+          <p:style>
+            <a:lnRef idx="2">
+              <a:schemeClr val="accent1">
+                <a:shade val="50000"/>
+              </a:schemeClr>
+            </a:lnRef>
+            <a:fillRef idx="1">
+              <a:schemeClr val="accent1"/>
+            </a:fillRef>
+            <a:effectRef idx="0">
+              <a:schemeClr val="accent1"/>
+            </a:effectRef>
+            <a:fontRef idx="minor">
+              <a:schemeClr val="lt1"/>
+            </a:fontRef>
+          </p:style>
+          <p:txBody>
+            <a:bodyPr rtlCol="0" anchor="ctr"/>
+            <a:lstStyle/>
+            <a:p>
+              <a:pPr algn="ctr"/>
+              <a:endParaRPr lang="ru-RU"/>
+            </a:p>
+          </p:txBody>
+        </p:sp>
+        <p:pic>
+          <p:nvPicPr>
+            <p:cNvPr id="2057" name="Picture 9" descr="http://bloggingabout.net/cfs-filesystemfile.ashx/__key/CommunityServer.Blogs.Components.WeblogFiles/erwyn/NET-Logo.png"/>
+            <p:cNvPicPr>
+              <a:picLocks noChangeAspect="1" noChangeArrowheads="1"/>
+            </p:cNvPicPr>
+            <p:nvPr/>
+          </p:nvPicPr>
+          <p:blipFill>
+            <a:blip r:embed="rId5">
+              <a:extLst>
+                <a:ext uri="{28A0092B-C50C-407E-A947-70E740481C1C}">
+                  <a14:useLocalDpi xmlns:a14="http://schemas.microsoft.com/office/drawing/2010/main" val="0"/>
+                </a:ext>
+              </a:extLst>
+            </a:blip>
+            <a:srcRect/>
+            <a:stretch>
+              <a:fillRect/>
+            </a:stretch>
+          </p:blipFill>
+          <p:spPr bwMode="auto">
+            <a:xfrm>
+              <a:off x="2098948" y="1556792"/>
+              <a:ext cx="3124200" cy="771525"/>
+            </a:xfrm>
+            <a:prstGeom prst="rect">
+              <a:avLst/>
+            </a:prstGeom>
+            <a:noFill/>
+            <a:extLst>
+              <a:ext uri="{909E8E84-426E-40DD-AFC4-6F175D3DCCD1}">
+                <a14:hiddenFill xmlns:a14="http://schemas.microsoft.com/office/drawing/2010/main">
+                  <a:solidFill>
+                    <a:srgbClr val="FFFFFF"/>
+                  </a:solidFill>
+                </a14:hiddenFill>
+              </a:ext>
+            </a:extLst>
+          </p:spPr>
+        </p:pic>
+      </p:grpSp>
+      <p:grpSp>
+        <p:nvGrpSpPr>
+          <p:cNvPr id="17" name="Группа 16"/>
+          <p:cNvGrpSpPr/>
+          <p:nvPr/>
+        </p:nvGrpSpPr>
+        <p:grpSpPr>
+          <a:xfrm>
+            <a:off x="2987823" y="2495178"/>
+            <a:ext cx="5688631" cy="1941934"/>
+            <a:chOff x="1835696" y="2495178"/>
+            <a:chExt cx="5688631" cy="1941934"/>
+          </a:xfrm>
+        </p:grpSpPr>
+        <p:sp>
+          <p:nvSpPr>
+            <p:cNvPr id="24" name="Прямоугольник 23"/>
+            <p:cNvSpPr/>
+            <p:nvPr/>
+          </p:nvSpPr>
+          <p:spPr>
+            <a:xfrm>
+              <a:off x="1835696" y="2495178"/>
+              <a:ext cx="5688631" cy="1941934"/>
+            </a:xfrm>
+            <a:prstGeom prst="rect">
+              <a:avLst/>
+            </a:prstGeom>
+            <a:solidFill>
+              <a:schemeClr val="bg1"/>
+            </a:solidFill>
+            <a:ln>
+              <a:solidFill>
+                <a:schemeClr val="tx1">
+                  <a:alpha val="40000"/>
+                </a:schemeClr>
+              </a:solidFill>
+            </a:ln>
+          </p:spPr>
+          <p:style>
+            <a:lnRef idx="2">
+              <a:schemeClr val="accent1">
+                <a:shade val="50000"/>
+              </a:schemeClr>
+            </a:lnRef>
+            <a:fillRef idx="1">
+              <a:schemeClr val="accent1"/>
+            </a:fillRef>
+            <a:effectRef idx="0">
+              <a:schemeClr val="accent1"/>
+            </a:effectRef>
+            <a:fontRef idx="minor">
+              <a:schemeClr val="lt1"/>
+            </a:fontRef>
+          </p:style>
+          <p:txBody>
+            <a:bodyPr rtlCol="0" anchor="ctr"/>
+            <a:lstStyle/>
+            <a:p>
+              <a:pPr algn="ctr"/>
+              <a:endParaRPr lang="ru-RU"/>
+            </a:p>
+          </p:txBody>
+        </p:sp>
+        <p:pic>
+          <p:nvPicPr>
+            <p:cNvPr id="2059" name="Picture 11" descr="http://4.bp.blogspot.com/-SRwdfcuYhVo/UMjoTyAnxRI/AAAAAAAADpk/E6HaZxZrXic/s1600/Visual+Studio+Express+2012+Logo.png"/>
+            <p:cNvPicPr>
+              <a:picLocks noChangeAspect="1" noChangeArrowheads="1"/>
+            </p:cNvPicPr>
+            <p:nvPr/>
+          </p:nvPicPr>
+          <p:blipFill>
+            <a:blip r:embed="rId6">
+              <a:extLst>
+                <a:ext uri="{28A0092B-C50C-407E-A947-70E740481C1C}">
+                  <a14:useLocalDpi xmlns:a14="http://schemas.microsoft.com/office/drawing/2010/main" val="0"/>
+                </a:ext>
+              </a:extLst>
+            </a:blip>
+            <a:srcRect/>
+            <a:stretch>
+              <a:fillRect/>
+            </a:stretch>
+          </p:blipFill>
+          <p:spPr bwMode="auto">
+            <a:xfrm>
+              <a:off x="2411760" y="2596782"/>
+              <a:ext cx="5010150" cy="1504951"/>
+            </a:xfrm>
+            <a:prstGeom prst="rect">
+              <a:avLst/>
+            </a:prstGeom>
+            <a:noFill/>
+            <a:extLst>
+              <a:ext uri="{909E8E84-426E-40DD-AFC4-6F175D3DCCD1}">
+                <a14:hiddenFill xmlns:a14="http://schemas.microsoft.com/office/drawing/2010/main">
+                  <a:solidFill>
+                    <a:srgbClr val="FFFFFF"/>
+                  </a:solidFill>
+                </a14:hiddenFill>
+              </a:ext>
+            </a:extLst>
+          </p:spPr>
+        </p:pic>
+      </p:grpSp>
+      <p:pic>
+        <p:nvPicPr>
+          <p:cNvPr id="35" name="Picture 17" descr="http://www.bugtreat.com/blog/wp-content/uploads/2012/07/c-sharp-logo.png"/>
+          <p:cNvPicPr>
+            <a:picLocks noChangeAspect="1" noChangeArrowheads="1"/>
+          </p:cNvPicPr>
+          <p:nvPr/>
+        </p:nvPicPr>
+        <p:blipFill>
+          <a:blip r:embed="rId7">
+            <a:extLst>
+              <a:ext uri="{28A0092B-C50C-407E-A947-70E740481C1C}">
+                <a14:useLocalDpi xmlns:a14="http://schemas.microsoft.com/office/drawing/2010/main" val="0"/>
+              </a:ext>
+            </a:extLst>
+          </a:blip>
+          <a:srcRect/>
+          <a:stretch>
+            <a:fillRect/>
+          </a:stretch>
+        </p:blipFill>
+        <p:spPr bwMode="auto">
+          <a:xfrm>
+            <a:off x="467544" y="1425377"/>
+            <a:ext cx="2438400" cy="2438400"/>
+          </a:xfrm>
+          <a:prstGeom prst="rect">
+            <a:avLst/>
+          </a:prstGeom>
+          <a:noFill/>
+          <a:ln w="25400">
+            <a:solidFill>
+              <a:schemeClr val="tx1">
+                <a:alpha val="40000"/>
+              </a:schemeClr>
+            </a:solidFill>
+          </a:ln>
+          <a:extLst>
+            <a:ext uri="{909E8E84-426E-40DD-AFC4-6F175D3DCCD1}">
+              <a14:hiddenFill xmlns:a14="http://schemas.microsoft.com/office/drawing/2010/main">
+                <a:solidFill>
+                  <a:srgbClr val="FFFFFF"/>
+                </a:solidFill>
+              </a14:hiddenFill>
+            </a:ext>
+          </a:extLst>
+        </p:spPr>
+      </p:pic>
     </p:spTree>
     <p:extLst>
       <p:ext uri="{BB962C8B-B14F-4D97-AF65-F5344CB8AC3E}">
@@ -3823,6 +4358,549 @@
   <p:clrMapOvr>
     <a:masterClrMapping/>
   </p:clrMapOvr>
+  <p:transition spd="slow">
+    <p:push/>
+  </p:transition>
+  <p:timing>
+    <p:tnLst>
+      <p:par>
+        <p:cTn id="1" dur="indefinite" restart="never" nodeType="tmRoot"/>
+      </p:par>
+    </p:tnLst>
+  </p:timing>
+</p:sld>
+</file>
+
+<file path=ppt/slides/slide4.xml><?xml version="1.0" encoding="utf-8"?>
+<p:sld xmlns:a="http://schemas.openxmlformats.org/drawingml/2006/main" xmlns:r="http://schemas.openxmlformats.org/officeDocument/2006/relationships" xmlns:p="http://schemas.openxmlformats.org/presentationml/2006/main">
+  <p:cSld>
+    <p:spTree>
+      <p:nvGrpSpPr>
+        <p:cNvPr id="1" name=""/>
+        <p:cNvGrpSpPr/>
+        <p:nvPr/>
+      </p:nvGrpSpPr>
+      <p:grpSpPr>
+        <a:xfrm>
+          <a:off x="0" y="0"/>
+          <a:ext cx="0" cy="0"/>
+          <a:chOff x="0" y="0"/>
+          <a:chExt cx="0" cy="0"/>
+        </a:xfrm>
+      </p:grpSpPr>
+      <p:sp>
+        <p:nvSpPr>
+          <p:cNvPr id="32" name="Прямоугольник 31"/>
+          <p:cNvSpPr/>
+          <p:nvPr/>
+        </p:nvSpPr>
+        <p:spPr>
+          <a:xfrm>
+            <a:off x="488850" y="3332854"/>
+            <a:ext cx="5019254" cy="1824338"/>
+          </a:xfrm>
+          <a:prstGeom prst="rect">
+            <a:avLst/>
+          </a:prstGeom>
+          <a:solidFill>
+            <a:schemeClr val="bg1"/>
+          </a:solidFill>
+          <a:ln>
+            <a:solidFill>
+              <a:schemeClr val="tx1">
+                <a:alpha val="40000"/>
+              </a:schemeClr>
+            </a:solidFill>
+          </a:ln>
+        </p:spPr>
+        <p:style>
+          <a:lnRef idx="2">
+            <a:schemeClr val="accent1">
+              <a:shade val="50000"/>
+            </a:schemeClr>
+          </a:lnRef>
+          <a:fillRef idx="1">
+            <a:schemeClr val="accent1"/>
+          </a:fillRef>
+          <a:effectRef idx="0">
+            <a:schemeClr val="accent1"/>
+          </a:effectRef>
+          <a:fontRef idx="minor">
+            <a:schemeClr val="lt1"/>
+          </a:fontRef>
+        </p:style>
+        <p:txBody>
+          <a:bodyPr rtlCol="0" anchor="ctr"/>
+          <a:lstStyle/>
+          <a:p>
+            <a:pPr algn="ctr"/>
+            <a:endParaRPr lang="ru-RU"/>
+          </a:p>
+        </p:txBody>
+      </p:sp>
+      <p:sp>
+        <p:nvSpPr>
+          <p:cNvPr id="28" name="Прямоугольник 27"/>
+          <p:cNvSpPr/>
+          <p:nvPr/>
+        </p:nvSpPr>
+        <p:spPr>
+          <a:xfrm>
+            <a:off x="6491014" y="1989607"/>
+            <a:ext cx="1949202" cy="1224136"/>
+          </a:xfrm>
+          <a:prstGeom prst="rect">
+            <a:avLst/>
+          </a:prstGeom>
+          <a:solidFill>
+            <a:schemeClr val="bg1"/>
+          </a:solidFill>
+          <a:ln>
+            <a:solidFill>
+              <a:schemeClr val="tx1">
+                <a:alpha val="40000"/>
+              </a:schemeClr>
+            </a:solidFill>
+          </a:ln>
+        </p:spPr>
+        <p:style>
+          <a:lnRef idx="2">
+            <a:schemeClr val="accent1">
+              <a:shade val="50000"/>
+            </a:schemeClr>
+          </a:lnRef>
+          <a:fillRef idx="1">
+            <a:schemeClr val="accent1"/>
+          </a:fillRef>
+          <a:effectRef idx="0">
+            <a:schemeClr val="accent1"/>
+          </a:effectRef>
+          <a:fontRef idx="minor">
+            <a:schemeClr val="lt1"/>
+          </a:fontRef>
+        </p:style>
+        <p:txBody>
+          <a:bodyPr rtlCol="0" anchor="ctr"/>
+          <a:lstStyle/>
+          <a:p>
+            <a:pPr algn="ctr"/>
+            <a:endParaRPr lang="ru-RU"/>
+          </a:p>
+        </p:txBody>
+      </p:sp>
+      <p:sp>
+        <p:nvSpPr>
+          <p:cNvPr id="2" name="Заголовок 1"/>
+          <p:cNvSpPr>
+            <a:spLocks noGrp="1"/>
+          </p:cNvSpPr>
+          <p:nvPr>
+            <p:ph type="title"/>
+          </p:nvPr>
+        </p:nvSpPr>
+        <p:spPr/>
+        <p:txBody>
+          <a:bodyPr/>
+          <a:lstStyle/>
+          <a:p>
+            <a:r>
+              <a:rPr lang="en-US" dirty="0" smtClean="0"/>
+              <a:t>Tools</a:t>
+            </a:r>
+            <a:endParaRPr lang="ru-RU" dirty="0"/>
+          </a:p>
+        </p:txBody>
+      </p:sp>
+      <p:pic>
+        <p:nvPicPr>
+          <p:cNvPr id="6" name="Picture 5"/>
+          <p:cNvPicPr>
+            <a:picLocks noChangeAspect="1" noChangeArrowheads="1"/>
+          </p:cNvPicPr>
+          <p:nvPr/>
+        </p:nvPicPr>
+        <p:blipFill>
+          <a:blip r:embed="rId2">
+            <a:extLst>
+              <a:ext uri="{28A0092B-C50C-407E-A947-70E740481C1C}">
+                <a14:useLocalDpi xmlns:a14="http://schemas.microsoft.com/office/drawing/2010/main" val="0"/>
+              </a:ext>
+            </a:extLst>
+          </a:blip>
+          <a:srcRect/>
+          <a:stretch>
+            <a:fillRect/>
+          </a:stretch>
+        </p:blipFill>
+        <p:spPr bwMode="auto">
+          <a:xfrm>
+            <a:off x="3203848" y="620688"/>
+            <a:ext cx="457200" cy="457200"/>
+          </a:xfrm>
+          <a:prstGeom prst="rect">
+            <a:avLst/>
+          </a:prstGeom>
+          <a:noFill/>
+          <a:ln>
+            <a:noFill/>
+          </a:ln>
+          <a:effectLst/>
+          <a:extLst>
+            <a:ext uri="{909E8E84-426E-40DD-AFC4-6F175D3DCCD1}">
+              <a14:hiddenFill xmlns:a14="http://schemas.microsoft.com/office/drawing/2010/main">
+                <a:solidFill>
+                  <a:schemeClr val="accent1"/>
+                </a:solidFill>
+              </a14:hiddenFill>
+            </a:ext>
+            <a:ext uri="{91240B29-F687-4F45-9708-019B960494DF}">
+              <a14:hiddenLine xmlns:a14="http://schemas.microsoft.com/office/drawing/2010/main" w="9525">
+                <a:solidFill>
+                  <a:schemeClr val="tx1"/>
+                </a:solidFill>
+                <a:miter lim="800000"/>
+                <a:headEnd/>
+                <a:tailEnd/>
+              </a14:hiddenLine>
+            </a:ext>
+            <a:ext uri="{AF507438-7753-43E0-B8FC-AC1667EBCBE1}">
+              <a14:hiddenEffects xmlns:a14="http://schemas.microsoft.com/office/drawing/2010/main">
+                <a:effectLst>
+                  <a:outerShdw dist="35921" dir="2700000" algn="ctr" rotWithShape="0">
+                    <a:schemeClr val="bg2"/>
+                  </a:outerShdw>
+                </a:effectLst>
+              </a14:hiddenEffects>
+            </a:ext>
+          </a:extLst>
+        </p:spPr>
+      </p:pic>
+      <p:sp>
+        <p:nvSpPr>
+          <p:cNvPr id="17" name="Прямоугольник 16"/>
+          <p:cNvSpPr/>
+          <p:nvPr/>
+        </p:nvSpPr>
+        <p:spPr>
+          <a:xfrm>
+            <a:off x="488853" y="1484784"/>
+            <a:ext cx="3795115" cy="1728192"/>
+          </a:xfrm>
+          <a:prstGeom prst="rect">
+            <a:avLst/>
+          </a:prstGeom>
+          <a:solidFill>
+            <a:schemeClr val="bg1"/>
+          </a:solidFill>
+          <a:ln>
+            <a:solidFill>
+              <a:schemeClr val="tx1">
+                <a:alpha val="40000"/>
+              </a:schemeClr>
+            </a:solidFill>
+          </a:ln>
+        </p:spPr>
+        <p:style>
+          <a:lnRef idx="2">
+            <a:schemeClr val="accent1">
+              <a:shade val="50000"/>
+            </a:schemeClr>
+          </a:lnRef>
+          <a:fillRef idx="1">
+            <a:schemeClr val="accent1"/>
+          </a:fillRef>
+          <a:effectRef idx="0">
+            <a:schemeClr val="accent1"/>
+          </a:effectRef>
+          <a:fontRef idx="minor">
+            <a:schemeClr val="lt1"/>
+          </a:fontRef>
+        </p:style>
+        <p:txBody>
+          <a:bodyPr rtlCol="0" anchor="ctr"/>
+          <a:lstStyle/>
+          <a:p>
+            <a:pPr algn="ctr"/>
+            <a:endParaRPr lang="ru-RU"/>
+          </a:p>
+        </p:txBody>
+      </p:sp>
+      <p:pic>
+        <p:nvPicPr>
+          <p:cNvPr id="18" name="Picture 13" descr="http://git-scm.com/images/logos/downloads/Git-Logo-2Color.png"/>
+          <p:cNvPicPr>
+            <a:picLocks noChangeAspect="1" noChangeArrowheads="1"/>
+          </p:cNvPicPr>
+          <p:nvPr/>
+        </p:nvPicPr>
+        <p:blipFill>
+          <a:blip r:embed="rId3" cstate="print">
+            <a:extLst>
+              <a:ext uri="{28A0092B-C50C-407E-A947-70E740481C1C}">
+                <a14:useLocalDpi xmlns:a14="http://schemas.microsoft.com/office/drawing/2010/main" val="0"/>
+              </a:ext>
+            </a:extLst>
+          </a:blip>
+          <a:srcRect/>
+          <a:stretch>
+            <a:fillRect/>
+          </a:stretch>
+        </p:blipFill>
+        <p:spPr bwMode="auto">
+          <a:xfrm>
+            <a:off x="726719" y="1722140"/>
+            <a:ext cx="3171990" cy="1325741"/>
+          </a:xfrm>
+          <a:prstGeom prst="rect">
+            <a:avLst/>
+          </a:prstGeom>
+          <a:noFill/>
+          <a:extLst>
+            <a:ext uri="{909E8E84-426E-40DD-AFC4-6F175D3DCCD1}">
+              <a14:hiddenFill xmlns:a14="http://schemas.microsoft.com/office/drawing/2010/main">
+                <a:solidFill>
+                  <a:srgbClr val="FFFFFF"/>
+                </a:solidFill>
+              </a14:hiddenFill>
+            </a:ext>
+          </a:extLst>
+        </p:spPr>
+      </p:pic>
+      <p:sp>
+        <p:nvSpPr>
+          <p:cNvPr id="20" name="Прямоугольник 19"/>
+          <p:cNvSpPr/>
+          <p:nvPr/>
+        </p:nvSpPr>
+        <p:spPr>
+          <a:xfrm>
+            <a:off x="4411588" y="1989608"/>
+            <a:ext cx="1949202" cy="1224136"/>
+          </a:xfrm>
+          <a:prstGeom prst="rect">
+            <a:avLst/>
+          </a:prstGeom>
+          <a:solidFill>
+            <a:schemeClr val="bg1"/>
+          </a:solidFill>
+          <a:ln>
+            <a:solidFill>
+              <a:schemeClr val="tx1">
+                <a:alpha val="40000"/>
+              </a:schemeClr>
+            </a:solidFill>
+          </a:ln>
+        </p:spPr>
+        <p:style>
+          <a:lnRef idx="2">
+            <a:schemeClr val="accent1">
+              <a:shade val="50000"/>
+            </a:schemeClr>
+          </a:lnRef>
+          <a:fillRef idx="1">
+            <a:schemeClr val="accent1"/>
+          </a:fillRef>
+          <a:effectRef idx="0">
+            <a:schemeClr val="accent1"/>
+          </a:effectRef>
+          <a:fontRef idx="minor">
+            <a:schemeClr val="lt1"/>
+          </a:fontRef>
+        </p:style>
+        <p:txBody>
+          <a:bodyPr rtlCol="0" anchor="ctr"/>
+          <a:lstStyle/>
+          <a:p>
+            <a:pPr algn="ctr"/>
+            <a:endParaRPr lang="ru-RU"/>
+          </a:p>
+        </p:txBody>
+      </p:sp>
+      <p:pic>
+        <p:nvPicPr>
+          <p:cNvPr id="21" name="Picture 15" descr="NLog - Advanced .NET Logging"/>
+          <p:cNvPicPr>
+            <a:picLocks noChangeAspect="1" noChangeArrowheads="1"/>
+          </p:cNvPicPr>
+          <p:nvPr/>
+        </p:nvPicPr>
+        <p:blipFill rotWithShape="1">
+          <a:blip r:embed="rId4">
+            <a:extLst>
+              <a:ext uri="{28A0092B-C50C-407E-A947-70E740481C1C}">
+                <a14:useLocalDpi xmlns:a14="http://schemas.microsoft.com/office/drawing/2010/main" val="0"/>
+              </a:ext>
+            </a:extLst>
+          </a:blip>
+          <a:srcRect l="2161" r="53815"/>
+          <a:stretch/>
+        </p:blipFill>
+        <p:spPr bwMode="auto">
+          <a:xfrm>
+            <a:off x="4648189" y="2230200"/>
+            <a:ext cx="1476000" cy="742951"/>
+          </a:xfrm>
+          <a:prstGeom prst="rect">
+            <a:avLst/>
+          </a:prstGeom>
+          <a:noFill/>
+          <a:extLst>
+            <a:ext uri="{909E8E84-426E-40DD-AFC4-6F175D3DCCD1}">
+              <a14:hiddenFill xmlns:a14="http://schemas.microsoft.com/office/drawing/2010/main">
+                <a:solidFill>
+                  <a:srgbClr val="FFFFFF"/>
+                </a:solidFill>
+              </a14:hiddenFill>
+            </a:ext>
+          </a:extLst>
+        </p:spPr>
+      </p:pic>
+      <p:pic>
+        <p:nvPicPr>
+          <p:cNvPr id="3074" name="Picture 2" descr="SmartGit/Hg"/>
+          <p:cNvPicPr>
+            <a:picLocks noChangeAspect="1" noChangeArrowheads="1"/>
+          </p:cNvPicPr>
+          <p:nvPr/>
+        </p:nvPicPr>
+        <p:blipFill>
+          <a:blip r:embed="rId5">
+            <a:extLst>
+              <a:ext uri="{28A0092B-C50C-407E-A947-70E740481C1C}">
+                <a14:useLocalDpi xmlns:a14="http://schemas.microsoft.com/office/drawing/2010/main" val="0"/>
+              </a:ext>
+            </a:extLst>
+          </a:blip>
+          <a:srcRect/>
+          <a:stretch>
+            <a:fillRect/>
+          </a:stretch>
+        </p:blipFill>
+        <p:spPr bwMode="auto">
+          <a:xfrm>
+            <a:off x="6865540" y="2096850"/>
+            <a:ext cx="1200150" cy="1009650"/>
+          </a:xfrm>
+          <a:prstGeom prst="rect">
+            <a:avLst/>
+          </a:prstGeom>
+          <a:noFill/>
+          <a:ln w="25400">
+            <a:noFill/>
+          </a:ln>
+          <a:extLst>
+            <a:ext uri="{909E8E84-426E-40DD-AFC4-6F175D3DCCD1}">
+              <a14:hiddenFill xmlns:a14="http://schemas.microsoft.com/office/drawing/2010/main">
+                <a:solidFill>
+                  <a:srgbClr val="FFFFFF"/>
+                </a:solidFill>
+              </a14:hiddenFill>
+            </a:ext>
+          </a:extLst>
+        </p:spPr>
+      </p:pic>
+      <p:pic>
+        <p:nvPicPr>
+          <p:cNvPr id="3075" name="Picture 3" descr="C:\Users\hinst\Desktop\Octocat.png"/>
+          <p:cNvPicPr>
+            <a:picLocks noChangeAspect="1" noChangeArrowheads="1"/>
+          </p:cNvPicPr>
+          <p:nvPr/>
+        </p:nvPicPr>
+        <p:blipFill>
+          <a:blip r:embed="rId6" cstate="print">
+            <a:extLst>
+              <a:ext uri="{28A0092B-C50C-407E-A947-70E740481C1C}">
+                <a14:useLocalDpi xmlns:a14="http://schemas.microsoft.com/office/drawing/2010/main" val="0"/>
+              </a:ext>
+            </a:extLst>
+          </a:blip>
+          <a:srcRect/>
+          <a:stretch>
+            <a:fillRect/>
+          </a:stretch>
+        </p:blipFill>
+        <p:spPr bwMode="auto">
+          <a:xfrm>
+            <a:off x="700736" y="3598251"/>
+            <a:ext cx="1588017" cy="1319729"/>
+          </a:xfrm>
+          <a:prstGeom prst="rect">
+            <a:avLst/>
+          </a:prstGeom>
+          <a:noFill/>
+          <a:extLst>
+            <a:ext uri="{909E8E84-426E-40DD-AFC4-6F175D3DCCD1}">
+              <a14:hiddenFill xmlns:a14="http://schemas.microsoft.com/office/drawing/2010/main">
+                <a:solidFill>
+                  <a:srgbClr val="FFFFFF"/>
+                </a:solidFill>
+              </a14:hiddenFill>
+            </a:ext>
+          </a:extLst>
+        </p:spPr>
+      </p:pic>
+      <p:pic>
+        <p:nvPicPr>
+          <p:cNvPr id="3078" name="Picture 6" descr="https://a248.e.akamai.net/assets.github.com/images/modules/logos_page/GitHub-Logo.png?1361400667"/>
+          <p:cNvPicPr>
+            <a:picLocks noChangeAspect="1" noChangeArrowheads="1"/>
+          </p:cNvPicPr>
+          <p:nvPr/>
+        </p:nvPicPr>
+        <p:blipFill>
+          <a:blip r:embed="rId7" cstate="print">
+            <a:extLst>
+              <a:ext uri="{28A0092B-C50C-407E-A947-70E740481C1C}">
+                <a14:useLocalDpi xmlns:a14="http://schemas.microsoft.com/office/drawing/2010/main" val="0"/>
+              </a:ext>
+            </a:extLst>
+          </a:blip>
+          <a:srcRect/>
+          <a:stretch>
+            <a:fillRect/>
+          </a:stretch>
+        </p:blipFill>
+        <p:spPr bwMode="auto">
+          <a:xfrm>
+            <a:off x="2312714" y="3598251"/>
+            <a:ext cx="2830885" cy="1274494"/>
+          </a:xfrm>
+          <a:prstGeom prst="rect">
+            <a:avLst/>
+          </a:prstGeom>
+          <a:noFill/>
+          <a:extLst>
+            <a:ext uri="{909E8E84-426E-40DD-AFC4-6F175D3DCCD1}">
+              <a14:hiddenFill xmlns:a14="http://schemas.microsoft.com/office/drawing/2010/main">
+                <a:solidFill>
+                  <a:srgbClr val="FFFFFF"/>
+                </a:solidFill>
+              </a14:hiddenFill>
+            </a:ext>
+          </a:extLst>
+        </p:spPr>
+      </p:pic>
+    </p:spTree>
+    <p:extLst>
+      <p:ext uri="{BB962C8B-B14F-4D97-AF65-F5344CB8AC3E}">
+        <p14:creationId xmlns:p14="http://schemas.microsoft.com/office/powerpoint/2010/main" val="1772554684"/>
+      </p:ext>
+    </p:extLst>
+  </p:cSld>
+  <p:clrMapOvr>
+    <a:masterClrMapping/>
+  </p:clrMapOvr>
+  <p:transition spd="slow">
+    <p:push/>
+  </p:transition>
+  <p:timing>
+    <p:tnLst>
+      <p:par>
+        <p:cTn id="1" dur="indefinite" restart="never" nodeType="tmRoot"/>
+      </p:par>
+    </p:tnLst>
+  </p:timing>
 </p:sld>
 </file>
 

--- a/Documentation/coursetion.pptx
+++ b/Documentation/coursetion.pptx
@@ -9,6 +9,12 @@
     <p:sldId id="257" r:id="rId3"/>
     <p:sldId id="258" r:id="rId4"/>
     <p:sldId id="259" r:id="rId5"/>
+    <p:sldId id="260" r:id="rId6"/>
+    <p:sldId id="261" r:id="rId7"/>
+    <p:sldId id="262" r:id="rId8"/>
+    <p:sldId id="264" r:id="rId9"/>
+    <p:sldId id="263" r:id="rId10"/>
+    <p:sldId id="265" r:id="rId11"/>
   </p:sldIdLst>
   <p:sldSz cx="9144000" cy="6858000" type="screen4x3"/>
   <p:notesSz cx="6858000" cy="9144000"/>
@@ -116,6 +122,12 @@
             <p14:sldId id="257"/>
             <p14:sldId id="258"/>
             <p14:sldId id="259"/>
+            <p14:sldId id="260"/>
+            <p14:sldId id="261"/>
+            <p14:sldId id="262"/>
+            <p14:sldId id="264"/>
+            <p14:sldId id="263"/>
+            <p14:sldId id="265"/>
           </p14:sldIdLst>
         </p14:section>
       </p14:sectionLst>
@@ -3242,6 +3254,1172 @@
 </p:sld>
 </file>
 
+<file path=ppt/slides/slide10.xml><?xml version="1.0" encoding="utf-8"?>
+<p:sld xmlns:a="http://schemas.openxmlformats.org/drawingml/2006/main" xmlns:r="http://schemas.openxmlformats.org/officeDocument/2006/relationships" xmlns:p="http://schemas.openxmlformats.org/presentationml/2006/main">
+  <p:cSld>
+    <p:spTree>
+      <p:nvGrpSpPr>
+        <p:cNvPr id="1" name=""/>
+        <p:cNvGrpSpPr/>
+        <p:nvPr/>
+      </p:nvGrpSpPr>
+      <p:grpSpPr>
+        <a:xfrm>
+          <a:off x="0" y="0"/>
+          <a:ext cx="0" cy="0"/>
+          <a:chOff x="0" y="0"/>
+          <a:chExt cx="0" cy="0"/>
+        </a:xfrm>
+      </p:grpSpPr>
+      <p:sp>
+        <p:nvSpPr>
+          <p:cNvPr id="2" name="Заголовок 1"/>
+          <p:cNvSpPr>
+            <a:spLocks noGrp="1"/>
+          </p:cNvSpPr>
+          <p:nvPr>
+            <p:ph type="title"/>
+          </p:nvPr>
+        </p:nvSpPr>
+        <p:spPr/>
+        <p:txBody>
+          <a:bodyPr/>
+          <a:lstStyle/>
+          <a:p>
+            <a:r>
+              <a:rPr lang="en-GB" dirty="0" smtClean="0"/>
+              <a:t> Features</a:t>
+            </a:r>
+            <a:endParaRPr lang="ru-RU" dirty="0"/>
+          </a:p>
+        </p:txBody>
+      </p:sp>
+      <p:sp>
+        <p:nvSpPr>
+          <p:cNvPr id="3" name="Объект 2"/>
+          <p:cNvSpPr>
+            <a:spLocks noGrp="1"/>
+          </p:cNvSpPr>
+          <p:nvPr>
+            <p:ph idx="1"/>
+          </p:nvPr>
+        </p:nvSpPr>
+        <p:spPr>
+          <a:xfrm>
+            <a:off x="924744" y="1600201"/>
+            <a:ext cx="982960" cy="676672"/>
+          </a:xfrm>
+        </p:spPr>
+        <p:txBody>
+          <a:bodyPr/>
+          <a:lstStyle/>
+          <a:p>
+            <a:pPr marL="0" indent="0">
+              <a:buNone/>
+            </a:pPr>
+            <a:r>
+              <a:rPr lang="en-US" dirty="0" err="1" smtClean="0"/>
+              <a:t>Linq</a:t>
+            </a:r>
+            <a:endParaRPr lang="en-US" dirty="0" smtClean="0"/>
+          </a:p>
+        </p:txBody>
+      </p:sp>
+      <p:pic>
+        <p:nvPicPr>
+          <p:cNvPr id="10243" name="Picture 3"/>
+          <p:cNvPicPr>
+            <a:picLocks noChangeAspect="1" noChangeArrowheads="1"/>
+          </p:cNvPicPr>
+          <p:nvPr/>
+        </p:nvPicPr>
+        <p:blipFill>
+          <a:blip r:embed="rId2">
+            <a:extLst>
+              <a:ext uri="{28A0092B-C50C-407E-A947-70E740481C1C}">
+                <a14:useLocalDpi xmlns:a14="http://schemas.microsoft.com/office/drawing/2010/main" val="0"/>
+              </a:ext>
+            </a:extLst>
+          </a:blip>
+          <a:srcRect/>
+          <a:stretch>
+            <a:fillRect/>
+          </a:stretch>
+        </p:blipFill>
+        <p:spPr bwMode="auto">
+          <a:xfrm>
+            <a:off x="2427040" y="327720"/>
+            <a:ext cx="1085056" cy="1085056"/>
+          </a:xfrm>
+          <a:prstGeom prst="rect">
+            <a:avLst/>
+          </a:prstGeom>
+          <a:noFill/>
+          <a:ln>
+            <a:noFill/>
+          </a:ln>
+          <a:effectLst/>
+          <a:extLst>
+            <a:ext uri="{909E8E84-426E-40DD-AFC4-6F175D3DCCD1}">
+              <a14:hiddenFill xmlns:a14="http://schemas.microsoft.com/office/drawing/2010/main">
+                <a:solidFill>
+                  <a:schemeClr val="accent1"/>
+                </a:solidFill>
+              </a14:hiddenFill>
+            </a:ext>
+            <a:ext uri="{91240B29-F687-4F45-9708-019B960494DF}">
+              <a14:hiddenLine xmlns:a14="http://schemas.microsoft.com/office/drawing/2010/main" w="9525">
+                <a:solidFill>
+                  <a:schemeClr val="tx1"/>
+                </a:solidFill>
+                <a:miter lim="800000"/>
+                <a:headEnd/>
+                <a:tailEnd/>
+              </a14:hiddenLine>
+            </a:ext>
+            <a:ext uri="{AF507438-7753-43E0-B8FC-AC1667EBCBE1}">
+              <a14:hiddenEffects xmlns:a14="http://schemas.microsoft.com/office/drawing/2010/main">
+                <a:effectLst>
+                  <a:outerShdw dist="35921" dir="2700000" algn="ctr" rotWithShape="0">
+                    <a:schemeClr val="bg2"/>
+                  </a:outerShdw>
+                </a:effectLst>
+              </a14:hiddenEffects>
+            </a:ext>
+          </a:extLst>
+        </p:spPr>
+      </p:pic>
+      <p:sp>
+        <p:nvSpPr>
+          <p:cNvPr id="5" name="Прямоугольник 4"/>
+          <p:cNvSpPr/>
+          <p:nvPr/>
+        </p:nvSpPr>
+        <p:spPr>
+          <a:xfrm>
+            <a:off x="0" y="2276872"/>
+            <a:ext cx="9144000" cy="1323439"/>
+          </a:xfrm>
+          <a:prstGeom prst="rect">
+            <a:avLst/>
+          </a:prstGeom>
+        </p:spPr>
+        <p:txBody>
+          <a:bodyPr wrap="square">
+            <a:spAutoFit/>
+          </a:bodyPr>
+          <a:lstStyle/>
+          <a:p>
+            <a:r>
+              <a:rPr lang="en-GB" sz="1600" dirty="0" err="1">
+                <a:solidFill>
+                  <a:srgbClr val="0000FF"/>
+                </a:solidFill>
+                <a:highlight>
+                  <a:srgbClr val="FFFFFF"/>
+                </a:highlight>
+                <a:latin typeface="Consolas"/>
+              </a:rPr>
+              <a:t>var</a:t>
+            </a:r>
+            <a:r>
+              <a:rPr lang="en-GB" sz="1600" dirty="0">
+                <a:solidFill>
+                  <a:srgbClr val="000000"/>
+                </a:solidFill>
+                <a:highlight>
+                  <a:srgbClr val="FFFFFF"/>
+                </a:highlight>
+                <a:latin typeface="Consolas"/>
+              </a:rPr>
+              <a:t> </a:t>
+            </a:r>
+            <a:r>
+              <a:rPr lang="en-GB" sz="1600" dirty="0" err="1">
+                <a:solidFill>
+                  <a:srgbClr val="000000"/>
+                </a:solidFill>
+                <a:highlight>
+                  <a:srgbClr val="FFFFFF"/>
+                </a:highlight>
+                <a:latin typeface="Consolas"/>
+              </a:rPr>
+              <a:t>associatedLinks</a:t>
+            </a:r>
+            <a:r>
+              <a:rPr lang="en-GB" sz="1600" dirty="0">
+                <a:solidFill>
+                  <a:srgbClr val="000000"/>
+                </a:solidFill>
+                <a:highlight>
+                  <a:srgbClr val="FFFFFF"/>
+                </a:highlight>
+                <a:latin typeface="Consolas"/>
+              </a:rPr>
+              <a:t> =</a:t>
+            </a:r>
+          </a:p>
+          <a:p>
+            <a:r>
+              <a:rPr lang="en-GB" sz="1600" dirty="0" smtClean="0">
+                <a:solidFill>
+                  <a:srgbClr val="0000FF"/>
+                </a:solidFill>
+                <a:highlight>
+                  <a:srgbClr val="FFFFFF"/>
+                </a:highlight>
+                <a:latin typeface="Consolas"/>
+              </a:rPr>
+              <a:t>	from</a:t>
+            </a:r>
+            <a:r>
+              <a:rPr lang="en-GB" sz="1600" dirty="0" smtClean="0">
+                <a:solidFill>
+                  <a:srgbClr val="000000"/>
+                </a:solidFill>
+                <a:highlight>
+                  <a:srgbClr val="FFFFFF"/>
+                </a:highlight>
+                <a:latin typeface="Consolas"/>
+              </a:rPr>
+              <a:t> </a:t>
+            </a:r>
+            <a:r>
+              <a:rPr lang="en-GB" sz="1600" dirty="0">
+                <a:solidFill>
+                  <a:srgbClr val="000000"/>
+                </a:solidFill>
+                <a:highlight>
+                  <a:srgbClr val="FFFFFF"/>
+                </a:highlight>
+                <a:latin typeface="Consolas"/>
+              </a:rPr>
+              <a:t>link</a:t>
+            </a:r>
+          </a:p>
+          <a:p>
+            <a:r>
+              <a:rPr lang="en-GB" sz="1600" dirty="0" smtClean="0">
+                <a:solidFill>
+                  <a:srgbClr val="0000FF"/>
+                </a:solidFill>
+                <a:highlight>
+                  <a:srgbClr val="FFFFFF"/>
+                </a:highlight>
+                <a:latin typeface="Consolas"/>
+              </a:rPr>
+              <a:t>	in</a:t>
+            </a:r>
+            <a:r>
+              <a:rPr lang="en-GB" sz="1600" dirty="0" smtClean="0">
+                <a:solidFill>
+                  <a:srgbClr val="000000"/>
+                </a:solidFill>
+                <a:highlight>
+                  <a:srgbClr val="FFFFFF"/>
+                </a:highlight>
+                <a:latin typeface="Consolas"/>
+              </a:rPr>
+              <a:t> </a:t>
+            </a:r>
+            <a:r>
+              <a:rPr lang="en-GB" sz="1600" dirty="0">
+                <a:solidFill>
+                  <a:srgbClr val="000000"/>
+                </a:solidFill>
+                <a:highlight>
+                  <a:srgbClr val="FFFFFF"/>
+                </a:highlight>
+                <a:latin typeface="Consolas"/>
+              </a:rPr>
+              <a:t>links</a:t>
+            </a:r>
+          </a:p>
+          <a:p>
+            <a:r>
+              <a:rPr lang="en-GB" sz="1600" dirty="0" smtClean="0">
+                <a:solidFill>
+                  <a:srgbClr val="0000FF"/>
+                </a:solidFill>
+                <a:highlight>
+                  <a:srgbClr val="FFFFFF"/>
+                </a:highlight>
+                <a:latin typeface="Consolas"/>
+              </a:rPr>
+              <a:t>	where</a:t>
+            </a:r>
+            <a:r>
+              <a:rPr lang="en-GB" sz="1600" dirty="0" smtClean="0">
+                <a:solidFill>
+                  <a:srgbClr val="000000"/>
+                </a:solidFill>
+                <a:highlight>
+                  <a:srgbClr val="FFFFFF"/>
+                </a:highlight>
+                <a:latin typeface="Consolas"/>
+              </a:rPr>
+              <a:t> </a:t>
+            </a:r>
+            <a:r>
+              <a:rPr lang="en-GB" sz="1600" dirty="0">
+                <a:solidFill>
+                  <a:srgbClr val="000000"/>
+                </a:solidFill>
+                <a:highlight>
+                  <a:srgbClr val="FFFFFF"/>
+                </a:highlight>
+                <a:latin typeface="Consolas"/>
+              </a:rPr>
+              <a:t>link.LinkedNodes.Item1 == </a:t>
+            </a:r>
+            <a:r>
+              <a:rPr lang="en-GB" sz="1600" dirty="0">
+                <a:solidFill>
+                  <a:srgbClr val="0000FF"/>
+                </a:solidFill>
+                <a:highlight>
+                  <a:srgbClr val="FFFFFF"/>
+                </a:highlight>
+                <a:latin typeface="Consolas"/>
+              </a:rPr>
+              <a:t>this</a:t>
+            </a:r>
+            <a:r>
+              <a:rPr lang="en-GB" sz="1600" dirty="0">
+                <a:solidFill>
+                  <a:srgbClr val="000000"/>
+                </a:solidFill>
+                <a:highlight>
+                  <a:srgbClr val="FFFFFF"/>
+                </a:highlight>
+                <a:latin typeface="Consolas"/>
+              </a:rPr>
+              <a:t> || link.LinkedNodes.Item2 == </a:t>
+            </a:r>
+            <a:r>
+              <a:rPr lang="en-GB" sz="1600" dirty="0">
+                <a:solidFill>
+                  <a:srgbClr val="0000FF"/>
+                </a:solidFill>
+                <a:highlight>
+                  <a:srgbClr val="FFFFFF"/>
+                </a:highlight>
+                <a:latin typeface="Consolas"/>
+              </a:rPr>
+              <a:t>this</a:t>
+            </a:r>
+            <a:endParaRPr lang="en-GB" sz="1600" dirty="0">
+              <a:solidFill>
+                <a:srgbClr val="000000"/>
+              </a:solidFill>
+              <a:highlight>
+                <a:srgbClr val="FFFFFF"/>
+              </a:highlight>
+              <a:latin typeface="Consolas"/>
+            </a:endParaRPr>
+          </a:p>
+          <a:p>
+            <a:r>
+              <a:rPr lang="en-GB" sz="1600" dirty="0" smtClean="0">
+                <a:solidFill>
+                  <a:srgbClr val="0000FF"/>
+                </a:solidFill>
+                <a:highlight>
+                  <a:srgbClr val="FFFFFF"/>
+                </a:highlight>
+                <a:latin typeface="Consolas"/>
+              </a:rPr>
+              <a:t>	select</a:t>
+            </a:r>
+            <a:r>
+              <a:rPr lang="en-GB" sz="1600" dirty="0" smtClean="0">
+                <a:solidFill>
+                  <a:srgbClr val="000000"/>
+                </a:solidFill>
+                <a:highlight>
+                  <a:srgbClr val="FFFFFF"/>
+                </a:highlight>
+                <a:latin typeface="Consolas"/>
+              </a:rPr>
+              <a:t> </a:t>
+            </a:r>
+            <a:r>
+              <a:rPr lang="en-GB" sz="1600" dirty="0">
+                <a:solidFill>
+                  <a:srgbClr val="000000"/>
+                </a:solidFill>
+                <a:highlight>
+                  <a:srgbClr val="FFFFFF"/>
+                </a:highlight>
+                <a:latin typeface="Consolas"/>
+              </a:rPr>
+              <a:t>link;</a:t>
+            </a:r>
+          </a:p>
+        </p:txBody>
+      </p:sp>
+      <p:sp>
+        <p:nvSpPr>
+          <p:cNvPr id="10" name="Объект 2"/>
+          <p:cNvSpPr txBox="1">
+            <a:spLocks/>
+          </p:cNvSpPr>
+          <p:nvPr/>
+        </p:nvSpPr>
+        <p:spPr>
+          <a:xfrm>
+            <a:off x="924744" y="3778002"/>
+            <a:ext cx="3647256" cy="676672"/>
+          </a:xfrm>
+          <a:prstGeom prst="rect">
+            <a:avLst/>
+          </a:prstGeom>
+        </p:spPr>
+        <p:txBody>
+          <a:bodyPr vert="horz" lIns="91440" tIns="45720" rIns="91440" bIns="45720" rtlCol="0">
+            <a:normAutofit/>
+          </a:bodyPr>
+          <a:lstStyle>
+            <a:lvl1pPr marL="342900" indent="-342900" algn="l" defTabSz="914400" rtl="0" eaLnBrk="1" latinLnBrk="0" hangingPunct="1">
+              <a:spcBef>
+                <a:spcPct val="20000"/>
+              </a:spcBef>
+              <a:buFont typeface="Arial" pitchFamily="34" charset="0"/>
+              <a:buChar char="•"/>
+              <a:defRPr sz="3200" kern="1200">
+                <a:solidFill>
+                  <a:schemeClr val="tx1"/>
+                </a:solidFill>
+                <a:latin typeface="+mn-lt"/>
+                <a:ea typeface="+mn-ea"/>
+                <a:cs typeface="+mn-cs"/>
+              </a:defRPr>
+            </a:lvl1pPr>
+            <a:lvl2pPr marL="742950" indent="-285750" algn="l" defTabSz="914400" rtl="0" eaLnBrk="1" latinLnBrk="0" hangingPunct="1">
+              <a:spcBef>
+                <a:spcPct val="20000"/>
+              </a:spcBef>
+              <a:buFont typeface="Arial" pitchFamily="34" charset="0"/>
+              <a:buChar char="–"/>
+              <a:defRPr sz="2800" kern="1200">
+                <a:solidFill>
+                  <a:schemeClr val="tx1"/>
+                </a:solidFill>
+                <a:latin typeface="+mn-lt"/>
+                <a:ea typeface="+mn-ea"/>
+                <a:cs typeface="+mn-cs"/>
+              </a:defRPr>
+            </a:lvl2pPr>
+            <a:lvl3pPr marL="1143000" indent="-228600" algn="l" defTabSz="914400" rtl="0" eaLnBrk="1" latinLnBrk="0" hangingPunct="1">
+              <a:spcBef>
+                <a:spcPct val="20000"/>
+              </a:spcBef>
+              <a:buFont typeface="Arial" pitchFamily="34" charset="0"/>
+              <a:buChar char="•"/>
+              <a:defRPr sz="2400" kern="1200">
+                <a:solidFill>
+                  <a:schemeClr val="tx1"/>
+                </a:solidFill>
+                <a:latin typeface="+mn-lt"/>
+                <a:ea typeface="+mn-ea"/>
+                <a:cs typeface="+mn-cs"/>
+              </a:defRPr>
+            </a:lvl3pPr>
+            <a:lvl4pPr marL="1600200" indent="-228600" algn="l" defTabSz="914400" rtl="0" eaLnBrk="1" latinLnBrk="0" hangingPunct="1">
+              <a:spcBef>
+                <a:spcPct val="20000"/>
+              </a:spcBef>
+              <a:buFont typeface="Arial" pitchFamily="34" charset="0"/>
+              <a:buChar char="–"/>
+              <a:defRPr sz="2000" kern="1200">
+                <a:solidFill>
+                  <a:schemeClr val="tx1"/>
+                </a:solidFill>
+                <a:latin typeface="+mn-lt"/>
+                <a:ea typeface="+mn-ea"/>
+                <a:cs typeface="+mn-cs"/>
+              </a:defRPr>
+            </a:lvl4pPr>
+            <a:lvl5pPr marL="2057400" indent="-228600" algn="l" defTabSz="914400" rtl="0" eaLnBrk="1" latinLnBrk="0" hangingPunct="1">
+              <a:spcBef>
+                <a:spcPct val="20000"/>
+              </a:spcBef>
+              <a:buFont typeface="Arial" pitchFamily="34" charset="0"/>
+              <a:buChar char="»"/>
+              <a:defRPr sz="2000" kern="1200">
+                <a:solidFill>
+                  <a:schemeClr val="tx1"/>
+                </a:solidFill>
+                <a:latin typeface="+mn-lt"/>
+                <a:ea typeface="+mn-ea"/>
+                <a:cs typeface="+mn-cs"/>
+              </a:defRPr>
+            </a:lvl5pPr>
+            <a:lvl6pPr marL="2514600" indent="-228600" algn="l" defTabSz="914400" rtl="0" eaLnBrk="1" latinLnBrk="0" hangingPunct="1">
+              <a:spcBef>
+                <a:spcPct val="20000"/>
+              </a:spcBef>
+              <a:buFont typeface="Arial" pitchFamily="34" charset="0"/>
+              <a:buChar char="•"/>
+              <a:defRPr sz="2000" kern="1200">
+                <a:solidFill>
+                  <a:schemeClr val="tx1"/>
+                </a:solidFill>
+                <a:latin typeface="+mn-lt"/>
+                <a:ea typeface="+mn-ea"/>
+                <a:cs typeface="+mn-cs"/>
+              </a:defRPr>
+            </a:lvl6pPr>
+            <a:lvl7pPr marL="2971800" indent="-228600" algn="l" defTabSz="914400" rtl="0" eaLnBrk="1" latinLnBrk="0" hangingPunct="1">
+              <a:spcBef>
+                <a:spcPct val="20000"/>
+              </a:spcBef>
+              <a:buFont typeface="Arial" pitchFamily="34" charset="0"/>
+              <a:buChar char="•"/>
+              <a:defRPr sz="2000" kern="1200">
+                <a:solidFill>
+                  <a:schemeClr val="tx1"/>
+                </a:solidFill>
+                <a:latin typeface="+mn-lt"/>
+                <a:ea typeface="+mn-ea"/>
+                <a:cs typeface="+mn-cs"/>
+              </a:defRPr>
+            </a:lvl7pPr>
+            <a:lvl8pPr marL="3429000" indent="-228600" algn="l" defTabSz="914400" rtl="0" eaLnBrk="1" latinLnBrk="0" hangingPunct="1">
+              <a:spcBef>
+                <a:spcPct val="20000"/>
+              </a:spcBef>
+              <a:buFont typeface="Arial" pitchFamily="34" charset="0"/>
+              <a:buChar char="•"/>
+              <a:defRPr sz="2000" kern="1200">
+                <a:solidFill>
+                  <a:schemeClr val="tx1"/>
+                </a:solidFill>
+                <a:latin typeface="+mn-lt"/>
+                <a:ea typeface="+mn-ea"/>
+                <a:cs typeface="+mn-cs"/>
+              </a:defRPr>
+            </a:lvl8pPr>
+            <a:lvl9pPr marL="3886200" indent="-228600" algn="l" defTabSz="914400" rtl="0" eaLnBrk="1" latinLnBrk="0" hangingPunct="1">
+              <a:spcBef>
+                <a:spcPct val="20000"/>
+              </a:spcBef>
+              <a:buFont typeface="Arial" pitchFamily="34" charset="0"/>
+              <a:buChar char="•"/>
+              <a:defRPr sz="2000" kern="1200">
+                <a:solidFill>
+                  <a:schemeClr val="tx1"/>
+                </a:solidFill>
+                <a:latin typeface="+mn-lt"/>
+                <a:ea typeface="+mn-ea"/>
+                <a:cs typeface="+mn-cs"/>
+              </a:defRPr>
+            </a:lvl9pPr>
+          </a:lstStyle>
+          <a:p>
+            <a:pPr marL="0" indent="0">
+              <a:buFont typeface="Arial" pitchFamily="34" charset="0"/>
+              <a:buNone/>
+            </a:pPr>
+            <a:r>
+              <a:rPr lang="en-US" dirty="0" smtClean="0"/>
+              <a:t>Lambda expressions</a:t>
+            </a:r>
+            <a:endParaRPr lang="en-US" dirty="0" smtClean="0"/>
+          </a:p>
+        </p:txBody>
+      </p:sp>
+      <p:pic>
+        <p:nvPicPr>
+          <p:cNvPr id="10246" name="Picture 6"/>
+          <p:cNvPicPr>
+            <a:picLocks noChangeAspect="1" noChangeArrowheads="1"/>
+          </p:cNvPicPr>
+          <p:nvPr/>
+        </p:nvPicPr>
+        <p:blipFill>
+          <a:blip r:embed="rId3">
+            <a:extLst>
+              <a:ext uri="{28A0092B-C50C-407E-A947-70E740481C1C}">
+                <a14:useLocalDpi xmlns:a14="http://schemas.microsoft.com/office/drawing/2010/main" val="0"/>
+              </a:ext>
+            </a:extLst>
+          </a:blip>
+          <a:srcRect/>
+          <a:stretch>
+            <a:fillRect/>
+          </a:stretch>
+        </p:blipFill>
+        <p:spPr bwMode="auto">
+          <a:xfrm>
+            <a:off x="429444" y="1700808"/>
+            <a:ext cx="457200" cy="457200"/>
+          </a:xfrm>
+          <a:prstGeom prst="rect">
+            <a:avLst/>
+          </a:prstGeom>
+          <a:noFill/>
+          <a:ln>
+            <a:noFill/>
+          </a:ln>
+          <a:effectLst/>
+          <a:extLst>
+            <a:ext uri="{909E8E84-426E-40DD-AFC4-6F175D3DCCD1}">
+              <a14:hiddenFill xmlns:a14="http://schemas.microsoft.com/office/drawing/2010/main">
+                <a:solidFill>
+                  <a:schemeClr val="accent1"/>
+                </a:solidFill>
+              </a14:hiddenFill>
+            </a:ext>
+            <a:ext uri="{91240B29-F687-4F45-9708-019B960494DF}">
+              <a14:hiddenLine xmlns:a14="http://schemas.microsoft.com/office/drawing/2010/main" w="9525">
+                <a:solidFill>
+                  <a:schemeClr val="tx1"/>
+                </a:solidFill>
+                <a:miter lim="800000"/>
+                <a:headEnd/>
+                <a:tailEnd/>
+              </a14:hiddenLine>
+            </a:ext>
+            <a:ext uri="{AF507438-7753-43E0-B8FC-AC1667EBCBE1}">
+              <a14:hiddenEffects xmlns:a14="http://schemas.microsoft.com/office/drawing/2010/main">
+                <a:effectLst>
+                  <a:outerShdw dist="35921" dir="2700000" algn="ctr" rotWithShape="0">
+                    <a:schemeClr val="bg2"/>
+                  </a:outerShdw>
+                </a:effectLst>
+              </a14:hiddenEffects>
+            </a:ext>
+          </a:extLst>
+        </p:spPr>
+      </p:pic>
+      <p:pic>
+        <p:nvPicPr>
+          <p:cNvPr id="10247" name="Picture 7"/>
+          <p:cNvPicPr>
+            <a:picLocks noChangeAspect="1" noChangeArrowheads="1"/>
+          </p:cNvPicPr>
+          <p:nvPr/>
+        </p:nvPicPr>
+        <p:blipFill>
+          <a:blip r:embed="rId4">
+            <a:extLst>
+              <a:ext uri="{28A0092B-C50C-407E-A947-70E740481C1C}">
+                <a14:useLocalDpi xmlns:a14="http://schemas.microsoft.com/office/drawing/2010/main" val="0"/>
+              </a:ext>
+            </a:extLst>
+          </a:blip>
+          <a:srcRect/>
+          <a:stretch>
+            <a:fillRect/>
+          </a:stretch>
+        </p:blipFill>
+        <p:spPr bwMode="auto">
+          <a:xfrm>
+            <a:off x="429444" y="3822601"/>
+            <a:ext cx="457200" cy="457200"/>
+          </a:xfrm>
+          <a:prstGeom prst="rect">
+            <a:avLst/>
+          </a:prstGeom>
+          <a:noFill/>
+          <a:ln>
+            <a:noFill/>
+          </a:ln>
+          <a:effectLst/>
+          <a:extLst>
+            <a:ext uri="{909E8E84-426E-40DD-AFC4-6F175D3DCCD1}">
+              <a14:hiddenFill xmlns:a14="http://schemas.microsoft.com/office/drawing/2010/main">
+                <a:solidFill>
+                  <a:schemeClr val="accent1"/>
+                </a:solidFill>
+              </a14:hiddenFill>
+            </a:ext>
+            <a:ext uri="{91240B29-F687-4F45-9708-019B960494DF}">
+              <a14:hiddenLine xmlns:a14="http://schemas.microsoft.com/office/drawing/2010/main" w="9525">
+                <a:solidFill>
+                  <a:schemeClr val="tx1"/>
+                </a:solidFill>
+                <a:miter lim="800000"/>
+                <a:headEnd/>
+                <a:tailEnd/>
+              </a14:hiddenLine>
+            </a:ext>
+            <a:ext uri="{AF507438-7753-43E0-B8FC-AC1667EBCBE1}">
+              <a14:hiddenEffects xmlns:a14="http://schemas.microsoft.com/office/drawing/2010/main">
+                <a:effectLst>
+                  <a:outerShdw dist="35921" dir="2700000" algn="ctr" rotWithShape="0">
+                    <a:schemeClr val="bg2"/>
+                  </a:outerShdw>
+                </a:effectLst>
+              </a14:hiddenEffects>
+            </a:ext>
+          </a:extLst>
+        </p:spPr>
+      </p:pic>
+      <p:sp>
+        <p:nvSpPr>
+          <p:cNvPr id="7" name="Прямоугольник 6"/>
+          <p:cNvSpPr/>
+          <p:nvPr/>
+        </p:nvSpPr>
+        <p:spPr>
+          <a:xfrm>
+            <a:off x="0" y="4479975"/>
+            <a:ext cx="8244408" cy="2062103"/>
+          </a:xfrm>
+          <a:prstGeom prst="rect">
+            <a:avLst/>
+          </a:prstGeom>
+          <a:noFill/>
+        </p:spPr>
+        <p:txBody>
+          <a:bodyPr wrap="square">
+            <a:spAutoFit/>
+          </a:bodyPr>
+          <a:lstStyle/>
+          <a:p>
+            <a:r>
+              <a:rPr lang="en-GB" sz="1600" dirty="0" err="1">
+                <a:solidFill>
+                  <a:srgbClr val="2B91AF"/>
+                </a:solidFill>
+                <a:highlight>
+                  <a:srgbClr val="FFFFFF"/>
+                </a:highlight>
+                <a:latin typeface="Consolas"/>
+              </a:rPr>
+              <a:t>ForEach</a:t>
+            </a:r>
+            <a:r>
+              <a:rPr lang="en-GB" sz="1600" dirty="0" err="1">
+                <a:solidFill>
+                  <a:srgbClr val="000000"/>
+                </a:solidFill>
+                <a:highlight>
+                  <a:srgbClr val="FFFFFF"/>
+                </a:highlight>
+                <a:latin typeface="Consolas"/>
+              </a:rPr>
+              <a:t>.MatchingType</a:t>
+            </a:r>
+            <a:r>
+              <a:rPr lang="en-GB" sz="1600" dirty="0">
+                <a:solidFill>
+                  <a:srgbClr val="000000"/>
+                </a:solidFill>
+                <a:highlight>
+                  <a:srgbClr val="FFFFFF"/>
+                </a:highlight>
+                <a:latin typeface="Consolas"/>
+              </a:rPr>
+              <a:t>&lt;</a:t>
+            </a:r>
+            <a:r>
+              <a:rPr lang="en-GB" sz="1600" dirty="0" err="1">
+                <a:solidFill>
+                  <a:srgbClr val="2B91AF"/>
+                </a:solidFill>
+                <a:highlight>
+                  <a:srgbClr val="FFFFFF"/>
+                </a:highlight>
+                <a:latin typeface="Consolas"/>
+              </a:rPr>
+              <a:t>DependencyObject</a:t>
+            </a:r>
+            <a:r>
+              <a:rPr lang="en-GB" sz="1600" dirty="0">
+                <a:solidFill>
+                  <a:srgbClr val="000000"/>
+                </a:solidFill>
+                <a:highlight>
+                  <a:srgbClr val="FFFFFF"/>
+                </a:highlight>
+                <a:latin typeface="Consolas"/>
+              </a:rPr>
+              <a:t>&gt;(</a:t>
+            </a:r>
+          </a:p>
+          <a:p>
+            <a:r>
+              <a:rPr lang="en-GB" sz="1600" dirty="0" smtClean="0">
+                <a:solidFill>
+                  <a:srgbClr val="000000"/>
+                </a:solidFill>
+                <a:highlight>
+                  <a:srgbClr val="FFFFFF"/>
+                </a:highlight>
+                <a:latin typeface="Consolas"/>
+              </a:rPr>
+              <a:t>	</a:t>
+            </a:r>
+            <a:r>
+              <a:rPr lang="en-GB" sz="1600" dirty="0" err="1" smtClean="0">
+                <a:solidFill>
+                  <a:srgbClr val="000000"/>
+                </a:solidFill>
+                <a:highlight>
+                  <a:srgbClr val="FFFFFF"/>
+                </a:highlight>
+                <a:latin typeface="Consolas"/>
+              </a:rPr>
+              <a:t>TheCanvas.Children</a:t>
+            </a:r>
+            <a:r>
+              <a:rPr lang="en-GB" sz="1600" dirty="0">
+                <a:solidFill>
+                  <a:srgbClr val="000000"/>
+                </a:solidFill>
+                <a:highlight>
+                  <a:srgbClr val="FFFFFF"/>
+                </a:highlight>
+                <a:latin typeface="Consolas"/>
+              </a:rPr>
+              <a:t>,</a:t>
+            </a:r>
+          </a:p>
+          <a:p>
+            <a:r>
+              <a:rPr lang="en-GB" sz="1600" dirty="0" smtClean="0">
+                <a:solidFill>
+                  <a:srgbClr val="000000"/>
+                </a:solidFill>
+                <a:highlight>
+                  <a:srgbClr val="FFFFFF"/>
+                </a:highlight>
+                <a:latin typeface="Consolas"/>
+              </a:rPr>
+              <a:t>	(</a:t>
+            </a:r>
+            <a:r>
+              <a:rPr lang="en-GB" sz="1600" dirty="0">
+                <a:solidFill>
+                  <a:srgbClr val="000000"/>
+                </a:solidFill>
+                <a:highlight>
+                  <a:srgbClr val="FFFFFF"/>
+                </a:highlight>
+                <a:latin typeface="Consolas"/>
+              </a:rPr>
+              <a:t>element) </a:t>
+            </a:r>
+            <a:r>
+              <a:rPr lang="en-GB" sz="1600" b="1" dirty="0">
+                <a:solidFill>
+                  <a:srgbClr val="000000"/>
+                </a:solidFill>
+                <a:highlight>
+                  <a:srgbClr val="FFFFFF"/>
+                </a:highlight>
+                <a:uFill>
+                  <a:solidFill>
+                    <a:srgbClr val="C00000"/>
+                  </a:solidFill>
+                </a:uFill>
+                <a:latin typeface="Consolas"/>
+              </a:rPr>
+              <a:t>=&gt;</a:t>
+            </a:r>
+            <a:r>
+              <a:rPr lang="en-GB" sz="1600" dirty="0">
+                <a:solidFill>
+                  <a:srgbClr val="000000"/>
+                </a:solidFill>
+                <a:highlight>
+                  <a:srgbClr val="FFFFFF"/>
+                </a:highlight>
+                <a:latin typeface="Consolas"/>
+              </a:rPr>
+              <a:t> </a:t>
+            </a:r>
+          </a:p>
+          <a:p>
+            <a:r>
+              <a:rPr lang="en-US" sz="1600" dirty="0" smtClean="0">
+                <a:solidFill>
+                  <a:srgbClr val="000000"/>
+                </a:solidFill>
+                <a:highlight>
+                  <a:srgbClr val="FFFFFF"/>
+                </a:highlight>
+                <a:latin typeface="Consolas"/>
+              </a:rPr>
+              <a:t>	</a:t>
+            </a:r>
+            <a:r>
+              <a:rPr lang="ru-RU" sz="1600" dirty="0" smtClean="0">
+                <a:solidFill>
+                  <a:srgbClr val="000000"/>
+                </a:solidFill>
+                <a:highlight>
+                  <a:srgbClr val="FFFFFF"/>
+                </a:highlight>
+                <a:latin typeface="Consolas"/>
+              </a:rPr>
+              <a:t>{</a:t>
+            </a:r>
+            <a:endParaRPr lang="ru-RU" sz="1600" dirty="0">
+              <a:solidFill>
+                <a:srgbClr val="000000"/>
+              </a:solidFill>
+              <a:highlight>
+                <a:srgbClr val="FFFFFF"/>
+              </a:highlight>
+              <a:latin typeface="Consolas"/>
+            </a:endParaRPr>
+          </a:p>
+          <a:p>
+            <a:r>
+              <a:rPr lang="en-GB" sz="1600" dirty="0" smtClean="0">
+                <a:solidFill>
+                  <a:srgbClr val="000000"/>
+                </a:solidFill>
+                <a:highlight>
+                  <a:srgbClr val="FFFFFF"/>
+                </a:highlight>
+                <a:latin typeface="Consolas"/>
+              </a:rPr>
+              <a:t>		</a:t>
+            </a:r>
+            <a:r>
+              <a:rPr lang="en-GB" sz="1600" dirty="0" err="1" smtClean="0">
+                <a:solidFill>
+                  <a:srgbClr val="000000"/>
+                </a:solidFill>
+                <a:highlight>
+                  <a:srgbClr val="FFFFFF"/>
+                </a:highlight>
+                <a:latin typeface="Consolas"/>
+              </a:rPr>
+              <a:t>element.SetValue</a:t>
+            </a:r>
+            <a:r>
+              <a:rPr lang="en-GB" sz="1600" dirty="0" smtClean="0">
+                <a:solidFill>
+                  <a:srgbClr val="000000"/>
+                </a:solidFill>
+                <a:highlight>
+                  <a:srgbClr val="FFFFFF"/>
+                </a:highlight>
+                <a:latin typeface="Consolas"/>
+              </a:rPr>
+              <a:t>(</a:t>
+            </a:r>
+            <a:r>
+              <a:rPr lang="en-GB" sz="1600" dirty="0" err="1" smtClean="0">
+                <a:solidFill>
+                  <a:srgbClr val="000000"/>
+                </a:solidFill>
+                <a:highlight>
+                  <a:srgbClr val="FFFFFF"/>
+                </a:highlight>
+                <a:latin typeface="Consolas"/>
+              </a:rPr>
+              <a:t>IdProperty</a:t>
+            </a:r>
+            <a:r>
+              <a:rPr lang="en-GB" sz="1600" dirty="0">
+                <a:solidFill>
+                  <a:srgbClr val="000000"/>
+                </a:solidFill>
+                <a:highlight>
+                  <a:srgbClr val="FFFFFF"/>
+                </a:highlight>
+                <a:latin typeface="Consolas"/>
+              </a:rPr>
+              <a:t>, </a:t>
+            </a:r>
+            <a:r>
+              <a:rPr lang="en-GB" sz="1600" dirty="0" err="1">
+                <a:solidFill>
+                  <a:srgbClr val="000000"/>
+                </a:solidFill>
+                <a:highlight>
+                  <a:srgbClr val="FFFFFF"/>
+                </a:highlight>
+                <a:latin typeface="Consolas"/>
+              </a:rPr>
+              <a:t>GetNewId</a:t>
+            </a:r>
+            <a:r>
+              <a:rPr lang="en-GB" sz="1600" dirty="0">
+                <a:solidFill>
+                  <a:srgbClr val="000000"/>
+                </a:solidFill>
+                <a:highlight>
+                  <a:srgbClr val="FFFFFF"/>
+                </a:highlight>
+                <a:latin typeface="Consolas"/>
+              </a:rPr>
+              <a:t>(element));</a:t>
+            </a:r>
+          </a:p>
+          <a:p>
+            <a:r>
+              <a:rPr lang="en-GB" sz="1600" dirty="0" smtClean="0">
+                <a:solidFill>
+                  <a:srgbClr val="2B91AF"/>
+                </a:solidFill>
+                <a:highlight>
+                  <a:srgbClr val="FFFFFF"/>
+                </a:highlight>
+                <a:latin typeface="Consolas"/>
+              </a:rPr>
+              <a:t>		</a:t>
+            </a:r>
+            <a:r>
+              <a:rPr lang="en-GB" sz="1600" dirty="0" err="1" smtClean="0">
+                <a:solidFill>
+                  <a:srgbClr val="2B91AF"/>
+                </a:solidFill>
+                <a:highlight>
+                  <a:srgbClr val="FFFFFF"/>
+                </a:highlight>
+                <a:latin typeface="Consolas"/>
+              </a:rPr>
+              <a:t>Console</a:t>
+            </a:r>
+            <a:r>
+              <a:rPr lang="en-GB" sz="1600" dirty="0" err="1" smtClean="0">
+                <a:solidFill>
+                  <a:srgbClr val="000000"/>
+                </a:solidFill>
+                <a:highlight>
+                  <a:srgbClr val="FFFFFF"/>
+                </a:highlight>
+                <a:latin typeface="Consolas"/>
+              </a:rPr>
+              <a:t>.WriteLine</a:t>
+            </a:r>
+            <a:r>
+              <a:rPr lang="en-GB" sz="1600" dirty="0" smtClean="0">
+                <a:solidFill>
+                  <a:srgbClr val="000000"/>
+                </a:solidFill>
+                <a:highlight>
+                  <a:srgbClr val="FFFFFF"/>
+                </a:highlight>
+                <a:latin typeface="Consolas"/>
+              </a:rPr>
+              <a:t>(</a:t>
+            </a:r>
+            <a:r>
+              <a:rPr lang="en-GB" sz="1600" dirty="0" err="1" smtClean="0">
+                <a:solidFill>
+                  <a:srgbClr val="000000"/>
+                </a:solidFill>
+                <a:highlight>
+                  <a:srgbClr val="FFFFFF"/>
+                </a:highlight>
+                <a:latin typeface="Consolas"/>
+              </a:rPr>
+              <a:t>GetExistingId</a:t>
+            </a:r>
+            <a:r>
+              <a:rPr lang="en-GB" sz="1600" dirty="0" smtClean="0">
+                <a:solidFill>
+                  <a:srgbClr val="000000"/>
+                </a:solidFill>
+                <a:highlight>
+                  <a:srgbClr val="FFFFFF"/>
+                </a:highlight>
+                <a:latin typeface="Consolas"/>
+              </a:rPr>
+              <a:t>(element</a:t>
+            </a:r>
+            <a:r>
+              <a:rPr lang="en-GB" sz="1600" dirty="0">
+                <a:solidFill>
+                  <a:srgbClr val="000000"/>
+                </a:solidFill>
+                <a:highlight>
+                  <a:srgbClr val="FFFFFF"/>
+                </a:highlight>
+                <a:latin typeface="Consolas"/>
+              </a:rPr>
+              <a:t>));</a:t>
+            </a:r>
+          </a:p>
+          <a:p>
+            <a:r>
+              <a:rPr lang="en-US" sz="1600" dirty="0" smtClean="0">
+                <a:solidFill>
+                  <a:srgbClr val="000000"/>
+                </a:solidFill>
+                <a:highlight>
+                  <a:srgbClr val="FFFFFF"/>
+                </a:highlight>
+                <a:latin typeface="Consolas"/>
+              </a:rPr>
+              <a:t>	</a:t>
+            </a:r>
+            <a:r>
+              <a:rPr lang="ru-RU" sz="1600" dirty="0" smtClean="0">
+                <a:solidFill>
+                  <a:srgbClr val="000000"/>
+                </a:solidFill>
+                <a:highlight>
+                  <a:srgbClr val="FFFFFF"/>
+                </a:highlight>
+                <a:latin typeface="Consolas"/>
+              </a:rPr>
+              <a:t>}</a:t>
+            </a:r>
+            <a:endParaRPr lang="ru-RU" sz="1600" dirty="0">
+              <a:solidFill>
+                <a:srgbClr val="000000"/>
+              </a:solidFill>
+              <a:highlight>
+                <a:srgbClr val="FFFFFF"/>
+              </a:highlight>
+              <a:latin typeface="Consolas"/>
+            </a:endParaRPr>
+          </a:p>
+          <a:p>
+            <a:r>
+              <a:rPr lang="ru-RU" sz="1600" dirty="0" smtClean="0">
+                <a:solidFill>
+                  <a:srgbClr val="000000"/>
+                </a:solidFill>
+                <a:highlight>
+                  <a:srgbClr val="FFFFFF"/>
+                </a:highlight>
+                <a:latin typeface="Consolas"/>
+              </a:rPr>
+              <a:t>);</a:t>
+            </a:r>
+            <a:endParaRPr lang="ru-RU" sz="1600" dirty="0">
+              <a:solidFill>
+                <a:srgbClr val="000000"/>
+              </a:solidFill>
+              <a:highlight>
+                <a:srgbClr val="FFFFFF"/>
+              </a:highlight>
+              <a:latin typeface="Consolas"/>
+            </a:endParaRPr>
+          </a:p>
+        </p:txBody>
+      </p:sp>
+    </p:spTree>
+    <p:extLst>
+      <p:ext uri="{BB962C8B-B14F-4D97-AF65-F5344CB8AC3E}">
+        <p14:creationId xmlns:p14="http://schemas.microsoft.com/office/powerpoint/2010/main" val="1725258072"/>
+      </p:ext>
+    </p:extLst>
+  </p:cSld>
+  <p:clrMapOvr>
+    <a:masterClrMapping/>
+  </p:clrMapOvr>
+  <p:timing>
+    <p:tnLst>
+      <p:par>
+        <p:cTn id="1" dur="indefinite" restart="never" nodeType="tmRoot"/>
+      </p:par>
+    </p:tnLst>
+  </p:timing>
+</p:sld>
+</file>
+
 <file path=ppt/slides/slide2.xml><?xml version="1.0" encoding="utf-8"?>
 <p:sld xmlns:a="http://schemas.openxmlformats.org/drawingml/2006/main" xmlns:r="http://schemas.openxmlformats.org/officeDocument/2006/relationships" xmlns:p="http://schemas.openxmlformats.org/presentationml/2006/main">
   <p:cSld>
@@ -3814,128 +4992,72 @@
           <a:p>
             <a:r>
               <a:rPr lang="en-US" dirty="0" smtClean="0"/>
-              <a:t>Tools</a:t>
+              <a:t>Development</a:t>
             </a:r>
             <a:endParaRPr lang="ru-RU" dirty="0"/>
           </a:p>
         </p:txBody>
       </p:sp>
-      <p:grpSp>
-        <p:nvGrpSpPr>
-          <p:cNvPr id="15" name="Группа 14"/>
-          <p:cNvGrpSpPr/>
+      <p:sp>
+        <p:nvSpPr>
+          <p:cNvPr id="14" name="Прямоугольник 13"/>
+          <p:cNvSpPr/>
           <p:nvPr/>
-        </p:nvGrpSpPr>
-        <p:grpSpPr>
+        </p:nvSpPr>
+        <p:spPr>
           <a:xfrm>
-            <a:off x="1333650" y="3942581"/>
-            <a:ext cx="1584176" cy="1008112"/>
-            <a:chOff x="179512" y="1412776"/>
-            <a:chExt cx="1584176" cy="1008112"/>
+            <a:off x="1333650" y="3942580"/>
+            <a:ext cx="1584176" cy="1142603"/>
           </a:xfrm>
-        </p:grpSpPr>
-        <p:sp>
-          <p:nvSpPr>
-            <p:cNvPr id="14" name="Прямоугольник 13"/>
-            <p:cNvSpPr/>
-            <p:nvPr/>
-          </p:nvSpPr>
-          <p:spPr>
-            <a:xfrm>
-              <a:off x="179512" y="1412776"/>
-              <a:ext cx="1584176" cy="1008112"/>
-            </a:xfrm>
-            <a:prstGeom prst="rect">
-              <a:avLst/>
-            </a:prstGeom>
+          <a:prstGeom prst="rect">
+            <a:avLst/>
+          </a:prstGeom>
+          <a:solidFill>
+            <a:schemeClr val="bg1"/>
+          </a:solidFill>
+          <a:ln>
             <a:solidFill>
-              <a:schemeClr val="bg1"/>
+              <a:schemeClr val="tx1">
+                <a:alpha val="40000"/>
+              </a:schemeClr>
             </a:solidFill>
-            <a:ln>
-              <a:solidFill>
-                <a:schemeClr val="tx1">
-                  <a:alpha val="40000"/>
-                </a:schemeClr>
-              </a:solidFill>
-            </a:ln>
-          </p:spPr>
-          <p:style>
-            <a:lnRef idx="2">
-              <a:schemeClr val="accent1">
-                <a:shade val="50000"/>
-              </a:schemeClr>
-            </a:lnRef>
-            <a:fillRef idx="1">
-              <a:schemeClr val="accent1"/>
-            </a:fillRef>
-            <a:effectRef idx="0">
-              <a:schemeClr val="accent1"/>
-            </a:effectRef>
-            <a:fontRef idx="minor">
-              <a:schemeClr val="lt1"/>
-            </a:fontRef>
-          </p:style>
-          <p:txBody>
-            <a:bodyPr rtlCol="0" anchor="ctr"/>
-            <a:lstStyle/>
-            <a:p>
-              <a:pPr algn="ctr"/>
-              <a:endParaRPr lang="ru-RU"/>
-            </a:p>
-          </p:txBody>
-        </p:sp>
-        <p:pic>
-          <p:nvPicPr>
-            <p:cNvPr id="2052" name="Picture 4" descr="http://edu.cbsystematics.com/images/news/7a2f448a-e991-431c-9730-39616a426a83.png"/>
-            <p:cNvPicPr>
-              <a:picLocks noChangeAspect="1" noChangeArrowheads="1"/>
-            </p:cNvPicPr>
-            <p:nvPr/>
-          </p:nvPicPr>
-          <p:blipFill>
-            <a:blip r:embed="rId2">
-              <a:extLst>
-                <a:ext uri="{28A0092B-C50C-407E-A947-70E740481C1C}">
-                  <a14:useLocalDpi xmlns:a14="http://schemas.microsoft.com/office/drawing/2010/main" val="0"/>
-                </a:ext>
-              </a:extLst>
-            </a:blip>
-            <a:srcRect/>
-            <a:stretch>
-              <a:fillRect/>
-            </a:stretch>
-          </p:blipFill>
-          <p:spPr bwMode="auto">
-            <a:xfrm>
-              <a:off x="288530" y="1556792"/>
-              <a:ext cx="1416123" cy="546916"/>
-            </a:xfrm>
-            <a:prstGeom prst="rect">
-              <a:avLst/>
-            </a:prstGeom>
-            <a:noFill/>
-            <a:extLst>
-              <a:ext uri="{909E8E84-426E-40DD-AFC4-6F175D3DCCD1}">
-                <a14:hiddenFill xmlns:a14="http://schemas.microsoft.com/office/drawing/2010/main">
-                  <a:solidFill>
-                    <a:srgbClr val="FFFFFF"/>
-                  </a:solidFill>
-                </a14:hiddenFill>
-              </a:ext>
-            </a:extLst>
-          </p:spPr>
-        </p:pic>
-      </p:grpSp>
+          </a:ln>
+        </p:spPr>
+        <p:style>
+          <a:lnRef idx="2">
+            <a:schemeClr val="accent1">
+              <a:shade val="50000"/>
+            </a:schemeClr>
+          </a:lnRef>
+          <a:fillRef idx="1">
+            <a:schemeClr val="accent1"/>
+          </a:fillRef>
+          <a:effectRef idx="0">
+            <a:schemeClr val="accent1"/>
+          </a:effectRef>
+          <a:fontRef idx="minor">
+            <a:schemeClr val="lt1"/>
+          </a:fontRef>
+        </p:style>
+        <p:txBody>
+          <a:bodyPr rtlCol="0" anchor="ctr"/>
+          <a:lstStyle/>
+          <a:p>
+            <a:pPr algn="ctr"/>
+            <a:endParaRPr lang="ru-RU"/>
+          </a:p>
+        </p:txBody>
+      </p:sp>
       <p:pic>
         <p:nvPicPr>
-          <p:cNvPr id="2053" name="Picture 5"/>
+          <p:cNvPr id="2052" name="Picture 4" descr="http://edu.cbsystematics.com/images/news/7a2f448a-e991-431c-9730-39616a426a83.png"/>
           <p:cNvPicPr>
             <a:picLocks noChangeAspect="1" noChangeArrowheads="1"/>
           </p:cNvPicPr>
           <p:nvPr/>
         </p:nvPicPr>
         <p:blipFill>
-          <a:blip r:embed="rId3">
+          <a:blip r:embed="rId2">
             <a:extLst>
               <a:ext uri="{28A0092B-C50C-407E-A947-70E740481C1C}">
                 <a14:useLocalDpi xmlns:a14="http://schemas.microsoft.com/office/drawing/2010/main" val="0"/>
@@ -3949,43 +5071,20 @@
         </p:blipFill>
         <p:spPr bwMode="auto">
           <a:xfrm>
-            <a:off x="3203848" y="620688"/>
-            <a:ext cx="457200" cy="457200"/>
+            <a:off x="1417676" y="4249325"/>
+            <a:ext cx="1416123" cy="546916"/>
           </a:xfrm>
           <a:prstGeom prst="rect">
             <a:avLst/>
           </a:prstGeom>
           <a:noFill/>
-          <a:ln>
-            <a:noFill/>
-          </a:ln>
-          <a:effectLst/>
           <a:extLst>
             <a:ext uri="{909E8E84-426E-40DD-AFC4-6F175D3DCCD1}">
               <a14:hiddenFill xmlns:a14="http://schemas.microsoft.com/office/drawing/2010/main">
                 <a:solidFill>
-                  <a:schemeClr val="accent1"/>
+                  <a:srgbClr val="FFFFFF"/>
                 </a:solidFill>
               </a14:hiddenFill>
-            </a:ext>
-            <a:ext uri="{91240B29-F687-4F45-9708-019B960494DF}">
-              <a14:hiddenLine xmlns:a14="http://schemas.microsoft.com/office/drawing/2010/main" w="9525">
-                <a:solidFill>
-                  <a:schemeClr val="tx1"/>
-                </a:solidFill>
-                <a:miter lim="800000"/>
-                <a:headEnd/>
-                <a:tailEnd/>
-              </a14:hiddenLine>
-            </a:ext>
-            <a:ext uri="{AF507438-7753-43E0-B8FC-AC1667EBCBE1}">
-              <a14:hiddenEffects xmlns:a14="http://schemas.microsoft.com/office/drawing/2010/main">
-                <a:effectLst>
-                  <a:outerShdw dist="35921" dir="2700000" algn="ctr" rotWithShape="0">
-                    <a:schemeClr val="bg2"/>
-                  </a:outerShdw>
-                </a:effectLst>
-              </a14:hiddenEffects>
             </a:ext>
           </a:extLst>
         </p:spPr>
@@ -4063,7 +5162,7 @@
             <p:nvPr/>
           </p:nvPicPr>
           <p:blipFill>
-            <a:blip r:embed="rId4">
+            <a:blip r:embed="rId3">
               <a:extLst>
                 <a:ext uri="{28A0092B-C50C-407E-A947-70E740481C1C}">
                   <a14:useLocalDpi xmlns:a14="http://schemas.microsoft.com/office/drawing/2010/main" val="0"/>
@@ -4161,7 +5260,7 @@
             <p:nvPr/>
           </p:nvPicPr>
           <p:blipFill>
-            <a:blip r:embed="rId5">
+            <a:blip r:embed="rId4">
               <a:extLst>
                 <a:ext uri="{28A0092B-C50C-407E-A947-70E740481C1C}">
                   <a14:useLocalDpi xmlns:a14="http://schemas.microsoft.com/office/drawing/2010/main" val="0"/>
@@ -4267,7 +5366,7 @@
             <p:nvPr/>
           </p:nvPicPr>
           <p:blipFill>
-            <a:blip r:embed="rId6">
+            <a:blip r:embed="rId5">
               <a:extLst>
                 <a:ext uri="{28A0092B-C50C-407E-A947-70E740481C1C}">
                   <a14:useLocalDpi xmlns:a14="http://schemas.microsoft.com/office/drawing/2010/main" val="0"/>
@@ -4309,7 +5408,7 @@
           <p:nvPr/>
         </p:nvPicPr>
         <p:blipFill>
-          <a:blip r:embed="rId7">
+          <a:blip r:embed="rId6">
             <a:extLst>
               <a:ext uri="{28A0092B-C50C-407E-A947-70E740481C1C}">
                 <a14:useLocalDpi xmlns:a14="http://schemas.microsoft.com/office/drawing/2010/main" val="0"/>
@@ -4344,6 +5443,70 @@
                   <a:srgbClr val="FFFFFF"/>
                 </a:solidFill>
               </a14:hiddenFill>
+            </a:ext>
+          </a:extLst>
+        </p:spPr>
+      </p:pic>
+      <p:pic>
+        <p:nvPicPr>
+          <p:cNvPr id="2066" name="Picture 18"/>
+          <p:cNvPicPr>
+            <a:picLocks noChangeAspect="1" noChangeArrowheads="1"/>
+          </p:cNvPicPr>
+          <p:nvPr/>
+        </p:nvPicPr>
+        <p:blipFill>
+          <a:blip r:embed="rId7">
+            <a:extLst>
+              <a:ext uri="{28A0092B-C50C-407E-A947-70E740481C1C}">
+                <a14:useLocalDpi xmlns:a14="http://schemas.microsoft.com/office/drawing/2010/main" val="0"/>
+              </a:ext>
+            </a:extLst>
+          </a:blip>
+          <a:srcRect/>
+          <a:stretch>
+            <a:fillRect/>
+          </a:stretch>
+        </p:blipFill>
+        <p:spPr bwMode="auto">
+          <a:xfrm>
+            <a:off x="2343832" y="651967"/>
+            <a:ext cx="457200" cy="457200"/>
+          </a:xfrm>
+          <a:prstGeom prst="rect">
+            <a:avLst/>
+          </a:prstGeom>
+          <a:noFill/>
+          <a:ln>
+            <a:noFill/>
+          </a:ln>
+          <a:effectLst/>
+          <a:extLst>
+            <a:ext uri="{909E8E84-426E-40DD-AFC4-6F175D3DCCD1}">
+              <a14:hiddenFill xmlns:a14="http://schemas.microsoft.com/office/drawing/2010/main">
+                <a:solidFill>
+                  <a:schemeClr val="accent1"/>
+                </a:solidFill>
+              </a14:hiddenFill>
+            </a:ext>
+            <a:ext uri="{91240B29-F687-4F45-9708-019B960494DF}">
+              <a14:hiddenLine xmlns:a14="http://schemas.microsoft.com/office/drawing/2010/main" w="9525">
+                <a:solidFill>
+                  <a:schemeClr val="tx1"/>
+                </a:solidFill>
+                <a:miter lim="800000"/>
+                <a:headEnd/>
+                <a:tailEnd/>
+              </a14:hiddenLine>
+            </a:ext>
+            <a:ext uri="{AF507438-7753-43E0-B8FC-AC1667EBCBE1}">
+              <a14:hiddenEffects xmlns:a14="http://schemas.microsoft.com/office/drawing/2010/main">
+                <a:effectLst>
+                  <a:outerShdw dist="35921" dir="2700000" algn="ctr" rotWithShape="0">
+                    <a:schemeClr val="bg2"/>
+                  </a:outerShdw>
+                </a:effectLst>
+              </a14:hiddenEffects>
             </a:ext>
           </a:extLst>
         </p:spPr>
@@ -4534,7 +5697,7 @@
         </p:blipFill>
         <p:spPr bwMode="auto">
           <a:xfrm>
-            <a:off x="3203848" y="620688"/>
+            <a:off x="3270956" y="620688"/>
             <a:ext cx="457200" cy="457200"/>
           </a:xfrm>
           <a:prstGeom prst="rect">
@@ -4894,6 +6057,6806 @@
   <p:transition spd="slow">
     <p:push/>
   </p:transition>
+  <p:timing>
+    <p:tnLst>
+      <p:par>
+        <p:cTn id="1" dur="indefinite" restart="never" nodeType="tmRoot"/>
+      </p:par>
+    </p:tnLst>
+  </p:timing>
+</p:sld>
+</file>
+
+<file path=ppt/slides/slide5.xml><?xml version="1.0" encoding="utf-8"?>
+<p:sld xmlns:a="http://schemas.openxmlformats.org/drawingml/2006/main" xmlns:r="http://schemas.openxmlformats.org/officeDocument/2006/relationships" xmlns:p="http://schemas.openxmlformats.org/presentationml/2006/main">
+  <p:cSld>
+    <p:spTree>
+      <p:nvGrpSpPr>
+        <p:cNvPr id="1" name=""/>
+        <p:cNvGrpSpPr/>
+        <p:nvPr/>
+      </p:nvGrpSpPr>
+      <p:grpSpPr>
+        <a:xfrm>
+          <a:off x="0" y="0"/>
+          <a:ext cx="0" cy="0"/>
+          <a:chOff x="0" y="0"/>
+          <a:chExt cx="0" cy="0"/>
+        </a:xfrm>
+      </p:grpSpPr>
+      <p:sp>
+        <p:nvSpPr>
+          <p:cNvPr id="2" name="Заголовок 1"/>
+          <p:cNvSpPr>
+            <a:spLocks noGrp="1"/>
+          </p:cNvSpPr>
+          <p:nvPr>
+            <p:ph type="title"/>
+          </p:nvPr>
+        </p:nvSpPr>
+        <p:spPr/>
+        <p:txBody>
+          <a:bodyPr/>
+          <a:lstStyle/>
+          <a:p>
+            <a:r>
+              <a:rPr lang="en-US" dirty="0" smtClean="0"/>
+              <a:t>Application</a:t>
+            </a:r>
+            <a:endParaRPr lang="ru-RU" dirty="0"/>
+          </a:p>
+        </p:txBody>
+      </p:sp>
+      <p:pic>
+        <p:nvPicPr>
+          <p:cNvPr id="4099" name="Picture 3"/>
+          <p:cNvPicPr>
+            <a:picLocks noChangeAspect="1" noChangeArrowheads="1"/>
+          </p:cNvPicPr>
+          <p:nvPr/>
+        </p:nvPicPr>
+        <p:blipFill>
+          <a:blip r:embed="rId2">
+            <a:extLst>
+              <a:ext uri="{28A0092B-C50C-407E-A947-70E740481C1C}">
+                <a14:useLocalDpi xmlns:a14="http://schemas.microsoft.com/office/drawing/2010/main" val="0"/>
+              </a:ext>
+            </a:extLst>
+          </a:blip>
+          <a:srcRect/>
+          <a:stretch>
+            <a:fillRect/>
+          </a:stretch>
+        </p:blipFill>
+        <p:spPr bwMode="auto">
+          <a:xfrm>
+            <a:off x="2483768" y="620688"/>
+            <a:ext cx="457200" cy="457200"/>
+          </a:xfrm>
+          <a:prstGeom prst="rect">
+            <a:avLst/>
+          </a:prstGeom>
+          <a:noFill/>
+          <a:ln>
+            <a:noFill/>
+          </a:ln>
+          <a:effectLst/>
+          <a:extLst>
+            <a:ext uri="{909E8E84-426E-40DD-AFC4-6F175D3DCCD1}">
+              <a14:hiddenFill xmlns:a14="http://schemas.microsoft.com/office/drawing/2010/main">
+                <a:solidFill>
+                  <a:schemeClr val="accent1"/>
+                </a:solidFill>
+              </a14:hiddenFill>
+            </a:ext>
+            <a:ext uri="{91240B29-F687-4F45-9708-019B960494DF}">
+              <a14:hiddenLine xmlns:a14="http://schemas.microsoft.com/office/drawing/2010/main" w="9525">
+                <a:solidFill>
+                  <a:schemeClr val="tx1"/>
+                </a:solidFill>
+                <a:miter lim="800000"/>
+                <a:headEnd/>
+                <a:tailEnd/>
+              </a14:hiddenLine>
+            </a:ext>
+            <a:ext uri="{AF507438-7753-43E0-B8FC-AC1667EBCBE1}">
+              <a14:hiddenEffects xmlns:a14="http://schemas.microsoft.com/office/drawing/2010/main">
+                <a:effectLst>
+                  <a:outerShdw dist="35921" dir="2700000" algn="ctr" rotWithShape="0">
+                    <a:schemeClr val="bg2"/>
+                  </a:outerShdw>
+                </a:effectLst>
+              </a14:hiddenEffects>
+            </a:ext>
+          </a:extLst>
+        </p:spPr>
+      </p:pic>
+      <p:pic>
+        <p:nvPicPr>
+          <p:cNvPr id="4101" name="Picture 5" descr="C:\Users\hinst\Docs\Pro\Coursework_2\Documentation\ScreenShots\ScreenHunter_23 Feb. 25 19.04.png"/>
+          <p:cNvPicPr>
+            <a:picLocks noChangeAspect="1" noChangeArrowheads="1"/>
+          </p:cNvPicPr>
+          <p:nvPr/>
+        </p:nvPicPr>
+        <p:blipFill>
+          <a:blip r:embed="rId3">
+            <a:extLst>
+              <a:ext uri="{28A0092B-C50C-407E-A947-70E740481C1C}">
+                <a14:useLocalDpi xmlns:a14="http://schemas.microsoft.com/office/drawing/2010/main" val="0"/>
+              </a:ext>
+            </a:extLst>
+          </a:blip>
+          <a:srcRect/>
+          <a:stretch>
+            <a:fillRect/>
+          </a:stretch>
+        </p:blipFill>
+        <p:spPr bwMode="auto">
+          <a:xfrm>
+            <a:off x="539552" y="1434757"/>
+            <a:ext cx="8057149" cy="5189565"/>
+          </a:xfrm>
+          <a:prstGeom prst="rect">
+            <a:avLst/>
+          </a:prstGeom>
+          <a:noFill/>
+          <a:extLst>
+            <a:ext uri="{909E8E84-426E-40DD-AFC4-6F175D3DCCD1}">
+              <a14:hiddenFill xmlns:a14="http://schemas.microsoft.com/office/drawing/2010/main">
+                <a:solidFill>
+                  <a:srgbClr val="FFFFFF"/>
+                </a:solidFill>
+              </a14:hiddenFill>
+            </a:ext>
+          </a:extLst>
+        </p:spPr>
+      </p:pic>
+    </p:spTree>
+    <p:extLst>
+      <p:ext uri="{BB962C8B-B14F-4D97-AF65-F5344CB8AC3E}">
+        <p14:creationId xmlns:p14="http://schemas.microsoft.com/office/powerpoint/2010/main" val="951881467"/>
+      </p:ext>
+    </p:extLst>
+  </p:cSld>
+  <p:clrMapOvr>
+    <a:masterClrMapping/>
+  </p:clrMapOvr>
+  <p:timing>
+    <p:tnLst>
+      <p:par>
+        <p:cTn id="1" dur="indefinite" restart="never" nodeType="tmRoot"/>
+      </p:par>
+    </p:tnLst>
+  </p:timing>
+</p:sld>
+</file>
+
+<file path=ppt/slides/slide6.xml><?xml version="1.0" encoding="utf-8"?>
+<p:sld xmlns:a="http://schemas.openxmlformats.org/drawingml/2006/main" xmlns:r="http://schemas.openxmlformats.org/officeDocument/2006/relationships" xmlns:p="http://schemas.openxmlformats.org/presentationml/2006/main">
+  <p:cSld>
+    <p:spTree>
+      <p:nvGrpSpPr>
+        <p:cNvPr id="1" name=""/>
+        <p:cNvGrpSpPr/>
+        <p:nvPr/>
+      </p:nvGrpSpPr>
+      <p:grpSpPr>
+        <a:xfrm>
+          <a:off x="0" y="0"/>
+          <a:ext cx="0" cy="0"/>
+          <a:chOff x="0" y="0"/>
+          <a:chExt cx="0" cy="0"/>
+        </a:xfrm>
+      </p:grpSpPr>
+      <p:sp>
+        <p:nvSpPr>
+          <p:cNvPr id="2" name="Заголовок 1"/>
+          <p:cNvSpPr>
+            <a:spLocks noGrp="1"/>
+          </p:cNvSpPr>
+          <p:nvPr>
+            <p:ph type="title"/>
+          </p:nvPr>
+        </p:nvSpPr>
+        <p:spPr/>
+        <p:txBody>
+          <a:bodyPr/>
+          <a:lstStyle/>
+          <a:p>
+            <a:r>
+              <a:rPr lang="en-US" dirty="0" smtClean="0"/>
+              <a:t>XML Documents</a:t>
+            </a:r>
+            <a:endParaRPr lang="ru-RU" dirty="0"/>
+          </a:p>
+        </p:txBody>
+      </p:sp>
+      <p:pic>
+        <p:nvPicPr>
+          <p:cNvPr id="5122" name="Picture 2"/>
+          <p:cNvPicPr>
+            <a:picLocks noChangeAspect="1" noChangeArrowheads="1"/>
+          </p:cNvPicPr>
+          <p:nvPr/>
+        </p:nvPicPr>
+        <p:blipFill>
+          <a:blip r:embed="rId2">
+            <a:extLst>
+              <a:ext uri="{28A0092B-C50C-407E-A947-70E740481C1C}">
+                <a14:useLocalDpi xmlns:a14="http://schemas.microsoft.com/office/drawing/2010/main" val="0"/>
+              </a:ext>
+            </a:extLst>
+          </a:blip>
+          <a:srcRect/>
+          <a:stretch>
+            <a:fillRect/>
+          </a:stretch>
+        </p:blipFill>
+        <p:spPr bwMode="auto">
+          <a:xfrm>
+            <a:off x="1979712" y="622251"/>
+            <a:ext cx="457200" cy="457200"/>
+          </a:xfrm>
+          <a:prstGeom prst="rect">
+            <a:avLst/>
+          </a:prstGeom>
+          <a:noFill/>
+          <a:ln>
+            <a:noFill/>
+          </a:ln>
+          <a:effectLst/>
+          <a:extLst>
+            <a:ext uri="{909E8E84-426E-40DD-AFC4-6F175D3DCCD1}">
+              <a14:hiddenFill xmlns:a14="http://schemas.microsoft.com/office/drawing/2010/main">
+                <a:solidFill>
+                  <a:schemeClr val="accent1"/>
+                </a:solidFill>
+              </a14:hiddenFill>
+            </a:ext>
+            <a:ext uri="{91240B29-F687-4F45-9708-019B960494DF}">
+              <a14:hiddenLine xmlns:a14="http://schemas.microsoft.com/office/drawing/2010/main" w="9525">
+                <a:solidFill>
+                  <a:schemeClr val="tx1"/>
+                </a:solidFill>
+                <a:miter lim="800000"/>
+                <a:headEnd/>
+                <a:tailEnd/>
+              </a14:hiddenLine>
+            </a:ext>
+            <a:ext uri="{AF507438-7753-43E0-B8FC-AC1667EBCBE1}">
+              <a14:hiddenEffects xmlns:a14="http://schemas.microsoft.com/office/drawing/2010/main">
+                <a:effectLst>
+                  <a:outerShdw dist="35921" dir="2700000" algn="ctr" rotWithShape="0">
+                    <a:schemeClr val="bg2"/>
+                  </a:outerShdw>
+                </a:effectLst>
+              </a14:hiddenEffects>
+            </a:ext>
+          </a:extLst>
+        </p:spPr>
+      </p:pic>
+      <p:pic>
+        <p:nvPicPr>
+          <p:cNvPr id="5124" name="Picture 4"/>
+          <p:cNvPicPr>
+            <a:picLocks noChangeAspect="1" noChangeArrowheads="1"/>
+          </p:cNvPicPr>
+          <p:nvPr/>
+        </p:nvPicPr>
+        <p:blipFill>
+          <a:blip r:embed="rId3">
+            <a:extLst>
+              <a:ext uri="{28A0092B-C50C-407E-A947-70E740481C1C}">
+                <a14:useLocalDpi xmlns:a14="http://schemas.microsoft.com/office/drawing/2010/main" val="0"/>
+              </a:ext>
+            </a:extLst>
+          </a:blip>
+          <a:srcRect/>
+          <a:stretch>
+            <a:fillRect/>
+          </a:stretch>
+        </p:blipFill>
+        <p:spPr bwMode="auto">
+          <a:xfrm>
+            <a:off x="0" y="1383904"/>
+            <a:ext cx="9144000" cy="4962525"/>
+          </a:xfrm>
+          <a:prstGeom prst="rect">
+            <a:avLst/>
+          </a:prstGeom>
+          <a:noFill/>
+          <a:ln>
+            <a:noFill/>
+          </a:ln>
+          <a:effectLst/>
+          <a:extLst>
+            <a:ext uri="{909E8E84-426E-40DD-AFC4-6F175D3DCCD1}">
+              <a14:hiddenFill xmlns:a14="http://schemas.microsoft.com/office/drawing/2010/main">
+                <a:solidFill>
+                  <a:schemeClr val="accent1"/>
+                </a:solidFill>
+              </a14:hiddenFill>
+            </a:ext>
+            <a:ext uri="{91240B29-F687-4F45-9708-019B960494DF}">
+              <a14:hiddenLine xmlns:a14="http://schemas.microsoft.com/office/drawing/2010/main" w="9525">
+                <a:solidFill>
+                  <a:schemeClr val="tx1"/>
+                </a:solidFill>
+                <a:miter lim="800000"/>
+                <a:headEnd/>
+                <a:tailEnd/>
+              </a14:hiddenLine>
+            </a:ext>
+            <a:ext uri="{AF507438-7753-43E0-B8FC-AC1667EBCBE1}">
+              <a14:hiddenEffects xmlns:a14="http://schemas.microsoft.com/office/drawing/2010/main">
+                <a:effectLst>
+                  <a:outerShdw dist="35921" dir="2700000" algn="ctr" rotWithShape="0">
+                    <a:schemeClr val="bg2"/>
+                  </a:outerShdw>
+                </a:effectLst>
+              </a14:hiddenEffects>
+            </a:ext>
+          </a:extLst>
+        </p:spPr>
+      </p:pic>
+      <p:sp>
+        <p:nvSpPr>
+          <p:cNvPr id="8" name="Прямоугольник 7"/>
+          <p:cNvSpPr/>
+          <p:nvPr/>
+        </p:nvSpPr>
+        <p:spPr>
+          <a:xfrm>
+            <a:off x="0" y="1383904"/>
+            <a:ext cx="9144000" cy="4962525"/>
+          </a:xfrm>
+          <a:prstGeom prst="rect">
+            <a:avLst/>
+          </a:prstGeom>
+          <a:solidFill>
+            <a:schemeClr val="bg1">
+              <a:alpha val="75000"/>
+            </a:schemeClr>
+          </a:solidFill>
+          <a:ln>
+            <a:noFill/>
+          </a:ln>
+        </p:spPr>
+        <p:style>
+          <a:lnRef idx="2">
+            <a:schemeClr val="accent1">
+              <a:shade val="50000"/>
+            </a:schemeClr>
+          </a:lnRef>
+          <a:fillRef idx="1">
+            <a:schemeClr val="accent1"/>
+          </a:fillRef>
+          <a:effectRef idx="0">
+            <a:schemeClr val="accent1"/>
+          </a:effectRef>
+          <a:fontRef idx="minor">
+            <a:schemeClr val="lt1"/>
+          </a:fontRef>
+        </p:style>
+        <p:txBody>
+          <a:bodyPr rtlCol="0" anchor="ctr"/>
+          <a:lstStyle/>
+          <a:p>
+            <a:pPr algn="ctr"/>
+            <a:endParaRPr lang="ru-RU"/>
+          </a:p>
+        </p:txBody>
+      </p:sp>
+      <p:sp>
+        <p:nvSpPr>
+          <p:cNvPr id="19" name="Прямоугольник 18"/>
+          <p:cNvSpPr/>
+          <p:nvPr/>
+        </p:nvSpPr>
+        <p:spPr>
+          <a:xfrm>
+            <a:off x="460474" y="2636912"/>
+            <a:ext cx="8223051" cy="2003625"/>
+          </a:xfrm>
+          <a:prstGeom prst="rect">
+            <a:avLst/>
+          </a:prstGeom>
+        </p:spPr>
+        <p:txBody>
+          <a:bodyPr wrap="square">
+            <a:spAutoFit/>
+          </a:bodyPr>
+          <a:lstStyle/>
+          <a:p>
+            <a:pPr>
+              <a:lnSpc>
+                <a:spcPct val="115000"/>
+              </a:lnSpc>
+              <a:spcAft>
+                <a:spcPts val="0"/>
+              </a:spcAft>
+            </a:pPr>
+            <a:r>
+              <a:rPr lang="ru-RU" dirty="0">
+                <a:solidFill>
+                  <a:srgbClr val="0000FF"/>
+                </a:solidFill>
+                <a:effectLst>
+                  <a:glow rad="228600">
+                    <a:schemeClr val="bg1">
+                      <a:alpha val="40000"/>
+                    </a:schemeClr>
+                  </a:glow>
+                </a:effectLst>
+                <a:highlight>
+                  <a:srgbClr val="FFFFFF"/>
+                </a:highlight>
+                <a:latin typeface="Consolas" pitchFamily="49" charset="0"/>
+                <a:ea typeface="Calibri"/>
+                <a:cs typeface="Consolas" pitchFamily="49" charset="0"/>
+              </a:rPr>
+              <a:t>&lt;?</a:t>
+            </a:r>
+            <a:r>
+              <a:rPr lang="ru-RU" dirty="0" err="1">
+                <a:solidFill>
+                  <a:srgbClr val="A31515"/>
+                </a:solidFill>
+                <a:effectLst>
+                  <a:glow rad="228600">
+                    <a:schemeClr val="bg1">
+                      <a:alpha val="40000"/>
+                    </a:schemeClr>
+                  </a:glow>
+                </a:effectLst>
+                <a:highlight>
+                  <a:srgbClr val="FFFFFF"/>
+                </a:highlight>
+                <a:latin typeface="Consolas" pitchFamily="49" charset="0"/>
+                <a:ea typeface="Calibri"/>
+                <a:cs typeface="Consolas" pitchFamily="49" charset="0"/>
+              </a:rPr>
+              <a:t>xml</a:t>
+            </a:r>
+            <a:r>
+              <a:rPr lang="ru-RU" dirty="0">
+                <a:solidFill>
+                  <a:srgbClr val="0000FF"/>
+                </a:solidFill>
+                <a:effectLst>
+                  <a:glow rad="228600">
+                    <a:schemeClr val="bg1">
+                      <a:alpha val="40000"/>
+                    </a:schemeClr>
+                  </a:glow>
+                </a:effectLst>
+                <a:highlight>
+                  <a:srgbClr val="FFFFFF"/>
+                </a:highlight>
+                <a:latin typeface="Consolas" pitchFamily="49" charset="0"/>
+                <a:ea typeface="Calibri"/>
+                <a:cs typeface="Consolas" pitchFamily="49" charset="0"/>
+              </a:rPr>
+              <a:t> </a:t>
+            </a:r>
+            <a:r>
+              <a:rPr lang="ru-RU" dirty="0" err="1">
+                <a:solidFill>
+                  <a:srgbClr val="FF0000"/>
+                </a:solidFill>
+                <a:effectLst>
+                  <a:glow rad="228600">
+                    <a:schemeClr val="bg1">
+                      <a:alpha val="40000"/>
+                    </a:schemeClr>
+                  </a:glow>
+                </a:effectLst>
+                <a:highlight>
+                  <a:srgbClr val="FFFFFF"/>
+                </a:highlight>
+                <a:latin typeface="Consolas" pitchFamily="49" charset="0"/>
+                <a:ea typeface="Calibri"/>
+                <a:cs typeface="Consolas" pitchFamily="49" charset="0"/>
+              </a:rPr>
+              <a:t>version</a:t>
+            </a:r>
+            <a:r>
+              <a:rPr lang="ru-RU" dirty="0">
+                <a:solidFill>
+                  <a:srgbClr val="0000FF"/>
+                </a:solidFill>
+                <a:effectLst>
+                  <a:glow rad="228600">
+                    <a:schemeClr val="bg1">
+                      <a:alpha val="40000"/>
+                    </a:schemeClr>
+                  </a:glow>
+                </a:effectLst>
+                <a:highlight>
+                  <a:srgbClr val="FFFFFF"/>
+                </a:highlight>
+                <a:latin typeface="Consolas" pitchFamily="49" charset="0"/>
+                <a:ea typeface="Calibri"/>
+                <a:cs typeface="Consolas" pitchFamily="49" charset="0"/>
+              </a:rPr>
+              <a:t>=</a:t>
+            </a:r>
+            <a:r>
+              <a:rPr lang="ru-RU" dirty="0">
+                <a:solidFill>
+                  <a:srgbClr val="000000"/>
+                </a:solidFill>
+                <a:effectLst>
+                  <a:glow rad="228600">
+                    <a:schemeClr val="bg1">
+                      <a:alpha val="40000"/>
+                    </a:schemeClr>
+                  </a:glow>
+                </a:effectLst>
+                <a:highlight>
+                  <a:srgbClr val="FFFFFF"/>
+                </a:highlight>
+                <a:latin typeface="Consolas" pitchFamily="49" charset="0"/>
+                <a:ea typeface="Calibri"/>
+                <a:cs typeface="Consolas" pitchFamily="49" charset="0"/>
+              </a:rPr>
+              <a:t>"</a:t>
+            </a:r>
+            <a:r>
+              <a:rPr lang="ru-RU" dirty="0">
+                <a:solidFill>
+                  <a:srgbClr val="0000FF"/>
+                </a:solidFill>
+                <a:effectLst>
+                  <a:glow rad="228600">
+                    <a:schemeClr val="bg1">
+                      <a:alpha val="40000"/>
+                    </a:schemeClr>
+                  </a:glow>
+                </a:effectLst>
+                <a:highlight>
+                  <a:srgbClr val="FFFFFF"/>
+                </a:highlight>
+                <a:latin typeface="Consolas" pitchFamily="49" charset="0"/>
+                <a:ea typeface="Calibri"/>
+                <a:cs typeface="Consolas" pitchFamily="49" charset="0"/>
+              </a:rPr>
+              <a:t>1.0</a:t>
+            </a:r>
+            <a:r>
+              <a:rPr lang="ru-RU" dirty="0">
+                <a:solidFill>
+                  <a:srgbClr val="000000"/>
+                </a:solidFill>
+                <a:effectLst>
+                  <a:glow rad="228600">
+                    <a:schemeClr val="bg1">
+                      <a:alpha val="40000"/>
+                    </a:schemeClr>
+                  </a:glow>
+                </a:effectLst>
+                <a:highlight>
+                  <a:srgbClr val="FFFFFF"/>
+                </a:highlight>
+                <a:latin typeface="Consolas" pitchFamily="49" charset="0"/>
+                <a:ea typeface="Calibri"/>
+                <a:cs typeface="Consolas" pitchFamily="49" charset="0"/>
+              </a:rPr>
+              <a:t>"</a:t>
+            </a:r>
+            <a:r>
+              <a:rPr lang="ru-RU" dirty="0">
+                <a:solidFill>
+                  <a:srgbClr val="0000FF"/>
+                </a:solidFill>
+                <a:effectLst>
+                  <a:glow rad="228600">
+                    <a:schemeClr val="bg1">
+                      <a:alpha val="40000"/>
+                    </a:schemeClr>
+                  </a:glow>
+                </a:effectLst>
+                <a:highlight>
+                  <a:srgbClr val="FFFFFF"/>
+                </a:highlight>
+                <a:latin typeface="Consolas" pitchFamily="49" charset="0"/>
+                <a:ea typeface="Calibri"/>
+                <a:cs typeface="Consolas" pitchFamily="49" charset="0"/>
+              </a:rPr>
+              <a:t> </a:t>
+            </a:r>
+            <a:r>
+              <a:rPr lang="ru-RU" dirty="0" err="1">
+                <a:solidFill>
+                  <a:srgbClr val="FF0000"/>
+                </a:solidFill>
+                <a:effectLst>
+                  <a:glow rad="228600">
+                    <a:schemeClr val="bg1">
+                      <a:alpha val="40000"/>
+                    </a:schemeClr>
+                  </a:glow>
+                </a:effectLst>
+                <a:highlight>
+                  <a:srgbClr val="FFFFFF"/>
+                </a:highlight>
+                <a:latin typeface="Consolas" pitchFamily="49" charset="0"/>
+                <a:ea typeface="Calibri"/>
+                <a:cs typeface="Consolas" pitchFamily="49" charset="0"/>
+              </a:rPr>
+              <a:t>encoding</a:t>
+            </a:r>
+            <a:r>
+              <a:rPr lang="ru-RU" dirty="0">
+                <a:solidFill>
+                  <a:srgbClr val="0000FF"/>
+                </a:solidFill>
+                <a:effectLst>
+                  <a:glow rad="228600">
+                    <a:schemeClr val="bg1">
+                      <a:alpha val="40000"/>
+                    </a:schemeClr>
+                  </a:glow>
+                </a:effectLst>
+                <a:highlight>
+                  <a:srgbClr val="FFFFFF"/>
+                </a:highlight>
+                <a:latin typeface="Consolas" pitchFamily="49" charset="0"/>
+                <a:ea typeface="Calibri"/>
+                <a:cs typeface="Consolas" pitchFamily="49" charset="0"/>
+              </a:rPr>
+              <a:t>=</a:t>
+            </a:r>
+            <a:r>
+              <a:rPr lang="ru-RU" dirty="0">
+                <a:solidFill>
+                  <a:srgbClr val="000000"/>
+                </a:solidFill>
+                <a:effectLst>
+                  <a:glow rad="228600">
+                    <a:schemeClr val="bg1">
+                      <a:alpha val="40000"/>
+                    </a:schemeClr>
+                  </a:glow>
+                </a:effectLst>
+                <a:highlight>
+                  <a:srgbClr val="FFFFFF"/>
+                </a:highlight>
+                <a:latin typeface="Consolas" pitchFamily="49" charset="0"/>
+                <a:ea typeface="Calibri"/>
+                <a:cs typeface="Consolas" pitchFamily="49" charset="0"/>
+              </a:rPr>
+              <a:t>"</a:t>
+            </a:r>
+            <a:r>
+              <a:rPr lang="ru-RU" dirty="0">
+                <a:solidFill>
+                  <a:srgbClr val="0000FF"/>
+                </a:solidFill>
+                <a:effectLst>
+                  <a:glow rad="228600">
+                    <a:schemeClr val="bg1">
+                      <a:alpha val="40000"/>
+                    </a:schemeClr>
+                  </a:glow>
+                </a:effectLst>
+                <a:highlight>
+                  <a:srgbClr val="FFFFFF"/>
+                </a:highlight>
+                <a:latin typeface="Consolas" pitchFamily="49" charset="0"/>
+                <a:ea typeface="Calibri"/>
+                <a:cs typeface="Consolas" pitchFamily="49" charset="0"/>
+              </a:rPr>
+              <a:t>utf-8</a:t>
+            </a:r>
+            <a:r>
+              <a:rPr lang="ru-RU" dirty="0">
+                <a:solidFill>
+                  <a:srgbClr val="000000"/>
+                </a:solidFill>
+                <a:effectLst>
+                  <a:glow rad="228600">
+                    <a:schemeClr val="bg1">
+                      <a:alpha val="40000"/>
+                    </a:schemeClr>
+                  </a:glow>
+                </a:effectLst>
+                <a:highlight>
+                  <a:srgbClr val="FFFFFF"/>
+                </a:highlight>
+                <a:latin typeface="Consolas" pitchFamily="49" charset="0"/>
+                <a:ea typeface="Calibri"/>
+                <a:cs typeface="Consolas" pitchFamily="49" charset="0"/>
+              </a:rPr>
+              <a:t>"</a:t>
+            </a:r>
+            <a:r>
+              <a:rPr lang="ru-RU" dirty="0">
+                <a:solidFill>
+                  <a:srgbClr val="0000FF"/>
+                </a:solidFill>
+                <a:effectLst>
+                  <a:glow rad="228600">
+                    <a:schemeClr val="bg1">
+                      <a:alpha val="40000"/>
+                    </a:schemeClr>
+                  </a:glow>
+                </a:effectLst>
+                <a:highlight>
+                  <a:srgbClr val="FFFFFF"/>
+                </a:highlight>
+                <a:latin typeface="Consolas" pitchFamily="49" charset="0"/>
+                <a:ea typeface="Calibri"/>
+                <a:cs typeface="Consolas" pitchFamily="49" charset="0"/>
+              </a:rPr>
+              <a:t>?&gt;</a:t>
+            </a:r>
+            <a:endParaRPr lang="ru-RU" dirty="0">
+              <a:effectLst>
+                <a:glow rad="228600">
+                  <a:schemeClr val="bg1">
+                    <a:alpha val="40000"/>
+                  </a:schemeClr>
+                </a:glow>
+              </a:effectLst>
+              <a:latin typeface="Consolas" pitchFamily="49" charset="0"/>
+              <a:ea typeface="Calibri"/>
+              <a:cs typeface="Consolas" pitchFamily="49" charset="0"/>
+            </a:endParaRPr>
+          </a:p>
+          <a:p>
+            <a:pPr>
+              <a:lnSpc>
+                <a:spcPct val="115000"/>
+              </a:lnSpc>
+              <a:spcAft>
+                <a:spcPts val="0"/>
+              </a:spcAft>
+            </a:pPr>
+            <a:r>
+              <a:rPr lang="ru-RU" dirty="0">
+                <a:solidFill>
+                  <a:srgbClr val="0000FF"/>
+                </a:solidFill>
+                <a:effectLst>
+                  <a:glow rad="228600">
+                    <a:schemeClr val="bg1">
+                      <a:alpha val="40000"/>
+                    </a:schemeClr>
+                  </a:glow>
+                </a:effectLst>
+                <a:highlight>
+                  <a:srgbClr val="FFFFFF"/>
+                </a:highlight>
+                <a:latin typeface="Consolas" pitchFamily="49" charset="0"/>
+                <a:ea typeface="Calibri"/>
+                <a:cs typeface="Consolas" pitchFamily="49" charset="0"/>
+              </a:rPr>
+              <a:t>&lt;</a:t>
+            </a:r>
+            <a:r>
+              <a:rPr lang="ru-RU" dirty="0" err="1">
+                <a:solidFill>
+                  <a:srgbClr val="A31515"/>
+                </a:solidFill>
+                <a:effectLst>
+                  <a:glow rad="228600">
+                    <a:schemeClr val="bg1">
+                      <a:alpha val="40000"/>
+                    </a:schemeClr>
+                  </a:glow>
+                </a:effectLst>
+                <a:highlight>
+                  <a:srgbClr val="FFFFFF"/>
+                </a:highlight>
+                <a:latin typeface="Consolas" pitchFamily="49" charset="0"/>
+                <a:ea typeface="Calibri"/>
+                <a:cs typeface="Consolas" pitchFamily="49" charset="0"/>
+              </a:rPr>
+              <a:t>content</a:t>
+            </a:r>
+            <a:r>
+              <a:rPr lang="ru-RU" dirty="0">
+                <a:solidFill>
+                  <a:srgbClr val="0000FF"/>
+                </a:solidFill>
+                <a:effectLst>
+                  <a:glow rad="228600">
+                    <a:schemeClr val="bg1">
+                      <a:alpha val="40000"/>
+                    </a:schemeClr>
+                  </a:glow>
+                </a:effectLst>
+                <a:highlight>
+                  <a:srgbClr val="FFFFFF"/>
+                </a:highlight>
+                <a:latin typeface="Consolas" pitchFamily="49" charset="0"/>
+                <a:ea typeface="Calibri"/>
+                <a:cs typeface="Consolas" pitchFamily="49" charset="0"/>
+              </a:rPr>
+              <a:t>&gt;</a:t>
+            </a:r>
+            <a:endParaRPr lang="ru-RU" dirty="0">
+              <a:effectLst>
+                <a:glow rad="228600">
+                  <a:schemeClr val="bg1">
+                    <a:alpha val="40000"/>
+                  </a:schemeClr>
+                </a:glow>
+              </a:effectLst>
+              <a:latin typeface="Consolas" pitchFamily="49" charset="0"/>
+              <a:ea typeface="Calibri"/>
+              <a:cs typeface="Consolas" pitchFamily="49" charset="0"/>
+            </a:endParaRPr>
+          </a:p>
+          <a:p>
+            <a:pPr>
+              <a:lnSpc>
+                <a:spcPct val="115000"/>
+              </a:lnSpc>
+              <a:spcAft>
+                <a:spcPts val="0"/>
+              </a:spcAft>
+            </a:pPr>
+            <a:r>
+              <a:rPr lang="en-US" dirty="0" smtClean="0">
+                <a:solidFill>
+                  <a:srgbClr val="0000FF"/>
+                </a:solidFill>
+                <a:effectLst>
+                  <a:glow rad="228600">
+                    <a:schemeClr val="bg1">
+                      <a:alpha val="40000"/>
+                    </a:schemeClr>
+                  </a:glow>
+                </a:effectLst>
+                <a:highlight>
+                  <a:srgbClr val="FFFFFF"/>
+                </a:highlight>
+                <a:latin typeface="Consolas" pitchFamily="49" charset="0"/>
+                <a:ea typeface="Calibri"/>
+                <a:cs typeface="Consolas" pitchFamily="49" charset="0"/>
+              </a:rPr>
+              <a:t>  </a:t>
+            </a:r>
+            <a:r>
+              <a:rPr lang="ru-RU" dirty="0" smtClean="0">
+                <a:solidFill>
+                  <a:srgbClr val="0000FF"/>
+                </a:solidFill>
+                <a:effectLst>
+                  <a:glow rad="228600">
+                    <a:schemeClr val="bg1">
+                      <a:alpha val="40000"/>
+                    </a:schemeClr>
+                  </a:glow>
+                </a:effectLst>
+                <a:highlight>
+                  <a:srgbClr val="FFFFFF"/>
+                </a:highlight>
+                <a:latin typeface="Consolas" pitchFamily="49" charset="0"/>
+                <a:ea typeface="Calibri"/>
+                <a:cs typeface="Consolas" pitchFamily="49" charset="0"/>
+              </a:rPr>
+              <a:t>&lt;</a:t>
+            </a:r>
+            <a:r>
+              <a:rPr lang="ru-RU" dirty="0" err="1">
+                <a:solidFill>
+                  <a:srgbClr val="A31515"/>
+                </a:solidFill>
+                <a:effectLst>
+                  <a:glow rad="228600">
+                    <a:schemeClr val="bg1">
+                      <a:alpha val="40000"/>
+                    </a:schemeClr>
+                  </a:glow>
+                </a:effectLst>
+                <a:highlight>
+                  <a:srgbClr val="FFFFFF"/>
+                </a:highlight>
+                <a:latin typeface="Consolas" pitchFamily="49" charset="0"/>
+                <a:ea typeface="Calibri"/>
+                <a:cs typeface="Consolas" pitchFamily="49" charset="0"/>
+              </a:rPr>
+              <a:t>NodeControl</a:t>
+            </a:r>
+            <a:r>
+              <a:rPr lang="ru-RU" dirty="0">
+                <a:solidFill>
+                  <a:srgbClr val="0000FF"/>
+                </a:solidFill>
+                <a:effectLst>
+                  <a:glow rad="228600">
+                    <a:schemeClr val="bg1">
+                      <a:alpha val="40000"/>
+                    </a:schemeClr>
+                  </a:glow>
+                </a:effectLst>
+                <a:highlight>
+                  <a:srgbClr val="FFFFFF"/>
+                </a:highlight>
+                <a:latin typeface="Consolas" pitchFamily="49" charset="0"/>
+                <a:ea typeface="Calibri"/>
+                <a:cs typeface="Consolas" pitchFamily="49" charset="0"/>
+              </a:rPr>
+              <a:t> </a:t>
+            </a:r>
+            <a:r>
+              <a:rPr lang="ru-RU" dirty="0" err="1">
+                <a:solidFill>
+                  <a:srgbClr val="FF0000"/>
+                </a:solidFill>
+                <a:effectLst>
+                  <a:glow rad="228600">
+                    <a:schemeClr val="bg1">
+                      <a:alpha val="40000"/>
+                    </a:schemeClr>
+                  </a:glow>
+                </a:effectLst>
+                <a:highlight>
+                  <a:srgbClr val="FFFFFF"/>
+                </a:highlight>
+                <a:latin typeface="Consolas" pitchFamily="49" charset="0"/>
+                <a:ea typeface="Calibri"/>
+                <a:cs typeface="Consolas" pitchFamily="49" charset="0"/>
+              </a:rPr>
+              <a:t>Text</a:t>
+            </a:r>
+            <a:r>
+              <a:rPr lang="ru-RU" dirty="0">
+                <a:solidFill>
+                  <a:srgbClr val="0000FF"/>
+                </a:solidFill>
+                <a:effectLst>
+                  <a:glow rad="228600">
+                    <a:schemeClr val="bg1">
+                      <a:alpha val="40000"/>
+                    </a:schemeClr>
+                  </a:glow>
+                </a:effectLst>
+                <a:highlight>
+                  <a:srgbClr val="FFFFFF"/>
+                </a:highlight>
+                <a:latin typeface="Consolas" pitchFamily="49" charset="0"/>
+                <a:ea typeface="Calibri"/>
+                <a:cs typeface="Consolas" pitchFamily="49" charset="0"/>
+              </a:rPr>
+              <a:t>=</a:t>
+            </a:r>
+            <a:r>
+              <a:rPr lang="ru-RU" dirty="0">
+                <a:solidFill>
+                  <a:srgbClr val="000000"/>
+                </a:solidFill>
+                <a:effectLst>
+                  <a:glow rad="228600">
+                    <a:schemeClr val="bg1">
+                      <a:alpha val="40000"/>
+                    </a:schemeClr>
+                  </a:glow>
+                </a:effectLst>
+                <a:highlight>
+                  <a:srgbClr val="FFFFFF"/>
+                </a:highlight>
+                <a:latin typeface="Consolas" pitchFamily="49" charset="0"/>
+                <a:ea typeface="Calibri"/>
+                <a:cs typeface="Consolas" pitchFamily="49" charset="0"/>
+              </a:rPr>
+              <a:t>"</a:t>
+            </a:r>
+            <a:r>
+              <a:rPr lang="ru-RU" dirty="0" err="1">
+                <a:solidFill>
+                  <a:srgbClr val="0000FF"/>
+                </a:solidFill>
+                <a:effectLst>
+                  <a:glow rad="228600">
+                    <a:schemeClr val="bg1">
+                      <a:alpha val="40000"/>
+                    </a:schemeClr>
+                  </a:glow>
+                </a:effectLst>
+                <a:highlight>
+                  <a:srgbClr val="FFFFFF"/>
+                </a:highlight>
+                <a:latin typeface="Consolas" pitchFamily="49" charset="0"/>
+                <a:ea typeface="Calibri"/>
+                <a:cs typeface="Consolas" pitchFamily="49" charset="0"/>
+              </a:rPr>
+              <a:t>no</a:t>
+            </a:r>
+            <a:r>
+              <a:rPr lang="ru-RU" dirty="0">
+                <a:solidFill>
+                  <a:srgbClr val="0000FF"/>
+                </a:solidFill>
+                <a:effectLst>
+                  <a:glow rad="228600">
+                    <a:schemeClr val="bg1">
+                      <a:alpha val="40000"/>
+                    </a:schemeClr>
+                  </a:glow>
+                </a:effectLst>
+                <a:highlight>
+                  <a:srgbClr val="FFFFFF"/>
+                </a:highlight>
+                <a:latin typeface="Consolas" pitchFamily="49" charset="0"/>
+                <a:ea typeface="Calibri"/>
+                <a:cs typeface="Consolas" pitchFamily="49" charset="0"/>
+              </a:rPr>
+              <a:t> </a:t>
+            </a:r>
+            <a:r>
+              <a:rPr lang="ru-RU" dirty="0" err="1">
+                <a:solidFill>
+                  <a:srgbClr val="0000FF"/>
+                </a:solidFill>
+                <a:effectLst>
+                  <a:glow rad="228600">
+                    <a:schemeClr val="bg1">
+                      <a:alpha val="40000"/>
+                    </a:schemeClr>
+                  </a:glow>
+                </a:effectLst>
+                <a:highlight>
+                  <a:srgbClr val="FFFFFF"/>
+                </a:highlight>
+                <a:latin typeface="Consolas" pitchFamily="49" charset="0"/>
+                <a:ea typeface="Calibri"/>
+                <a:cs typeface="Consolas" pitchFamily="49" charset="0"/>
+              </a:rPr>
+              <a:t>caption</a:t>
+            </a:r>
+            <a:r>
+              <a:rPr lang="ru-RU" dirty="0">
+                <a:solidFill>
+                  <a:srgbClr val="000000"/>
+                </a:solidFill>
+                <a:effectLst>
+                  <a:glow rad="228600">
+                    <a:schemeClr val="bg1">
+                      <a:alpha val="40000"/>
+                    </a:schemeClr>
+                  </a:glow>
+                </a:effectLst>
+                <a:highlight>
+                  <a:srgbClr val="FFFFFF"/>
+                </a:highlight>
+                <a:latin typeface="Consolas" pitchFamily="49" charset="0"/>
+                <a:ea typeface="Calibri"/>
+                <a:cs typeface="Consolas" pitchFamily="49" charset="0"/>
+              </a:rPr>
+              <a:t>"</a:t>
+            </a:r>
+            <a:r>
+              <a:rPr lang="ru-RU" dirty="0">
+                <a:solidFill>
+                  <a:srgbClr val="0000FF"/>
+                </a:solidFill>
+                <a:effectLst>
+                  <a:glow rad="228600">
+                    <a:schemeClr val="bg1">
+                      <a:alpha val="40000"/>
+                    </a:schemeClr>
+                  </a:glow>
+                </a:effectLst>
+                <a:highlight>
+                  <a:srgbClr val="FFFFFF"/>
+                </a:highlight>
+                <a:latin typeface="Consolas" pitchFamily="49" charset="0"/>
+                <a:ea typeface="Calibri"/>
+                <a:cs typeface="Consolas" pitchFamily="49" charset="0"/>
+              </a:rPr>
+              <a:t> </a:t>
+            </a:r>
+            <a:r>
+              <a:rPr lang="ru-RU" dirty="0" err="1">
+                <a:solidFill>
+                  <a:srgbClr val="FF0000"/>
+                </a:solidFill>
+                <a:effectLst>
+                  <a:glow rad="228600">
+                    <a:schemeClr val="bg1">
+                      <a:alpha val="40000"/>
+                    </a:schemeClr>
+                  </a:glow>
+                </a:effectLst>
+                <a:highlight>
+                  <a:srgbClr val="FFFFFF"/>
+                </a:highlight>
+                <a:latin typeface="Consolas" pitchFamily="49" charset="0"/>
+                <a:ea typeface="Calibri"/>
+                <a:cs typeface="Consolas" pitchFamily="49" charset="0"/>
+              </a:rPr>
+              <a:t>Left</a:t>
+            </a:r>
+            <a:r>
+              <a:rPr lang="ru-RU" dirty="0">
+                <a:solidFill>
+                  <a:srgbClr val="0000FF"/>
+                </a:solidFill>
+                <a:effectLst>
+                  <a:glow rad="228600">
+                    <a:schemeClr val="bg1">
+                      <a:alpha val="40000"/>
+                    </a:schemeClr>
+                  </a:glow>
+                </a:effectLst>
+                <a:highlight>
+                  <a:srgbClr val="FFFFFF"/>
+                </a:highlight>
+                <a:latin typeface="Consolas" pitchFamily="49" charset="0"/>
+                <a:ea typeface="Calibri"/>
+                <a:cs typeface="Consolas" pitchFamily="49" charset="0"/>
+              </a:rPr>
+              <a:t>=</a:t>
+            </a:r>
+            <a:r>
+              <a:rPr lang="ru-RU" dirty="0">
+                <a:solidFill>
+                  <a:srgbClr val="000000"/>
+                </a:solidFill>
+                <a:effectLst>
+                  <a:glow rad="228600">
+                    <a:schemeClr val="bg1">
+                      <a:alpha val="40000"/>
+                    </a:schemeClr>
+                  </a:glow>
+                </a:effectLst>
+                <a:highlight>
+                  <a:srgbClr val="FFFFFF"/>
+                </a:highlight>
+                <a:latin typeface="Consolas" pitchFamily="49" charset="0"/>
+                <a:ea typeface="Calibri"/>
+                <a:cs typeface="Consolas" pitchFamily="49" charset="0"/>
+              </a:rPr>
+              <a:t>"</a:t>
+            </a:r>
+            <a:r>
+              <a:rPr lang="ru-RU" dirty="0">
+                <a:solidFill>
+                  <a:srgbClr val="0000FF"/>
+                </a:solidFill>
+                <a:effectLst>
+                  <a:glow rad="228600">
+                    <a:schemeClr val="bg1">
+                      <a:alpha val="40000"/>
+                    </a:schemeClr>
+                  </a:glow>
+                </a:effectLst>
+                <a:highlight>
+                  <a:srgbClr val="FFFFFF"/>
+                </a:highlight>
+                <a:latin typeface="Consolas" pitchFamily="49" charset="0"/>
+                <a:ea typeface="Calibri"/>
+                <a:cs typeface="Consolas" pitchFamily="49" charset="0"/>
+              </a:rPr>
+              <a:t>374</a:t>
+            </a:r>
+            <a:r>
+              <a:rPr lang="ru-RU" dirty="0">
+                <a:solidFill>
+                  <a:srgbClr val="000000"/>
+                </a:solidFill>
+                <a:effectLst>
+                  <a:glow rad="228600">
+                    <a:schemeClr val="bg1">
+                      <a:alpha val="40000"/>
+                    </a:schemeClr>
+                  </a:glow>
+                </a:effectLst>
+                <a:highlight>
+                  <a:srgbClr val="FFFFFF"/>
+                </a:highlight>
+                <a:latin typeface="Consolas" pitchFamily="49" charset="0"/>
+                <a:ea typeface="Calibri"/>
+                <a:cs typeface="Consolas" pitchFamily="49" charset="0"/>
+              </a:rPr>
+              <a:t>"</a:t>
+            </a:r>
+            <a:r>
+              <a:rPr lang="ru-RU" dirty="0">
+                <a:solidFill>
+                  <a:srgbClr val="0000FF"/>
+                </a:solidFill>
+                <a:effectLst>
+                  <a:glow rad="228600">
+                    <a:schemeClr val="bg1">
+                      <a:alpha val="40000"/>
+                    </a:schemeClr>
+                  </a:glow>
+                </a:effectLst>
+                <a:highlight>
+                  <a:srgbClr val="FFFFFF"/>
+                </a:highlight>
+                <a:latin typeface="Consolas" pitchFamily="49" charset="0"/>
+                <a:ea typeface="Calibri"/>
+                <a:cs typeface="Consolas" pitchFamily="49" charset="0"/>
+              </a:rPr>
+              <a:t> </a:t>
+            </a:r>
+            <a:r>
+              <a:rPr lang="ru-RU" dirty="0" err="1">
+                <a:solidFill>
+                  <a:srgbClr val="FF0000"/>
+                </a:solidFill>
+                <a:effectLst>
+                  <a:glow rad="228600">
+                    <a:schemeClr val="bg1">
+                      <a:alpha val="40000"/>
+                    </a:schemeClr>
+                  </a:glow>
+                </a:effectLst>
+                <a:highlight>
+                  <a:srgbClr val="FFFFFF"/>
+                </a:highlight>
+                <a:latin typeface="Consolas" pitchFamily="49" charset="0"/>
+                <a:ea typeface="Calibri"/>
+                <a:cs typeface="Consolas" pitchFamily="49" charset="0"/>
+              </a:rPr>
+              <a:t>Top</a:t>
+            </a:r>
+            <a:r>
+              <a:rPr lang="ru-RU" dirty="0">
+                <a:solidFill>
+                  <a:srgbClr val="0000FF"/>
+                </a:solidFill>
+                <a:effectLst>
+                  <a:glow rad="228600">
+                    <a:schemeClr val="bg1">
+                      <a:alpha val="40000"/>
+                    </a:schemeClr>
+                  </a:glow>
+                </a:effectLst>
+                <a:highlight>
+                  <a:srgbClr val="FFFFFF"/>
+                </a:highlight>
+                <a:latin typeface="Consolas" pitchFamily="49" charset="0"/>
+                <a:ea typeface="Calibri"/>
+                <a:cs typeface="Consolas" pitchFamily="49" charset="0"/>
+              </a:rPr>
+              <a:t>=</a:t>
+            </a:r>
+            <a:r>
+              <a:rPr lang="ru-RU" dirty="0">
+                <a:solidFill>
+                  <a:srgbClr val="000000"/>
+                </a:solidFill>
+                <a:effectLst>
+                  <a:glow rad="228600">
+                    <a:schemeClr val="bg1">
+                      <a:alpha val="40000"/>
+                    </a:schemeClr>
+                  </a:glow>
+                </a:effectLst>
+                <a:highlight>
+                  <a:srgbClr val="FFFFFF"/>
+                </a:highlight>
+                <a:latin typeface="Consolas" pitchFamily="49" charset="0"/>
+                <a:ea typeface="Calibri"/>
+                <a:cs typeface="Consolas" pitchFamily="49" charset="0"/>
+              </a:rPr>
+              <a:t>"</a:t>
+            </a:r>
+            <a:r>
+              <a:rPr lang="ru-RU" dirty="0">
+                <a:solidFill>
+                  <a:srgbClr val="0000FF"/>
+                </a:solidFill>
+                <a:effectLst>
+                  <a:glow rad="228600">
+                    <a:schemeClr val="bg1">
+                      <a:alpha val="40000"/>
+                    </a:schemeClr>
+                  </a:glow>
+                </a:effectLst>
+                <a:highlight>
+                  <a:srgbClr val="FFFFFF"/>
+                </a:highlight>
+                <a:latin typeface="Consolas" pitchFamily="49" charset="0"/>
+                <a:ea typeface="Calibri"/>
+                <a:cs typeface="Consolas" pitchFamily="49" charset="0"/>
+              </a:rPr>
+              <a:t>617</a:t>
+            </a:r>
+            <a:r>
+              <a:rPr lang="ru-RU" dirty="0">
+                <a:solidFill>
+                  <a:srgbClr val="000000"/>
+                </a:solidFill>
+                <a:effectLst>
+                  <a:glow rad="228600">
+                    <a:schemeClr val="bg1">
+                      <a:alpha val="40000"/>
+                    </a:schemeClr>
+                  </a:glow>
+                </a:effectLst>
+                <a:highlight>
+                  <a:srgbClr val="FFFFFF"/>
+                </a:highlight>
+                <a:latin typeface="Consolas" pitchFamily="49" charset="0"/>
+                <a:ea typeface="Calibri"/>
+                <a:cs typeface="Consolas" pitchFamily="49" charset="0"/>
+              </a:rPr>
+              <a:t>"</a:t>
+            </a:r>
+            <a:r>
+              <a:rPr lang="ru-RU" dirty="0">
+                <a:solidFill>
+                  <a:srgbClr val="0000FF"/>
+                </a:solidFill>
+                <a:effectLst>
+                  <a:glow rad="228600">
+                    <a:schemeClr val="bg1">
+                      <a:alpha val="40000"/>
+                    </a:schemeClr>
+                  </a:glow>
+                </a:effectLst>
+                <a:highlight>
+                  <a:srgbClr val="FFFFFF"/>
+                </a:highlight>
+                <a:latin typeface="Consolas" pitchFamily="49" charset="0"/>
+                <a:ea typeface="Calibri"/>
+                <a:cs typeface="Consolas" pitchFamily="49" charset="0"/>
+              </a:rPr>
+              <a:t> </a:t>
+            </a:r>
+            <a:r>
+              <a:rPr lang="ru-RU" dirty="0" err="1">
+                <a:solidFill>
+                  <a:srgbClr val="FF0000"/>
+                </a:solidFill>
+                <a:effectLst>
+                  <a:glow rad="228600">
+                    <a:schemeClr val="bg1">
+                      <a:alpha val="40000"/>
+                    </a:schemeClr>
+                  </a:glow>
+                </a:effectLst>
+                <a:highlight>
+                  <a:srgbClr val="FFFFFF"/>
+                </a:highlight>
+                <a:latin typeface="Consolas" pitchFamily="49" charset="0"/>
+                <a:ea typeface="Calibri"/>
+                <a:cs typeface="Consolas" pitchFamily="49" charset="0"/>
+              </a:rPr>
+              <a:t>id</a:t>
+            </a:r>
+            <a:r>
+              <a:rPr lang="ru-RU" dirty="0">
+                <a:solidFill>
+                  <a:srgbClr val="0000FF"/>
+                </a:solidFill>
+                <a:effectLst>
+                  <a:glow rad="228600">
+                    <a:schemeClr val="bg1">
+                      <a:alpha val="40000"/>
+                    </a:schemeClr>
+                  </a:glow>
+                </a:effectLst>
+                <a:highlight>
+                  <a:srgbClr val="FFFFFF"/>
+                </a:highlight>
+                <a:latin typeface="Consolas" pitchFamily="49" charset="0"/>
+                <a:ea typeface="Calibri"/>
+                <a:cs typeface="Consolas" pitchFamily="49" charset="0"/>
+              </a:rPr>
+              <a:t>=</a:t>
+            </a:r>
+            <a:r>
+              <a:rPr lang="ru-RU" dirty="0">
+                <a:solidFill>
+                  <a:srgbClr val="000000"/>
+                </a:solidFill>
+                <a:effectLst>
+                  <a:glow rad="228600">
+                    <a:schemeClr val="bg1">
+                      <a:alpha val="40000"/>
+                    </a:schemeClr>
+                  </a:glow>
+                </a:effectLst>
+                <a:highlight>
+                  <a:srgbClr val="FFFFFF"/>
+                </a:highlight>
+                <a:latin typeface="Consolas" pitchFamily="49" charset="0"/>
+                <a:ea typeface="Calibri"/>
+                <a:cs typeface="Consolas" pitchFamily="49" charset="0"/>
+              </a:rPr>
+              <a:t>"</a:t>
+            </a:r>
+            <a:r>
+              <a:rPr lang="ru-RU" dirty="0">
+                <a:solidFill>
+                  <a:srgbClr val="0000FF"/>
+                </a:solidFill>
+                <a:effectLst>
+                  <a:glow rad="228600">
+                    <a:schemeClr val="bg1">
+                      <a:alpha val="40000"/>
+                    </a:schemeClr>
+                  </a:glow>
+                </a:effectLst>
+                <a:highlight>
+                  <a:srgbClr val="FFFFFF"/>
+                </a:highlight>
+                <a:latin typeface="Consolas" pitchFamily="49" charset="0"/>
+                <a:ea typeface="Calibri"/>
+                <a:cs typeface="Consolas" pitchFamily="49" charset="0"/>
+              </a:rPr>
+              <a:t>2</a:t>
+            </a:r>
+            <a:r>
+              <a:rPr lang="ru-RU" dirty="0">
+                <a:solidFill>
+                  <a:srgbClr val="000000"/>
+                </a:solidFill>
+                <a:effectLst>
+                  <a:glow rad="228600">
+                    <a:schemeClr val="bg1">
+                      <a:alpha val="40000"/>
+                    </a:schemeClr>
+                  </a:glow>
+                </a:effectLst>
+                <a:highlight>
+                  <a:srgbClr val="FFFFFF"/>
+                </a:highlight>
+                <a:latin typeface="Consolas" pitchFamily="49" charset="0"/>
+                <a:ea typeface="Calibri"/>
+                <a:cs typeface="Consolas" pitchFamily="49" charset="0"/>
+              </a:rPr>
+              <a:t>"</a:t>
+            </a:r>
+            <a:r>
+              <a:rPr lang="ru-RU" dirty="0">
+                <a:solidFill>
+                  <a:srgbClr val="0000FF"/>
+                </a:solidFill>
+                <a:effectLst>
+                  <a:glow rad="228600">
+                    <a:schemeClr val="bg1">
+                      <a:alpha val="40000"/>
+                    </a:schemeClr>
+                  </a:glow>
+                </a:effectLst>
+                <a:highlight>
+                  <a:srgbClr val="FFFFFF"/>
+                </a:highlight>
+                <a:latin typeface="Consolas" pitchFamily="49" charset="0"/>
+                <a:ea typeface="Calibri"/>
+                <a:cs typeface="Consolas" pitchFamily="49" charset="0"/>
+              </a:rPr>
+              <a:t> /&gt;</a:t>
+            </a:r>
+            <a:endParaRPr lang="ru-RU" dirty="0">
+              <a:effectLst>
+                <a:glow rad="228600">
+                  <a:schemeClr val="bg1">
+                    <a:alpha val="40000"/>
+                  </a:schemeClr>
+                </a:glow>
+              </a:effectLst>
+              <a:latin typeface="Consolas" pitchFamily="49" charset="0"/>
+              <a:ea typeface="Calibri"/>
+              <a:cs typeface="Consolas" pitchFamily="49" charset="0"/>
+            </a:endParaRPr>
+          </a:p>
+          <a:p>
+            <a:pPr>
+              <a:lnSpc>
+                <a:spcPct val="115000"/>
+              </a:lnSpc>
+              <a:spcAft>
+                <a:spcPts val="0"/>
+              </a:spcAft>
+            </a:pPr>
+            <a:r>
+              <a:rPr lang="en-US" dirty="0" smtClean="0">
+                <a:solidFill>
+                  <a:srgbClr val="0000FF"/>
+                </a:solidFill>
+                <a:effectLst>
+                  <a:glow rad="228600">
+                    <a:schemeClr val="bg1">
+                      <a:alpha val="40000"/>
+                    </a:schemeClr>
+                  </a:glow>
+                </a:effectLst>
+                <a:highlight>
+                  <a:srgbClr val="FFFFFF"/>
+                </a:highlight>
+                <a:latin typeface="Consolas" pitchFamily="49" charset="0"/>
+                <a:ea typeface="Calibri"/>
+                <a:cs typeface="Consolas" pitchFamily="49" charset="0"/>
+              </a:rPr>
+              <a:t>  </a:t>
+            </a:r>
+            <a:r>
+              <a:rPr lang="ru-RU" dirty="0" smtClean="0">
+                <a:solidFill>
+                  <a:srgbClr val="0000FF"/>
+                </a:solidFill>
+                <a:effectLst>
+                  <a:glow rad="228600">
+                    <a:schemeClr val="bg1">
+                      <a:alpha val="40000"/>
+                    </a:schemeClr>
+                  </a:glow>
+                </a:effectLst>
+                <a:highlight>
+                  <a:srgbClr val="FFFFFF"/>
+                </a:highlight>
+                <a:latin typeface="Consolas" pitchFamily="49" charset="0"/>
+                <a:ea typeface="Calibri"/>
+                <a:cs typeface="Consolas" pitchFamily="49" charset="0"/>
+              </a:rPr>
+              <a:t>&lt;</a:t>
+            </a:r>
+            <a:r>
+              <a:rPr lang="ru-RU" dirty="0" err="1">
+                <a:solidFill>
+                  <a:srgbClr val="A31515"/>
+                </a:solidFill>
+                <a:effectLst>
+                  <a:glow rad="228600">
+                    <a:schemeClr val="bg1">
+                      <a:alpha val="40000"/>
+                    </a:schemeClr>
+                  </a:glow>
+                </a:effectLst>
+                <a:highlight>
+                  <a:srgbClr val="FFFFFF"/>
+                </a:highlight>
+                <a:latin typeface="Consolas" pitchFamily="49" charset="0"/>
+                <a:ea typeface="Calibri"/>
+                <a:cs typeface="Consolas" pitchFamily="49" charset="0"/>
+              </a:rPr>
+              <a:t>NodeControl</a:t>
+            </a:r>
+            <a:r>
+              <a:rPr lang="ru-RU" dirty="0">
+                <a:solidFill>
+                  <a:srgbClr val="0000FF"/>
+                </a:solidFill>
+                <a:effectLst>
+                  <a:glow rad="228600">
+                    <a:schemeClr val="bg1">
+                      <a:alpha val="40000"/>
+                    </a:schemeClr>
+                  </a:glow>
+                </a:effectLst>
+                <a:highlight>
+                  <a:srgbClr val="FFFFFF"/>
+                </a:highlight>
+                <a:latin typeface="Consolas" pitchFamily="49" charset="0"/>
+                <a:ea typeface="Calibri"/>
+                <a:cs typeface="Consolas" pitchFamily="49" charset="0"/>
+              </a:rPr>
+              <a:t> </a:t>
+            </a:r>
+            <a:r>
+              <a:rPr lang="ru-RU" dirty="0" err="1">
+                <a:solidFill>
+                  <a:srgbClr val="FF0000"/>
+                </a:solidFill>
+                <a:effectLst>
+                  <a:glow rad="228600">
+                    <a:schemeClr val="bg1">
+                      <a:alpha val="40000"/>
+                    </a:schemeClr>
+                  </a:glow>
+                </a:effectLst>
+                <a:highlight>
+                  <a:srgbClr val="FFFFFF"/>
+                </a:highlight>
+                <a:latin typeface="Consolas" pitchFamily="49" charset="0"/>
+                <a:ea typeface="Calibri"/>
+                <a:cs typeface="Consolas" pitchFamily="49" charset="0"/>
+              </a:rPr>
+              <a:t>Text</a:t>
+            </a:r>
+            <a:r>
+              <a:rPr lang="ru-RU" dirty="0">
+                <a:solidFill>
+                  <a:srgbClr val="0000FF"/>
+                </a:solidFill>
+                <a:effectLst>
+                  <a:glow rad="228600">
+                    <a:schemeClr val="bg1">
+                      <a:alpha val="40000"/>
+                    </a:schemeClr>
+                  </a:glow>
+                </a:effectLst>
+                <a:highlight>
+                  <a:srgbClr val="FFFFFF"/>
+                </a:highlight>
+                <a:latin typeface="Consolas" pitchFamily="49" charset="0"/>
+                <a:ea typeface="Calibri"/>
+                <a:cs typeface="Consolas" pitchFamily="49" charset="0"/>
+              </a:rPr>
+              <a:t>=</a:t>
+            </a:r>
+            <a:r>
+              <a:rPr lang="ru-RU" dirty="0">
+                <a:solidFill>
+                  <a:srgbClr val="000000"/>
+                </a:solidFill>
+                <a:effectLst>
+                  <a:glow rad="228600">
+                    <a:schemeClr val="bg1">
+                      <a:alpha val="40000"/>
+                    </a:schemeClr>
+                  </a:glow>
+                </a:effectLst>
+                <a:highlight>
+                  <a:srgbClr val="FFFFFF"/>
+                </a:highlight>
+                <a:latin typeface="Consolas" pitchFamily="49" charset="0"/>
+                <a:ea typeface="Calibri"/>
+                <a:cs typeface="Consolas" pitchFamily="49" charset="0"/>
+              </a:rPr>
+              <a:t>"</a:t>
+            </a:r>
+            <a:r>
+              <a:rPr lang="ru-RU" dirty="0" err="1">
+                <a:solidFill>
+                  <a:srgbClr val="0000FF"/>
+                </a:solidFill>
+                <a:effectLst>
+                  <a:glow rad="228600">
+                    <a:schemeClr val="bg1">
+                      <a:alpha val="40000"/>
+                    </a:schemeClr>
+                  </a:glow>
+                </a:effectLst>
+                <a:highlight>
+                  <a:srgbClr val="FFFFFF"/>
+                </a:highlight>
+                <a:latin typeface="Consolas" pitchFamily="49" charset="0"/>
+                <a:ea typeface="Calibri"/>
+                <a:cs typeface="Consolas" pitchFamily="49" charset="0"/>
+              </a:rPr>
+              <a:t>no</a:t>
+            </a:r>
+            <a:r>
+              <a:rPr lang="ru-RU" dirty="0">
+                <a:solidFill>
+                  <a:srgbClr val="0000FF"/>
+                </a:solidFill>
+                <a:effectLst>
+                  <a:glow rad="228600">
+                    <a:schemeClr val="bg1">
+                      <a:alpha val="40000"/>
+                    </a:schemeClr>
+                  </a:glow>
+                </a:effectLst>
+                <a:highlight>
+                  <a:srgbClr val="FFFFFF"/>
+                </a:highlight>
+                <a:latin typeface="Consolas" pitchFamily="49" charset="0"/>
+                <a:ea typeface="Calibri"/>
+                <a:cs typeface="Consolas" pitchFamily="49" charset="0"/>
+              </a:rPr>
+              <a:t> </a:t>
+            </a:r>
+            <a:r>
+              <a:rPr lang="ru-RU" dirty="0" err="1">
+                <a:solidFill>
+                  <a:srgbClr val="0000FF"/>
+                </a:solidFill>
+                <a:effectLst>
+                  <a:glow rad="228600">
+                    <a:schemeClr val="bg1">
+                      <a:alpha val="40000"/>
+                    </a:schemeClr>
+                  </a:glow>
+                </a:effectLst>
+                <a:highlight>
+                  <a:srgbClr val="FFFFFF"/>
+                </a:highlight>
+                <a:latin typeface="Consolas" pitchFamily="49" charset="0"/>
+                <a:ea typeface="Calibri"/>
+                <a:cs typeface="Consolas" pitchFamily="49" charset="0"/>
+              </a:rPr>
+              <a:t>caption</a:t>
+            </a:r>
+            <a:r>
+              <a:rPr lang="ru-RU" dirty="0">
+                <a:solidFill>
+                  <a:srgbClr val="000000"/>
+                </a:solidFill>
+                <a:effectLst>
+                  <a:glow rad="228600">
+                    <a:schemeClr val="bg1">
+                      <a:alpha val="40000"/>
+                    </a:schemeClr>
+                  </a:glow>
+                </a:effectLst>
+                <a:highlight>
+                  <a:srgbClr val="FFFFFF"/>
+                </a:highlight>
+                <a:latin typeface="Consolas" pitchFamily="49" charset="0"/>
+                <a:ea typeface="Calibri"/>
+                <a:cs typeface="Consolas" pitchFamily="49" charset="0"/>
+              </a:rPr>
+              <a:t>"</a:t>
+            </a:r>
+            <a:r>
+              <a:rPr lang="ru-RU" dirty="0">
+                <a:solidFill>
+                  <a:srgbClr val="0000FF"/>
+                </a:solidFill>
+                <a:effectLst>
+                  <a:glow rad="228600">
+                    <a:schemeClr val="bg1">
+                      <a:alpha val="40000"/>
+                    </a:schemeClr>
+                  </a:glow>
+                </a:effectLst>
+                <a:highlight>
+                  <a:srgbClr val="FFFFFF"/>
+                </a:highlight>
+                <a:latin typeface="Consolas" pitchFamily="49" charset="0"/>
+                <a:ea typeface="Calibri"/>
+                <a:cs typeface="Consolas" pitchFamily="49" charset="0"/>
+              </a:rPr>
+              <a:t> </a:t>
+            </a:r>
+            <a:r>
+              <a:rPr lang="ru-RU" dirty="0" err="1">
+                <a:solidFill>
+                  <a:srgbClr val="FF0000"/>
+                </a:solidFill>
+                <a:effectLst>
+                  <a:glow rad="228600">
+                    <a:schemeClr val="bg1">
+                      <a:alpha val="40000"/>
+                    </a:schemeClr>
+                  </a:glow>
+                </a:effectLst>
+                <a:highlight>
+                  <a:srgbClr val="FFFFFF"/>
+                </a:highlight>
+                <a:latin typeface="Consolas" pitchFamily="49" charset="0"/>
+                <a:ea typeface="Calibri"/>
+                <a:cs typeface="Consolas" pitchFamily="49" charset="0"/>
+              </a:rPr>
+              <a:t>Left</a:t>
+            </a:r>
+            <a:r>
+              <a:rPr lang="ru-RU" dirty="0">
+                <a:solidFill>
+                  <a:srgbClr val="0000FF"/>
+                </a:solidFill>
+                <a:effectLst>
+                  <a:glow rad="228600">
+                    <a:schemeClr val="bg1">
+                      <a:alpha val="40000"/>
+                    </a:schemeClr>
+                  </a:glow>
+                </a:effectLst>
+                <a:highlight>
+                  <a:srgbClr val="FFFFFF"/>
+                </a:highlight>
+                <a:latin typeface="Consolas" pitchFamily="49" charset="0"/>
+                <a:ea typeface="Calibri"/>
+                <a:cs typeface="Consolas" pitchFamily="49" charset="0"/>
+              </a:rPr>
+              <a:t>=</a:t>
+            </a:r>
+            <a:r>
+              <a:rPr lang="ru-RU" dirty="0">
+                <a:solidFill>
+                  <a:srgbClr val="000000"/>
+                </a:solidFill>
+                <a:effectLst>
+                  <a:glow rad="228600">
+                    <a:schemeClr val="bg1">
+                      <a:alpha val="40000"/>
+                    </a:schemeClr>
+                  </a:glow>
+                </a:effectLst>
+                <a:highlight>
+                  <a:srgbClr val="FFFFFF"/>
+                </a:highlight>
+                <a:latin typeface="Consolas" pitchFamily="49" charset="0"/>
+                <a:ea typeface="Calibri"/>
+                <a:cs typeface="Consolas" pitchFamily="49" charset="0"/>
+              </a:rPr>
+              <a:t>"</a:t>
+            </a:r>
+            <a:r>
+              <a:rPr lang="ru-RU" dirty="0">
+                <a:solidFill>
+                  <a:srgbClr val="0000FF"/>
+                </a:solidFill>
+                <a:effectLst>
+                  <a:glow rad="228600">
+                    <a:schemeClr val="bg1">
+                      <a:alpha val="40000"/>
+                    </a:schemeClr>
+                  </a:glow>
+                </a:effectLst>
+                <a:highlight>
+                  <a:srgbClr val="FFFFFF"/>
+                </a:highlight>
+                <a:latin typeface="Consolas" pitchFamily="49" charset="0"/>
+                <a:ea typeface="Calibri"/>
+                <a:cs typeface="Consolas" pitchFamily="49" charset="0"/>
+              </a:rPr>
+              <a:t>140</a:t>
+            </a:r>
+            <a:r>
+              <a:rPr lang="ru-RU" dirty="0">
+                <a:solidFill>
+                  <a:srgbClr val="000000"/>
+                </a:solidFill>
+                <a:effectLst>
+                  <a:glow rad="228600">
+                    <a:schemeClr val="bg1">
+                      <a:alpha val="40000"/>
+                    </a:schemeClr>
+                  </a:glow>
+                </a:effectLst>
+                <a:highlight>
+                  <a:srgbClr val="FFFFFF"/>
+                </a:highlight>
+                <a:latin typeface="Consolas" pitchFamily="49" charset="0"/>
+                <a:ea typeface="Calibri"/>
+                <a:cs typeface="Consolas" pitchFamily="49" charset="0"/>
+              </a:rPr>
+              <a:t>"</a:t>
+            </a:r>
+            <a:r>
+              <a:rPr lang="ru-RU" dirty="0">
+                <a:solidFill>
+                  <a:srgbClr val="0000FF"/>
+                </a:solidFill>
+                <a:effectLst>
+                  <a:glow rad="228600">
+                    <a:schemeClr val="bg1">
+                      <a:alpha val="40000"/>
+                    </a:schemeClr>
+                  </a:glow>
+                </a:effectLst>
+                <a:highlight>
+                  <a:srgbClr val="FFFFFF"/>
+                </a:highlight>
+                <a:latin typeface="Consolas" pitchFamily="49" charset="0"/>
+                <a:ea typeface="Calibri"/>
+                <a:cs typeface="Consolas" pitchFamily="49" charset="0"/>
+              </a:rPr>
+              <a:t> </a:t>
+            </a:r>
+            <a:r>
+              <a:rPr lang="ru-RU" dirty="0" err="1">
+                <a:solidFill>
+                  <a:srgbClr val="FF0000"/>
+                </a:solidFill>
+                <a:effectLst>
+                  <a:glow rad="228600">
+                    <a:schemeClr val="bg1">
+                      <a:alpha val="40000"/>
+                    </a:schemeClr>
+                  </a:glow>
+                </a:effectLst>
+                <a:highlight>
+                  <a:srgbClr val="FFFFFF"/>
+                </a:highlight>
+                <a:latin typeface="Consolas" pitchFamily="49" charset="0"/>
+                <a:ea typeface="Calibri"/>
+                <a:cs typeface="Consolas" pitchFamily="49" charset="0"/>
+              </a:rPr>
+              <a:t>Top</a:t>
+            </a:r>
+            <a:r>
+              <a:rPr lang="ru-RU" dirty="0">
+                <a:solidFill>
+                  <a:srgbClr val="0000FF"/>
+                </a:solidFill>
+                <a:effectLst>
+                  <a:glow rad="228600">
+                    <a:schemeClr val="bg1">
+                      <a:alpha val="40000"/>
+                    </a:schemeClr>
+                  </a:glow>
+                </a:effectLst>
+                <a:highlight>
+                  <a:srgbClr val="FFFFFF"/>
+                </a:highlight>
+                <a:latin typeface="Consolas" pitchFamily="49" charset="0"/>
+                <a:ea typeface="Calibri"/>
+                <a:cs typeface="Consolas" pitchFamily="49" charset="0"/>
+              </a:rPr>
+              <a:t>=</a:t>
+            </a:r>
+            <a:r>
+              <a:rPr lang="ru-RU" dirty="0">
+                <a:solidFill>
+                  <a:srgbClr val="000000"/>
+                </a:solidFill>
+                <a:effectLst>
+                  <a:glow rad="228600">
+                    <a:schemeClr val="bg1">
+                      <a:alpha val="40000"/>
+                    </a:schemeClr>
+                  </a:glow>
+                </a:effectLst>
+                <a:highlight>
+                  <a:srgbClr val="FFFFFF"/>
+                </a:highlight>
+                <a:latin typeface="Consolas" pitchFamily="49" charset="0"/>
+                <a:ea typeface="Calibri"/>
+                <a:cs typeface="Consolas" pitchFamily="49" charset="0"/>
+              </a:rPr>
+              <a:t>"</a:t>
+            </a:r>
+            <a:r>
+              <a:rPr lang="ru-RU" dirty="0">
+                <a:solidFill>
+                  <a:srgbClr val="0000FF"/>
+                </a:solidFill>
+                <a:effectLst>
+                  <a:glow rad="228600">
+                    <a:schemeClr val="bg1">
+                      <a:alpha val="40000"/>
+                    </a:schemeClr>
+                  </a:glow>
+                </a:effectLst>
+                <a:highlight>
+                  <a:srgbClr val="FFFFFF"/>
+                </a:highlight>
+                <a:latin typeface="Consolas" pitchFamily="49" charset="0"/>
+                <a:ea typeface="Calibri"/>
+                <a:cs typeface="Consolas" pitchFamily="49" charset="0"/>
+              </a:rPr>
+              <a:t>737</a:t>
+            </a:r>
+            <a:r>
+              <a:rPr lang="ru-RU" dirty="0">
+                <a:solidFill>
+                  <a:srgbClr val="000000"/>
+                </a:solidFill>
+                <a:effectLst>
+                  <a:glow rad="228600">
+                    <a:schemeClr val="bg1">
+                      <a:alpha val="40000"/>
+                    </a:schemeClr>
+                  </a:glow>
+                </a:effectLst>
+                <a:highlight>
+                  <a:srgbClr val="FFFFFF"/>
+                </a:highlight>
+                <a:latin typeface="Consolas" pitchFamily="49" charset="0"/>
+                <a:ea typeface="Calibri"/>
+                <a:cs typeface="Consolas" pitchFamily="49" charset="0"/>
+              </a:rPr>
+              <a:t>"</a:t>
+            </a:r>
+            <a:r>
+              <a:rPr lang="ru-RU" dirty="0">
+                <a:solidFill>
+                  <a:srgbClr val="0000FF"/>
+                </a:solidFill>
+                <a:effectLst>
+                  <a:glow rad="228600">
+                    <a:schemeClr val="bg1">
+                      <a:alpha val="40000"/>
+                    </a:schemeClr>
+                  </a:glow>
+                </a:effectLst>
+                <a:highlight>
+                  <a:srgbClr val="FFFFFF"/>
+                </a:highlight>
+                <a:latin typeface="Consolas" pitchFamily="49" charset="0"/>
+                <a:ea typeface="Calibri"/>
+                <a:cs typeface="Consolas" pitchFamily="49" charset="0"/>
+              </a:rPr>
+              <a:t> </a:t>
+            </a:r>
+            <a:r>
+              <a:rPr lang="ru-RU" dirty="0" err="1">
+                <a:solidFill>
+                  <a:srgbClr val="FF0000"/>
+                </a:solidFill>
+                <a:effectLst>
+                  <a:glow rad="228600">
+                    <a:schemeClr val="bg1">
+                      <a:alpha val="40000"/>
+                    </a:schemeClr>
+                  </a:glow>
+                </a:effectLst>
+                <a:highlight>
+                  <a:srgbClr val="FFFFFF"/>
+                </a:highlight>
+                <a:latin typeface="Consolas" pitchFamily="49" charset="0"/>
+                <a:ea typeface="Calibri"/>
+                <a:cs typeface="Consolas" pitchFamily="49" charset="0"/>
+              </a:rPr>
+              <a:t>id</a:t>
+            </a:r>
+            <a:r>
+              <a:rPr lang="ru-RU" dirty="0">
+                <a:solidFill>
+                  <a:srgbClr val="0000FF"/>
+                </a:solidFill>
+                <a:effectLst>
+                  <a:glow rad="228600">
+                    <a:schemeClr val="bg1">
+                      <a:alpha val="40000"/>
+                    </a:schemeClr>
+                  </a:glow>
+                </a:effectLst>
+                <a:highlight>
+                  <a:srgbClr val="FFFFFF"/>
+                </a:highlight>
+                <a:latin typeface="Consolas" pitchFamily="49" charset="0"/>
+                <a:ea typeface="Calibri"/>
+                <a:cs typeface="Consolas" pitchFamily="49" charset="0"/>
+              </a:rPr>
+              <a:t>=</a:t>
+            </a:r>
+            <a:r>
+              <a:rPr lang="ru-RU" dirty="0">
+                <a:solidFill>
+                  <a:srgbClr val="000000"/>
+                </a:solidFill>
+                <a:effectLst>
+                  <a:glow rad="228600">
+                    <a:schemeClr val="bg1">
+                      <a:alpha val="40000"/>
+                    </a:schemeClr>
+                  </a:glow>
+                </a:effectLst>
+                <a:highlight>
+                  <a:srgbClr val="FFFFFF"/>
+                </a:highlight>
+                <a:latin typeface="Consolas" pitchFamily="49" charset="0"/>
+                <a:ea typeface="Calibri"/>
+                <a:cs typeface="Consolas" pitchFamily="49" charset="0"/>
+              </a:rPr>
+              <a:t>"</a:t>
+            </a:r>
+            <a:r>
+              <a:rPr lang="ru-RU" dirty="0">
+                <a:solidFill>
+                  <a:srgbClr val="0000FF"/>
+                </a:solidFill>
+                <a:effectLst>
+                  <a:glow rad="228600">
+                    <a:schemeClr val="bg1">
+                      <a:alpha val="40000"/>
+                    </a:schemeClr>
+                  </a:glow>
+                </a:effectLst>
+                <a:highlight>
+                  <a:srgbClr val="FFFFFF"/>
+                </a:highlight>
+                <a:latin typeface="Consolas" pitchFamily="49" charset="0"/>
+                <a:ea typeface="Calibri"/>
+                <a:cs typeface="Consolas" pitchFamily="49" charset="0"/>
+              </a:rPr>
+              <a:t>5</a:t>
+            </a:r>
+            <a:r>
+              <a:rPr lang="ru-RU" dirty="0">
+                <a:solidFill>
+                  <a:srgbClr val="000000"/>
+                </a:solidFill>
+                <a:effectLst>
+                  <a:glow rad="228600">
+                    <a:schemeClr val="bg1">
+                      <a:alpha val="40000"/>
+                    </a:schemeClr>
+                  </a:glow>
+                </a:effectLst>
+                <a:highlight>
+                  <a:srgbClr val="FFFFFF"/>
+                </a:highlight>
+                <a:latin typeface="Consolas" pitchFamily="49" charset="0"/>
+                <a:ea typeface="Calibri"/>
+                <a:cs typeface="Consolas" pitchFamily="49" charset="0"/>
+              </a:rPr>
+              <a:t>"</a:t>
+            </a:r>
+            <a:r>
+              <a:rPr lang="ru-RU" dirty="0">
+                <a:solidFill>
+                  <a:srgbClr val="0000FF"/>
+                </a:solidFill>
+                <a:effectLst>
+                  <a:glow rad="228600">
+                    <a:schemeClr val="bg1">
+                      <a:alpha val="40000"/>
+                    </a:schemeClr>
+                  </a:glow>
+                </a:effectLst>
+                <a:highlight>
+                  <a:srgbClr val="FFFFFF"/>
+                </a:highlight>
+                <a:latin typeface="Consolas" pitchFamily="49" charset="0"/>
+                <a:ea typeface="Calibri"/>
+                <a:cs typeface="Consolas" pitchFamily="49" charset="0"/>
+              </a:rPr>
+              <a:t> </a:t>
+            </a:r>
+            <a:r>
+              <a:rPr lang="ru-RU" dirty="0" smtClean="0">
+                <a:solidFill>
+                  <a:srgbClr val="0000FF"/>
+                </a:solidFill>
+                <a:effectLst>
+                  <a:glow rad="228600">
+                    <a:schemeClr val="bg1">
+                      <a:alpha val="40000"/>
+                    </a:schemeClr>
+                  </a:glow>
+                </a:effectLst>
+                <a:highlight>
+                  <a:srgbClr val="FFFFFF"/>
+                </a:highlight>
+                <a:latin typeface="Consolas" pitchFamily="49" charset="0"/>
+                <a:ea typeface="Calibri"/>
+                <a:cs typeface="Consolas" pitchFamily="49" charset="0"/>
+              </a:rPr>
+              <a:t>/&gt;</a:t>
+            </a:r>
+            <a:endParaRPr lang="en-US" dirty="0">
+              <a:solidFill>
+                <a:srgbClr val="0000FF"/>
+              </a:solidFill>
+              <a:effectLst>
+                <a:glow rad="228600">
+                  <a:schemeClr val="bg1">
+                    <a:alpha val="40000"/>
+                  </a:schemeClr>
+                </a:glow>
+              </a:effectLst>
+              <a:highlight>
+                <a:srgbClr val="FFFFFF"/>
+              </a:highlight>
+              <a:latin typeface="Consolas" pitchFamily="49" charset="0"/>
+              <a:ea typeface="Calibri"/>
+              <a:cs typeface="Consolas" pitchFamily="49" charset="0"/>
+            </a:endParaRPr>
+          </a:p>
+          <a:p>
+            <a:pPr>
+              <a:lnSpc>
+                <a:spcPct val="115000"/>
+              </a:lnSpc>
+              <a:spcAft>
+                <a:spcPts val="0"/>
+              </a:spcAft>
+            </a:pPr>
+            <a:r>
+              <a:rPr lang="en-US" dirty="0" smtClean="0">
+                <a:solidFill>
+                  <a:srgbClr val="0000FF"/>
+                </a:solidFill>
+                <a:effectLst>
+                  <a:glow rad="228600">
+                    <a:schemeClr val="bg1">
+                      <a:alpha val="40000"/>
+                    </a:schemeClr>
+                  </a:glow>
+                </a:effectLst>
+                <a:highlight>
+                  <a:srgbClr val="FFFFFF"/>
+                </a:highlight>
+                <a:latin typeface="Consolas" pitchFamily="49" charset="0"/>
+                <a:ea typeface="Calibri"/>
+                <a:cs typeface="Consolas" pitchFamily="49" charset="0"/>
+              </a:rPr>
+              <a:t>  </a:t>
+            </a:r>
+            <a:r>
+              <a:rPr lang="ru-RU" dirty="0" smtClean="0">
+                <a:solidFill>
+                  <a:srgbClr val="0000FF"/>
+                </a:solidFill>
+                <a:effectLst>
+                  <a:glow rad="228600">
+                    <a:schemeClr val="bg1">
+                      <a:alpha val="40000"/>
+                    </a:schemeClr>
+                  </a:glow>
+                </a:effectLst>
+                <a:highlight>
+                  <a:srgbClr val="FFFFFF"/>
+                </a:highlight>
+                <a:latin typeface="Consolas" pitchFamily="49" charset="0"/>
+                <a:ea typeface="Calibri"/>
+                <a:cs typeface="Consolas" pitchFamily="49" charset="0"/>
+              </a:rPr>
+              <a:t>&lt;</a:t>
+            </a:r>
+            <a:r>
+              <a:rPr lang="ru-RU" dirty="0" err="1" smtClean="0">
+                <a:solidFill>
+                  <a:srgbClr val="A31515"/>
+                </a:solidFill>
+                <a:effectLst>
+                  <a:glow rad="228600">
+                    <a:schemeClr val="bg1">
+                      <a:alpha val="40000"/>
+                    </a:schemeClr>
+                  </a:glow>
+                </a:effectLst>
+                <a:highlight>
+                  <a:srgbClr val="FFFFFF"/>
+                </a:highlight>
+                <a:latin typeface="Consolas" pitchFamily="49" charset="0"/>
+                <a:ea typeface="Calibri"/>
+                <a:cs typeface="Consolas" pitchFamily="49" charset="0"/>
+              </a:rPr>
+              <a:t>LinkControl</a:t>
+            </a:r>
+            <a:r>
+              <a:rPr lang="ru-RU" dirty="0" smtClean="0">
+                <a:solidFill>
+                  <a:srgbClr val="0000FF"/>
+                </a:solidFill>
+                <a:effectLst>
+                  <a:glow rad="228600">
+                    <a:schemeClr val="bg1">
+                      <a:alpha val="40000"/>
+                    </a:schemeClr>
+                  </a:glow>
+                </a:effectLst>
+                <a:highlight>
+                  <a:srgbClr val="FFFFFF"/>
+                </a:highlight>
+                <a:latin typeface="Consolas" pitchFamily="49" charset="0"/>
+                <a:ea typeface="Calibri"/>
+                <a:cs typeface="Consolas" pitchFamily="49" charset="0"/>
+              </a:rPr>
+              <a:t> </a:t>
+            </a:r>
+            <a:r>
+              <a:rPr lang="ru-RU" dirty="0" smtClean="0">
+                <a:solidFill>
+                  <a:srgbClr val="FF0000"/>
+                </a:solidFill>
+                <a:effectLst>
+                  <a:glow rad="228600">
+                    <a:schemeClr val="bg1">
+                      <a:alpha val="40000"/>
+                    </a:schemeClr>
+                  </a:glow>
+                </a:effectLst>
+                <a:highlight>
+                  <a:srgbClr val="FFFFFF"/>
+                </a:highlight>
+                <a:latin typeface="Consolas" pitchFamily="49" charset="0"/>
+                <a:ea typeface="Calibri"/>
+                <a:cs typeface="Consolas" pitchFamily="49" charset="0"/>
+              </a:rPr>
+              <a:t>Node1</a:t>
+            </a:r>
+            <a:r>
+              <a:rPr lang="ru-RU" dirty="0" smtClean="0">
+                <a:solidFill>
+                  <a:srgbClr val="0000FF"/>
+                </a:solidFill>
+                <a:effectLst>
+                  <a:glow rad="228600">
+                    <a:schemeClr val="bg1">
+                      <a:alpha val="40000"/>
+                    </a:schemeClr>
+                  </a:glow>
+                </a:effectLst>
+                <a:highlight>
+                  <a:srgbClr val="FFFFFF"/>
+                </a:highlight>
+                <a:latin typeface="Consolas" pitchFamily="49" charset="0"/>
+                <a:ea typeface="Calibri"/>
+                <a:cs typeface="Consolas" pitchFamily="49" charset="0"/>
+              </a:rPr>
+              <a:t>=</a:t>
+            </a:r>
+            <a:r>
+              <a:rPr lang="ru-RU" dirty="0" smtClean="0">
+                <a:solidFill>
+                  <a:srgbClr val="000000"/>
+                </a:solidFill>
+                <a:effectLst>
+                  <a:glow rad="228600">
+                    <a:schemeClr val="bg1">
+                      <a:alpha val="40000"/>
+                    </a:schemeClr>
+                  </a:glow>
+                </a:effectLst>
+                <a:highlight>
+                  <a:srgbClr val="FFFFFF"/>
+                </a:highlight>
+                <a:latin typeface="Consolas" pitchFamily="49" charset="0"/>
+                <a:ea typeface="Calibri"/>
+                <a:cs typeface="Consolas" pitchFamily="49" charset="0"/>
+              </a:rPr>
+              <a:t>"</a:t>
+            </a:r>
+            <a:r>
+              <a:rPr lang="ru-RU" dirty="0" smtClean="0">
+                <a:solidFill>
+                  <a:srgbClr val="0000FF"/>
+                </a:solidFill>
+                <a:effectLst>
+                  <a:glow rad="228600">
+                    <a:schemeClr val="bg1">
+                      <a:alpha val="40000"/>
+                    </a:schemeClr>
+                  </a:glow>
+                </a:effectLst>
+                <a:highlight>
+                  <a:srgbClr val="FFFFFF"/>
+                </a:highlight>
+                <a:latin typeface="Consolas" pitchFamily="49" charset="0"/>
+                <a:ea typeface="Calibri"/>
+                <a:cs typeface="Consolas" pitchFamily="49" charset="0"/>
+              </a:rPr>
+              <a:t>2</a:t>
+            </a:r>
+            <a:r>
+              <a:rPr lang="ru-RU" dirty="0" smtClean="0">
+                <a:solidFill>
+                  <a:srgbClr val="000000"/>
+                </a:solidFill>
+                <a:effectLst>
+                  <a:glow rad="228600">
+                    <a:schemeClr val="bg1">
+                      <a:alpha val="40000"/>
+                    </a:schemeClr>
+                  </a:glow>
+                </a:effectLst>
+                <a:highlight>
+                  <a:srgbClr val="FFFFFF"/>
+                </a:highlight>
+                <a:latin typeface="Consolas" pitchFamily="49" charset="0"/>
+                <a:ea typeface="Calibri"/>
+                <a:cs typeface="Consolas" pitchFamily="49" charset="0"/>
+              </a:rPr>
+              <a:t>"</a:t>
+            </a:r>
+            <a:r>
+              <a:rPr lang="ru-RU" dirty="0" smtClean="0">
+                <a:solidFill>
+                  <a:srgbClr val="0000FF"/>
+                </a:solidFill>
+                <a:effectLst>
+                  <a:glow rad="228600">
+                    <a:schemeClr val="bg1">
+                      <a:alpha val="40000"/>
+                    </a:schemeClr>
+                  </a:glow>
+                </a:effectLst>
+                <a:highlight>
+                  <a:srgbClr val="FFFFFF"/>
+                </a:highlight>
+                <a:latin typeface="Consolas" pitchFamily="49" charset="0"/>
+                <a:ea typeface="Calibri"/>
+                <a:cs typeface="Consolas" pitchFamily="49" charset="0"/>
+              </a:rPr>
+              <a:t> </a:t>
+            </a:r>
+            <a:r>
+              <a:rPr lang="ru-RU" dirty="0" smtClean="0">
+                <a:solidFill>
+                  <a:srgbClr val="FF0000"/>
+                </a:solidFill>
+                <a:effectLst>
+                  <a:glow rad="228600">
+                    <a:schemeClr val="bg1">
+                      <a:alpha val="40000"/>
+                    </a:schemeClr>
+                  </a:glow>
+                </a:effectLst>
+                <a:highlight>
+                  <a:srgbClr val="FFFFFF"/>
+                </a:highlight>
+                <a:latin typeface="Consolas" pitchFamily="49" charset="0"/>
+                <a:ea typeface="Calibri"/>
+                <a:cs typeface="Consolas" pitchFamily="49" charset="0"/>
+              </a:rPr>
+              <a:t>Node2</a:t>
+            </a:r>
+            <a:r>
+              <a:rPr lang="ru-RU" dirty="0" smtClean="0">
+                <a:solidFill>
+                  <a:srgbClr val="0000FF"/>
+                </a:solidFill>
+                <a:effectLst>
+                  <a:glow rad="228600">
+                    <a:schemeClr val="bg1">
+                      <a:alpha val="40000"/>
+                    </a:schemeClr>
+                  </a:glow>
+                </a:effectLst>
+                <a:highlight>
+                  <a:srgbClr val="FFFFFF"/>
+                </a:highlight>
+                <a:latin typeface="Consolas" pitchFamily="49" charset="0"/>
+                <a:ea typeface="Calibri"/>
+                <a:cs typeface="Consolas" pitchFamily="49" charset="0"/>
+              </a:rPr>
+              <a:t>=</a:t>
+            </a:r>
+            <a:r>
+              <a:rPr lang="ru-RU" dirty="0" smtClean="0">
+                <a:solidFill>
+                  <a:srgbClr val="000000"/>
+                </a:solidFill>
+                <a:effectLst>
+                  <a:glow rad="228600">
+                    <a:schemeClr val="bg1">
+                      <a:alpha val="40000"/>
+                    </a:schemeClr>
+                  </a:glow>
+                </a:effectLst>
+                <a:highlight>
+                  <a:srgbClr val="FFFFFF"/>
+                </a:highlight>
+                <a:latin typeface="Consolas" pitchFamily="49" charset="0"/>
+                <a:ea typeface="Calibri"/>
+                <a:cs typeface="Consolas" pitchFamily="49" charset="0"/>
+              </a:rPr>
+              <a:t>"</a:t>
+            </a:r>
+            <a:r>
+              <a:rPr lang="ru-RU" dirty="0" smtClean="0">
+                <a:solidFill>
+                  <a:srgbClr val="0000FF"/>
+                </a:solidFill>
+                <a:effectLst>
+                  <a:glow rad="228600">
+                    <a:schemeClr val="bg1">
+                      <a:alpha val="40000"/>
+                    </a:schemeClr>
+                  </a:glow>
+                </a:effectLst>
+                <a:highlight>
+                  <a:srgbClr val="FFFFFF"/>
+                </a:highlight>
+                <a:latin typeface="Consolas" pitchFamily="49" charset="0"/>
+                <a:ea typeface="Calibri"/>
+                <a:cs typeface="Consolas" pitchFamily="49" charset="0"/>
+              </a:rPr>
+              <a:t>5</a:t>
+            </a:r>
+            <a:r>
+              <a:rPr lang="ru-RU" dirty="0" smtClean="0">
+                <a:solidFill>
+                  <a:srgbClr val="000000"/>
+                </a:solidFill>
+                <a:effectLst>
+                  <a:glow rad="228600">
+                    <a:schemeClr val="bg1">
+                      <a:alpha val="40000"/>
+                    </a:schemeClr>
+                  </a:glow>
+                </a:effectLst>
+                <a:highlight>
+                  <a:srgbClr val="FFFFFF"/>
+                </a:highlight>
+                <a:latin typeface="Consolas" pitchFamily="49" charset="0"/>
+                <a:ea typeface="Calibri"/>
+                <a:cs typeface="Consolas" pitchFamily="49" charset="0"/>
+              </a:rPr>
+              <a:t>"</a:t>
+            </a:r>
+            <a:r>
+              <a:rPr lang="ru-RU" dirty="0" smtClean="0">
+                <a:solidFill>
+                  <a:srgbClr val="0000FF"/>
+                </a:solidFill>
+                <a:effectLst>
+                  <a:glow rad="228600">
+                    <a:schemeClr val="bg1">
+                      <a:alpha val="40000"/>
+                    </a:schemeClr>
+                  </a:glow>
+                </a:effectLst>
+                <a:highlight>
+                  <a:srgbClr val="FFFFFF"/>
+                </a:highlight>
+                <a:latin typeface="Consolas" pitchFamily="49" charset="0"/>
+                <a:ea typeface="Calibri"/>
+                <a:cs typeface="Consolas" pitchFamily="49" charset="0"/>
+              </a:rPr>
+              <a:t> </a:t>
+            </a:r>
+            <a:r>
+              <a:rPr lang="ru-RU" dirty="0" err="1" smtClean="0">
+                <a:solidFill>
+                  <a:srgbClr val="FF0000"/>
+                </a:solidFill>
+                <a:effectLst>
+                  <a:glow rad="228600">
+                    <a:schemeClr val="bg1">
+                      <a:alpha val="40000"/>
+                    </a:schemeClr>
+                  </a:glow>
+                </a:effectLst>
+                <a:highlight>
+                  <a:srgbClr val="FFFFFF"/>
+                </a:highlight>
+                <a:latin typeface="Consolas" pitchFamily="49" charset="0"/>
+                <a:ea typeface="Calibri"/>
+                <a:cs typeface="Consolas" pitchFamily="49" charset="0"/>
+              </a:rPr>
+              <a:t>id</a:t>
+            </a:r>
+            <a:r>
+              <a:rPr lang="ru-RU" dirty="0" smtClean="0">
+                <a:solidFill>
+                  <a:srgbClr val="0000FF"/>
+                </a:solidFill>
+                <a:effectLst>
+                  <a:glow rad="228600">
+                    <a:schemeClr val="bg1">
+                      <a:alpha val="40000"/>
+                    </a:schemeClr>
+                  </a:glow>
+                </a:effectLst>
+                <a:highlight>
+                  <a:srgbClr val="FFFFFF"/>
+                </a:highlight>
+                <a:latin typeface="Consolas" pitchFamily="49" charset="0"/>
+                <a:ea typeface="Calibri"/>
+                <a:cs typeface="Consolas" pitchFamily="49" charset="0"/>
+              </a:rPr>
+              <a:t>=</a:t>
+            </a:r>
+            <a:r>
+              <a:rPr lang="ru-RU" dirty="0" smtClean="0">
+                <a:solidFill>
+                  <a:srgbClr val="000000"/>
+                </a:solidFill>
+                <a:effectLst>
+                  <a:glow rad="228600">
+                    <a:schemeClr val="bg1">
+                      <a:alpha val="40000"/>
+                    </a:schemeClr>
+                  </a:glow>
+                </a:effectLst>
+                <a:highlight>
+                  <a:srgbClr val="FFFFFF"/>
+                </a:highlight>
+                <a:latin typeface="Consolas" pitchFamily="49" charset="0"/>
+                <a:ea typeface="Calibri"/>
+                <a:cs typeface="Consolas" pitchFamily="49" charset="0"/>
+              </a:rPr>
+              <a:t>"</a:t>
+            </a:r>
+            <a:r>
+              <a:rPr lang="ru-RU" dirty="0" smtClean="0">
+                <a:solidFill>
+                  <a:srgbClr val="0000FF"/>
+                </a:solidFill>
+                <a:effectLst>
+                  <a:glow rad="228600">
+                    <a:schemeClr val="bg1">
+                      <a:alpha val="40000"/>
+                    </a:schemeClr>
+                  </a:glow>
+                </a:effectLst>
+                <a:highlight>
+                  <a:srgbClr val="FFFFFF"/>
+                </a:highlight>
+                <a:latin typeface="Consolas" pitchFamily="49" charset="0"/>
+                <a:ea typeface="Calibri"/>
+                <a:cs typeface="Consolas" pitchFamily="49" charset="0"/>
+              </a:rPr>
+              <a:t>20</a:t>
+            </a:r>
+            <a:r>
+              <a:rPr lang="ru-RU" dirty="0" smtClean="0">
+                <a:solidFill>
+                  <a:srgbClr val="000000"/>
+                </a:solidFill>
+                <a:effectLst>
+                  <a:glow rad="228600">
+                    <a:schemeClr val="bg1">
+                      <a:alpha val="40000"/>
+                    </a:schemeClr>
+                  </a:glow>
+                </a:effectLst>
+                <a:highlight>
+                  <a:srgbClr val="FFFFFF"/>
+                </a:highlight>
+                <a:latin typeface="Consolas" pitchFamily="49" charset="0"/>
+                <a:ea typeface="Calibri"/>
+                <a:cs typeface="Consolas" pitchFamily="49" charset="0"/>
+              </a:rPr>
+              <a:t>"</a:t>
+            </a:r>
+            <a:r>
+              <a:rPr lang="ru-RU" dirty="0" smtClean="0">
+                <a:solidFill>
+                  <a:srgbClr val="0000FF"/>
+                </a:solidFill>
+                <a:effectLst>
+                  <a:glow rad="228600">
+                    <a:schemeClr val="bg1">
+                      <a:alpha val="40000"/>
+                    </a:schemeClr>
+                  </a:glow>
+                </a:effectLst>
+                <a:highlight>
+                  <a:srgbClr val="FFFFFF"/>
+                </a:highlight>
+                <a:latin typeface="Consolas" pitchFamily="49" charset="0"/>
+                <a:ea typeface="Calibri"/>
+                <a:cs typeface="Consolas" pitchFamily="49" charset="0"/>
+              </a:rPr>
+              <a:t> /&gt;</a:t>
+            </a:r>
+            <a:endParaRPr lang="ru-RU" dirty="0" smtClean="0">
+              <a:effectLst>
+                <a:glow rad="228600">
+                  <a:schemeClr val="bg1">
+                    <a:alpha val="40000"/>
+                  </a:schemeClr>
+                </a:glow>
+              </a:effectLst>
+              <a:latin typeface="Consolas" pitchFamily="49" charset="0"/>
+              <a:ea typeface="Calibri"/>
+              <a:cs typeface="Consolas" pitchFamily="49" charset="0"/>
+            </a:endParaRPr>
+          </a:p>
+          <a:p>
+            <a:pPr>
+              <a:lnSpc>
+                <a:spcPct val="115000"/>
+              </a:lnSpc>
+              <a:spcAft>
+                <a:spcPts val="1000"/>
+              </a:spcAft>
+            </a:pPr>
+            <a:r>
+              <a:rPr lang="ru-RU" dirty="0" smtClean="0">
+                <a:solidFill>
+                  <a:srgbClr val="0000FF"/>
+                </a:solidFill>
+                <a:effectLst>
+                  <a:glow rad="228600">
+                    <a:schemeClr val="bg1">
+                      <a:alpha val="40000"/>
+                    </a:schemeClr>
+                  </a:glow>
+                </a:effectLst>
+                <a:highlight>
+                  <a:srgbClr val="FFFFFF"/>
+                </a:highlight>
+                <a:latin typeface="Consolas" pitchFamily="49" charset="0"/>
+                <a:ea typeface="Calibri"/>
+                <a:cs typeface="Consolas" pitchFamily="49" charset="0"/>
+              </a:rPr>
+              <a:t>&lt;/</a:t>
+            </a:r>
+            <a:r>
+              <a:rPr lang="ru-RU" dirty="0" err="1">
+                <a:solidFill>
+                  <a:srgbClr val="A31515"/>
+                </a:solidFill>
+                <a:effectLst>
+                  <a:glow rad="228600">
+                    <a:schemeClr val="bg1">
+                      <a:alpha val="40000"/>
+                    </a:schemeClr>
+                  </a:glow>
+                </a:effectLst>
+                <a:highlight>
+                  <a:srgbClr val="FFFFFF"/>
+                </a:highlight>
+                <a:latin typeface="Consolas" pitchFamily="49" charset="0"/>
+                <a:ea typeface="Calibri"/>
+                <a:cs typeface="Consolas" pitchFamily="49" charset="0"/>
+              </a:rPr>
+              <a:t>content</a:t>
+            </a:r>
+            <a:r>
+              <a:rPr lang="ru-RU" dirty="0">
+                <a:solidFill>
+                  <a:srgbClr val="0000FF"/>
+                </a:solidFill>
+                <a:effectLst>
+                  <a:glow rad="228600">
+                    <a:schemeClr val="bg1">
+                      <a:alpha val="40000"/>
+                    </a:schemeClr>
+                  </a:glow>
+                </a:effectLst>
+                <a:highlight>
+                  <a:srgbClr val="FFFFFF"/>
+                </a:highlight>
+                <a:latin typeface="Consolas" pitchFamily="49" charset="0"/>
+                <a:ea typeface="Calibri"/>
+                <a:cs typeface="Consolas" pitchFamily="49" charset="0"/>
+              </a:rPr>
+              <a:t>&gt;</a:t>
+            </a:r>
+            <a:endParaRPr lang="ru-RU" dirty="0">
+              <a:effectLst>
+                <a:glow rad="228600">
+                  <a:schemeClr val="bg1">
+                    <a:alpha val="40000"/>
+                  </a:schemeClr>
+                </a:glow>
+              </a:effectLst>
+              <a:latin typeface="Consolas" pitchFamily="49" charset="0"/>
+              <a:ea typeface="Calibri"/>
+              <a:cs typeface="Consolas" pitchFamily="49" charset="0"/>
+            </a:endParaRPr>
+          </a:p>
+        </p:txBody>
+      </p:sp>
+      <p:pic>
+        <p:nvPicPr>
+          <p:cNvPr id="5131" name="Picture 11"/>
+          <p:cNvPicPr>
+            <a:picLocks noChangeAspect="1" noChangeArrowheads="1"/>
+          </p:cNvPicPr>
+          <p:nvPr/>
+        </p:nvPicPr>
+        <p:blipFill>
+          <a:blip r:embed="rId4">
+            <a:extLst>
+              <a:ext uri="{28A0092B-C50C-407E-A947-70E740481C1C}">
+                <a14:useLocalDpi xmlns:a14="http://schemas.microsoft.com/office/drawing/2010/main" val="0"/>
+              </a:ext>
+            </a:extLst>
+          </a:blip>
+          <a:srcRect/>
+          <a:stretch>
+            <a:fillRect/>
+          </a:stretch>
+        </p:blipFill>
+        <p:spPr bwMode="auto">
+          <a:xfrm>
+            <a:off x="231874" y="3381375"/>
+            <a:ext cx="228600" cy="228600"/>
+          </a:xfrm>
+          <a:prstGeom prst="rect">
+            <a:avLst/>
+          </a:prstGeom>
+          <a:noFill/>
+          <a:ln>
+            <a:noFill/>
+          </a:ln>
+          <a:effectLst/>
+          <a:extLst>
+            <a:ext uri="{909E8E84-426E-40DD-AFC4-6F175D3DCCD1}">
+              <a14:hiddenFill xmlns:a14="http://schemas.microsoft.com/office/drawing/2010/main">
+                <a:solidFill>
+                  <a:schemeClr val="accent1"/>
+                </a:solidFill>
+              </a14:hiddenFill>
+            </a:ext>
+            <a:ext uri="{91240B29-F687-4F45-9708-019B960494DF}">
+              <a14:hiddenLine xmlns:a14="http://schemas.microsoft.com/office/drawing/2010/main" w="9525">
+                <a:solidFill>
+                  <a:schemeClr val="tx1"/>
+                </a:solidFill>
+                <a:miter lim="800000"/>
+                <a:headEnd/>
+                <a:tailEnd/>
+              </a14:hiddenLine>
+            </a:ext>
+            <a:ext uri="{AF507438-7753-43E0-B8FC-AC1667EBCBE1}">
+              <a14:hiddenEffects xmlns:a14="http://schemas.microsoft.com/office/drawing/2010/main">
+                <a:effectLst>
+                  <a:outerShdw dist="35921" dir="2700000" algn="ctr" rotWithShape="0">
+                    <a:schemeClr val="bg2"/>
+                  </a:outerShdw>
+                </a:effectLst>
+              </a14:hiddenEffects>
+            </a:ext>
+          </a:extLst>
+        </p:spPr>
+      </p:pic>
+      <p:pic>
+        <p:nvPicPr>
+          <p:cNvPr id="5132" name="Picture 12"/>
+          <p:cNvPicPr>
+            <a:picLocks noChangeAspect="1" noChangeArrowheads="1"/>
+          </p:cNvPicPr>
+          <p:nvPr/>
+        </p:nvPicPr>
+        <p:blipFill>
+          <a:blip r:embed="rId4">
+            <a:extLst>
+              <a:ext uri="{28A0092B-C50C-407E-A947-70E740481C1C}">
+                <a14:useLocalDpi xmlns:a14="http://schemas.microsoft.com/office/drawing/2010/main" val="0"/>
+              </a:ext>
+            </a:extLst>
+          </a:blip>
+          <a:srcRect/>
+          <a:stretch>
+            <a:fillRect/>
+          </a:stretch>
+        </p:blipFill>
+        <p:spPr bwMode="auto">
+          <a:xfrm>
+            <a:off x="231874" y="3686175"/>
+            <a:ext cx="228600" cy="228600"/>
+          </a:xfrm>
+          <a:prstGeom prst="rect">
+            <a:avLst/>
+          </a:prstGeom>
+          <a:noFill/>
+          <a:ln>
+            <a:noFill/>
+          </a:ln>
+          <a:effectLst/>
+          <a:extLst>
+            <a:ext uri="{909E8E84-426E-40DD-AFC4-6F175D3DCCD1}">
+              <a14:hiddenFill xmlns:a14="http://schemas.microsoft.com/office/drawing/2010/main">
+                <a:solidFill>
+                  <a:schemeClr val="accent1"/>
+                </a:solidFill>
+              </a14:hiddenFill>
+            </a:ext>
+            <a:ext uri="{91240B29-F687-4F45-9708-019B960494DF}">
+              <a14:hiddenLine xmlns:a14="http://schemas.microsoft.com/office/drawing/2010/main" w="9525">
+                <a:solidFill>
+                  <a:schemeClr val="tx1"/>
+                </a:solidFill>
+                <a:miter lim="800000"/>
+                <a:headEnd/>
+                <a:tailEnd/>
+              </a14:hiddenLine>
+            </a:ext>
+            <a:ext uri="{AF507438-7753-43E0-B8FC-AC1667EBCBE1}">
+              <a14:hiddenEffects xmlns:a14="http://schemas.microsoft.com/office/drawing/2010/main">
+                <a:effectLst>
+                  <a:outerShdw dist="35921" dir="2700000" algn="ctr" rotWithShape="0">
+                    <a:schemeClr val="bg2"/>
+                  </a:outerShdw>
+                </a:effectLst>
+              </a14:hiddenEffects>
+            </a:ext>
+          </a:extLst>
+        </p:spPr>
+      </p:pic>
+      <p:pic>
+        <p:nvPicPr>
+          <p:cNvPr id="5133" name="Picture 13"/>
+          <p:cNvPicPr>
+            <a:picLocks noChangeAspect="1" noChangeArrowheads="1"/>
+          </p:cNvPicPr>
+          <p:nvPr/>
+        </p:nvPicPr>
+        <p:blipFill>
+          <a:blip r:embed="rId5">
+            <a:extLst>
+              <a:ext uri="{28A0092B-C50C-407E-A947-70E740481C1C}">
+                <a14:useLocalDpi xmlns:a14="http://schemas.microsoft.com/office/drawing/2010/main" val="0"/>
+              </a:ext>
+            </a:extLst>
+          </a:blip>
+          <a:srcRect/>
+          <a:stretch>
+            <a:fillRect/>
+          </a:stretch>
+        </p:blipFill>
+        <p:spPr bwMode="auto">
+          <a:xfrm>
+            <a:off x="231874" y="4005064"/>
+            <a:ext cx="228600" cy="228600"/>
+          </a:xfrm>
+          <a:prstGeom prst="rect">
+            <a:avLst/>
+          </a:prstGeom>
+          <a:noFill/>
+          <a:ln>
+            <a:noFill/>
+          </a:ln>
+          <a:effectLst/>
+          <a:extLst>
+            <a:ext uri="{909E8E84-426E-40DD-AFC4-6F175D3DCCD1}">
+              <a14:hiddenFill xmlns:a14="http://schemas.microsoft.com/office/drawing/2010/main">
+                <a:solidFill>
+                  <a:schemeClr val="accent1"/>
+                </a:solidFill>
+              </a14:hiddenFill>
+            </a:ext>
+            <a:ext uri="{91240B29-F687-4F45-9708-019B960494DF}">
+              <a14:hiddenLine xmlns:a14="http://schemas.microsoft.com/office/drawing/2010/main" w="9525">
+                <a:solidFill>
+                  <a:schemeClr val="tx1"/>
+                </a:solidFill>
+                <a:miter lim="800000"/>
+                <a:headEnd/>
+                <a:tailEnd/>
+              </a14:hiddenLine>
+            </a:ext>
+            <a:ext uri="{AF507438-7753-43E0-B8FC-AC1667EBCBE1}">
+              <a14:hiddenEffects xmlns:a14="http://schemas.microsoft.com/office/drawing/2010/main">
+                <a:effectLst>
+                  <a:outerShdw dist="35921" dir="2700000" algn="ctr" rotWithShape="0">
+                    <a:schemeClr val="bg2"/>
+                  </a:outerShdw>
+                </a:effectLst>
+              </a14:hiddenEffects>
+            </a:ext>
+          </a:extLst>
+        </p:spPr>
+      </p:pic>
+      <p:sp>
+        <p:nvSpPr>
+          <p:cNvPr id="16" name="Прямоугольник 15"/>
+          <p:cNvSpPr/>
+          <p:nvPr/>
+        </p:nvSpPr>
+        <p:spPr>
+          <a:xfrm>
+            <a:off x="179512" y="2636911"/>
+            <a:ext cx="315788" cy="2003625"/>
+          </a:xfrm>
+          <a:prstGeom prst="rect">
+            <a:avLst/>
+          </a:prstGeom>
+          <a:solidFill>
+            <a:schemeClr val="accent1">
+              <a:alpha val="25000"/>
+            </a:schemeClr>
+          </a:solidFill>
+        </p:spPr>
+        <p:style>
+          <a:lnRef idx="2">
+            <a:schemeClr val="accent1">
+              <a:shade val="50000"/>
+            </a:schemeClr>
+          </a:lnRef>
+          <a:fillRef idx="1">
+            <a:schemeClr val="accent1"/>
+          </a:fillRef>
+          <a:effectRef idx="0">
+            <a:schemeClr val="accent1"/>
+          </a:effectRef>
+          <a:fontRef idx="minor">
+            <a:schemeClr val="lt1"/>
+          </a:fontRef>
+        </p:style>
+        <p:txBody>
+          <a:bodyPr rtlCol="0" anchor="ctr"/>
+          <a:lstStyle/>
+          <a:p>
+            <a:pPr algn="ctr"/>
+            <a:endParaRPr lang="ru-RU"/>
+          </a:p>
+        </p:txBody>
+      </p:sp>
+    </p:spTree>
+    <p:extLst>
+      <p:ext uri="{BB962C8B-B14F-4D97-AF65-F5344CB8AC3E}">
+        <p14:creationId xmlns:p14="http://schemas.microsoft.com/office/powerpoint/2010/main" val="1320271269"/>
+      </p:ext>
+    </p:extLst>
+  </p:cSld>
+  <p:clrMapOvr>
+    <a:masterClrMapping/>
+  </p:clrMapOvr>
+  <p:timing>
+    <p:tnLst>
+      <p:par>
+        <p:cTn id="1" dur="indefinite" restart="never" nodeType="tmRoot"/>
+      </p:par>
+    </p:tnLst>
+  </p:timing>
+</p:sld>
+</file>
+
+<file path=ppt/slides/slide7.xml><?xml version="1.0" encoding="utf-8"?>
+<p:sld xmlns:a="http://schemas.openxmlformats.org/drawingml/2006/main" xmlns:r="http://schemas.openxmlformats.org/officeDocument/2006/relationships" xmlns:p="http://schemas.openxmlformats.org/presentationml/2006/main">
+  <p:cSld>
+    <p:spTree>
+      <p:nvGrpSpPr>
+        <p:cNvPr id="1" name=""/>
+        <p:cNvGrpSpPr/>
+        <p:nvPr/>
+      </p:nvGrpSpPr>
+      <p:grpSpPr>
+        <a:xfrm>
+          <a:off x="0" y="0"/>
+          <a:ext cx="0" cy="0"/>
+          <a:chOff x="0" y="0"/>
+          <a:chExt cx="0" cy="0"/>
+        </a:xfrm>
+      </p:grpSpPr>
+      <p:sp>
+        <p:nvSpPr>
+          <p:cNvPr id="2" name="Заголовок 1"/>
+          <p:cNvSpPr>
+            <a:spLocks noGrp="1"/>
+          </p:cNvSpPr>
+          <p:nvPr>
+            <p:ph type="title"/>
+          </p:nvPr>
+        </p:nvSpPr>
+        <p:spPr>
+          <a:xfrm>
+            <a:off x="0" y="274638"/>
+            <a:ext cx="9144000" cy="1143000"/>
+          </a:xfrm>
+        </p:spPr>
+        <p:txBody>
+          <a:bodyPr>
+            <a:normAutofit/>
+          </a:bodyPr>
+          <a:lstStyle/>
+          <a:p>
+            <a:r>
+              <a:rPr lang="en-US" dirty="0" smtClean="0"/>
+              <a:t>Windows Presentation Foundation</a:t>
+            </a:r>
+            <a:endParaRPr lang="ru-RU" dirty="0"/>
+          </a:p>
+        </p:txBody>
+      </p:sp>
+      <p:sp>
+        <p:nvSpPr>
+          <p:cNvPr id="3" name="Объект 2"/>
+          <p:cNvSpPr>
+            <a:spLocks noGrp="1"/>
+          </p:cNvSpPr>
+          <p:nvPr>
+            <p:ph idx="1"/>
+          </p:nvPr>
+        </p:nvSpPr>
+        <p:spPr/>
+        <p:txBody>
+          <a:bodyPr/>
+          <a:lstStyle/>
+          <a:p>
+            <a:r>
+              <a:rPr lang="en-US" dirty="0" smtClean="0"/>
+              <a:t>Hardware acceleration</a:t>
+            </a:r>
+          </a:p>
+          <a:p>
+            <a:r>
+              <a:rPr lang="en-US" dirty="0" smtClean="0"/>
+              <a:t>Resolution independent</a:t>
+            </a:r>
+          </a:p>
+          <a:p>
+            <a:r>
+              <a:rPr lang="en-US" dirty="0" smtClean="0"/>
+              <a:t>Styling</a:t>
+            </a:r>
+          </a:p>
+        </p:txBody>
+      </p:sp>
+      <p:pic>
+        <p:nvPicPr>
+          <p:cNvPr id="7171" name="Picture 3"/>
+          <p:cNvPicPr>
+            <a:picLocks noChangeAspect="1" noChangeArrowheads="1"/>
+          </p:cNvPicPr>
+          <p:nvPr/>
+        </p:nvPicPr>
+        <p:blipFill>
+          <a:blip r:embed="rId2">
+            <a:extLst>
+              <a:ext uri="{28A0092B-C50C-407E-A947-70E740481C1C}">
+                <a14:useLocalDpi xmlns:a14="http://schemas.microsoft.com/office/drawing/2010/main" val="0"/>
+              </a:ext>
+            </a:extLst>
+          </a:blip>
+          <a:srcRect/>
+          <a:stretch>
+            <a:fillRect/>
+          </a:stretch>
+        </p:blipFill>
+        <p:spPr bwMode="auto">
+          <a:xfrm>
+            <a:off x="8653463" y="7143"/>
+            <a:ext cx="457200" cy="457200"/>
+          </a:xfrm>
+          <a:prstGeom prst="rect">
+            <a:avLst/>
+          </a:prstGeom>
+          <a:noFill/>
+          <a:ln>
+            <a:noFill/>
+          </a:ln>
+          <a:effectLst/>
+          <a:extLst>
+            <a:ext uri="{909E8E84-426E-40DD-AFC4-6F175D3DCCD1}">
+              <a14:hiddenFill xmlns:a14="http://schemas.microsoft.com/office/drawing/2010/main">
+                <a:solidFill>
+                  <a:schemeClr val="accent1"/>
+                </a:solidFill>
+              </a14:hiddenFill>
+            </a:ext>
+            <a:ext uri="{91240B29-F687-4F45-9708-019B960494DF}">
+              <a14:hiddenLine xmlns:a14="http://schemas.microsoft.com/office/drawing/2010/main" w="9525">
+                <a:solidFill>
+                  <a:schemeClr val="tx1"/>
+                </a:solidFill>
+                <a:miter lim="800000"/>
+                <a:headEnd/>
+                <a:tailEnd/>
+              </a14:hiddenLine>
+            </a:ext>
+            <a:ext uri="{AF507438-7753-43E0-B8FC-AC1667EBCBE1}">
+              <a14:hiddenEffects xmlns:a14="http://schemas.microsoft.com/office/drawing/2010/main">
+                <a:effectLst>
+                  <a:outerShdw dist="35921" dir="2700000" algn="ctr" rotWithShape="0">
+                    <a:schemeClr val="bg2"/>
+                  </a:outerShdw>
+                </a:effectLst>
+              </a14:hiddenEffects>
+            </a:ext>
+          </a:extLst>
+        </p:spPr>
+      </p:pic>
+      <p:sp>
+        <p:nvSpPr>
+          <p:cNvPr id="5" name="Прямоугольник 4"/>
+          <p:cNvSpPr/>
+          <p:nvPr/>
+        </p:nvSpPr>
+        <p:spPr>
+          <a:xfrm>
+            <a:off x="2286000" y="-3957637"/>
+            <a:ext cx="4572000" cy="3662541"/>
+          </a:xfrm>
+          <a:prstGeom prst="rect">
+            <a:avLst/>
+          </a:prstGeom>
+        </p:spPr>
+        <p:txBody>
+          <a:bodyPr>
+            <a:spAutoFit/>
+          </a:bodyPr>
+          <a:lstStyle/>
+          <a:p>
+            <a:r>
+              <a:rPr lang="en-GB" sz="800" dirty="0">
+                <a:solidFill>
+                  <a:srgbClr val="0000FF"/>
+                </a:solidFill>
+                <a:highlight>
+                  <a:srgbClr val="FFFFFF"/>
+                </a:highlight>
+                <a:latin typeface="Consolas"/>
+              </a:rPr>
+              <a:t>&lt;</a:t>
+            </a:r>
+            <a:r>
+              <a:rPr lang="en-GB" sz="800" dirty="0">
+                <a:solidFill>
+                  <a:srgbClr val="A31515"/>
+                </a:solidFill>
+                <a:highlight>
+                  <a:srgbClr val="FFFFFF"/>
+                </a:highlight>
+                <a:latin typeface="Consolas"/>
+              </a:rPr>
+              <a:t>Window</a:t>
+            </a:r>
+            <a:r>
+              <a:rPr lang="en-GB" sz="800" dirty="0">
+                <a:solidFill>
+                  <a:srgbClr val="FF0000"/>
+                </a:solidFill>
+                <a:highlight>
+                  <a:srgbClr val="FFFFFF"/>
+                </a:highlight>
+                <a:latin typeface="Consolas"/>
+              </a:rPr>
+              <a:t> x</a:t>
+            </a:r>
+            <a:r>
+              <a:rPr lang="en-GB" sz="800" dirty="0">
+                <a:solidFill>
+                  <a:srgbClr val="0000FF"/>
+                </a:solidFill>
+                <a:highlight>
+                  <a:srgbClr val="FFFFFF"/>
+                </a:highlight>
+                <a:latin typeface="Consolas"/>
+              </a:rPr>
+              <a:t>:</a:t>
+            </a:r>
+            <a:r>
+              <a:rPr lang="en-GB" sz="800" dirty="0">
+                <a:solidFill>
+                  <a:srgbClr val="FF0000"/>
+                </a:solidFill>
+                <a:highlight>
+                  <a:srgbClr val="FFFFFF"/>
+                </a:highlight>
+                <a:latin typeface="Consolas"/>
+              </a:rPr>
+              <a:t>Class</a:t>
+            </a:r>
+            <a:r>
+              <a:rPr lang="en-GB" sz="800" dirty="0">
+                <a:solidFill>
+                  <a:srgbClr val="0000FF"/>
+                </a:solidFill>
+                <a:highlight>
+                  <a:srgbClr val="FFFFFF"/>
+                </a:highlight>
+                <a:latin typeface="Consolas"/>
+              </a:rPr>
+              <a:t>="Coursework_2.MainWindow"</a:t>
+            </a:r>
+            <a:endParaRPr lang="en-GB" sz="800" dirty="0">
+              <a:solidFill>
+                <a:srgbClr val="000000"/>
+              </a:solidFill>
+              <a:highlight>
+                <a:srgbClr val="FFFFFF"/>
+              </a:highlight>
+              <a:latin typeface="Consolas"/>
+            </a:endParaRPr>
+          </a:p>
+          <a:p>
+            <a:r>
+              <a:rPr lang="en-GB" sz="800" dirty="0" err="1">
+                <a:solidFill>
+                  <a:srgbClr val="FF0000"/>
+                </a:solidFill>
+                <a:highlight>
+                  <a:srgbClr val="FFFFFF"/>
+                </a:highlight>
+                <a:latin typeface="Consolas"/>
+              </a:rPr>
+              <a:t>xmlns</a:t>
+            </a:r>
+            <a:r>
+              <a:rPr lang="en-GB" sz="800" dirty="0">
+                <a:solidFill>
+                  <a:srgbClr val="0000FF"/>
+                </a:solidFill>
+                <a:highlight>
+                  <a:srgbClr val="FFFFFF"/>
+                </a:highlight>
+                <a:latin typeface="Consolas"/>
+              </a:rPr>
+              <a:t>="http://schemas.microsoft.com/</a:t>
+            </a:r>
+            <a:r>
+              <a:rPr lang="en-GB" sz="800" dirty="0" err="1">
+                <a:solidFill>
+                  <a:srgbClr val="0000FF"/>
+                </a:solidFill>
+                <a:highlight>
+                  <a:srgbClr val="FFFFFF"/>
+                </a:highlight>
+                <a:latin typeface="Consolas"/>
+              </a:rPr>
+              <a:t>winfx</a:t>
+            </a:r>
+            <a:r>
+              <a:rPr lang="en-GB" sz="800" dirty="0">
+                <a:solidFill>
+                  <a:srgbClr val="0000FF"/>
+                </a:solidFill>
+                <a:highlight>
+                  <a:srgbClr val="FFFFFF"/>
+                </a:highlight>
+                <a:latin typeface="Consolas"/>
+              </a:rPr>
+              <a:t>/2006/</a:t>
+            </a:r>
+            <a:r>
+              <a:rPr lang="en-GB" sz="800" dirty="0" err="1">
+                <a:solidFill>
+                  <a:srgbClr val="0000FF"/>
+                </a:solidFill>
+                <a:highlight>
+                  <a:srgbClr val="FFFFFF"/>
+                </a:highlight>
+                <a:latin typeface="Consolas"/>
+              </a:rPr>
+              <a:t>xaml</a:t>
+            </a:r>
+            <a:r>
+              <a:rPr lang="en-GB" sz="800" dirty="0">
+                <a:solidFill>
+                  <a:srgbClr val="0000FF"/>
+                </a:solidFill>
+                <a:highlight>
+                  <a:srgbClr val="FFFFFF"/>
+                </a:highlight>
+                <a:latin typeface="Consolas"/>
+              </a:rPr>
+              <a:t>/presentation"</a:t>
+            </a:r>
+            <a:endParaRPr lang="en-GB" sz="800" dirty="0">
+              <a:solidFill>
+                <a:srgbClr val="000000"/>
+              </a:solidFill>
+              <a:highlight>
+                <a:srgbClr val="FFFFFF"/>
+              </a:highlight>
+              <a:latin typeface="Consolas"/>
+            </a:endParaRPr>
+          </a:p>
+          <a:p>
+            <a:r>
+              <a:rPr lang="en-GB" sz="800" dirty="0" err="1">
+                <a:solidFill>
+                  <a:srgbClr val="FF0000"/>
+                </a:solidFill>
+                <a:highlight>
+                  <a:srgbClr val="FFFFFF"/>
+                </a:highlight>
+                <a:latin typeface="Consolas"/>
+              </a:rPr>
+              <a:t>xmlns</a:t>
+            </a:r>
+            <a:r>
+              <a:rPr lang="en-GB" sz="800" dirty="0" err="1">
+                <a:solidFill>
+                  <a:srgbClr val="0000FF"/>
+                </a:solidFill>
+                <a:highlight>
+                  <a:srgbClr val="FFFFFF"/>
+                </a:highlight>
+                <a:latin typeface="Consolas"/>
+              </a:rPr>
+              <a:t>:</a:t>
+            </a:r>
+            <a:r>
+              <a:rPr lang="en-GB" sz="800" dirty="0" err="1">
+                <a:solidFill>
+                  <a:srgbClr val="FF0000"/>
+                </a:solidFill>
+                <a:highlight>
+                  <a:srgbClr val="FFFFFF"/>
+                </a:highlight>
+                <a:latin typeface="Consolas"/>
+              </a:rPr>
+              <a:t>x</a:t>
+            </a:r>
+            <a:r>
+              <a:rPr lang="en-GB" sz="800" dirty="0">
+                <a:solidFill>
+                  <a:srgbClr val="0000FF"/>
+                </a:solidFill>
+                <a:highlight>
+                  <a:srgbClr val="FFFFFF"/>
+                </a:highlight>
+                <a:latin typeface="Consolas"/>
+              </a:rPr>
+              <a:t>="http://schemas.microsoft.com/</a:t>
+            </a:r>
+            <a:r>
+              <a:rPr lang="en-GB" sz="800" dirty="0" err="1">
+                <a:solidFill>
+                  <a:srgbClr val="0000FF"/>
+                </a:solidFill>
+                <a:highlight>
+                  <a:srgbClr val="FFFFFF"/>
+                </a:highlight>
+                <a:latin typeface="Consolas"/>
+              </a:rPr>
+              <a:t>winfx</a:t>
+            </a:r>
+            <a:r>
+              <a:rPr lang="en-GB" sz="800" dirty="0">
+                <a:solidFill>
+                  <a:srgbClr val="0000FF"/>
+                </a:solidFill>
+                <a:highlight>
+                  <a:srgbClr val="FFFFFF"/>
+                </a:highlight>
+                <a:latin typeface="Consolas"/>
+              </a:rPr>
+              <a:t>/2006/</a:t>
+            </a:r>
+            <a:r>
+              <a:rPr lang="en-GB" sz="800" dirty="0" err="1">
+                <a:solidFill>
+                  <a:srgbClr val="0000FF"/>
+                </a:solidFill>
+                <a:highlight>
+                  <a:srgbClr val="FFFFFF"/>
+                </a:highlight>
+                <a:latin typeface="Consolas"/>
+              </a:rPr>
+              <a:t>xaml</a:t>
+            </a:r>
+            <a:r>
+              <a:rPr lang="en-GB" sz="800" dirty="0">
+                <a:solidFill>
+                  <a:srgbClr val="0000FF"/>
+                </a:solidFill>
+                <a:highlight>
+                  <a:srgbClr val="FFFFFF"/>
+                </a:highlight>
+                <a:latin typeface="Consolas"/>
+              </a:rPr>
+              <a:t>"</a:t>
+            </a:r>
+            <a:endParaRPr lang="en-GB" sz="800" dirty="0">
+              <a:solidFill>
+                <a:srgbClr val="000000"/>
+              </a:solidFill>
+              <a:highlight>
+                <a:srgbClr val="FFFFFF"/>
+              </a:highlight>
+              <a:latin typeface="Consolas"/>
+            </a:endParaRPr>
+          </a:p>
+          <a:p>
+            <a:r>
+              <a:rPr lang="en-GB" sz="800" dirty="0" err="1">
+                <a:solidFill>
+                  <a:srgbClr val="FF0000"/>
+                </a:solidFill>
+                <a:highlight>
+                  <a:srgbClr val="FFFFFF"/>
+                </a:highlight>
+                <a:latin typeface="Consolas"/>
+              </a:rPr>
+              <a:t>xmlns</a:t>
+            </a:r>
+            <a:r>
+              <a:rPr lang="en-GB" sz="800" dirty="0" err="1">
+                <a:solidFill>
+                  <a:srgbClr val="0000FF"/>
+                </a:solidFill>
+                <a:highlight>
+                  <a:srgbClr val="FFFFFF"/>
+                </a:highlight>
+                <a:latin typeface="Consolas"/>
+              </a:rPr>
+              <a:t>:</a:t>
+            </a:r>
+            <a:r>
+              <a:rPr lang="en-GB" sz="800" dirty="0" err="1">
+                <a:solidFill>
+                  <a:srgbClr val="FF0000"/>
+                </a:solidFill>
+                <a:highlight>
+                  <a:srgbClr val="FFFFFF"/>
+                </a:highlight>
+                <a:latin typeface="Consolas"/>
+              </a:rPr>
+              <a:t>h</a:t>
+            </a:r>
+            <a:r>
+              <a:rPr lang="en-GB" sz="800" dirty="0">
+                <a:solidFill>
+                  <a:srgbClr val="0000FF"/>
+                </a:solidFill>
+                <a:highlight>
+                  <a:srgbClr val="FFFFFF"/>
+                </a:highlight>
+                <a:latin typeface="Consolas"/>
+              </a:rPr>
+              <a:t>="clr-namespace:Coursework_2"</a:t>
+            </a:r>
+            <a:endParaRPr lang="en-GB" sz="800" dirty="0">
+              <a:solidFill>
+                <a:srgbClr val="000000"/>
+              </a:solidFill>
+              <a:highlight>
+                <a:srgbClr val="FFFFFF"/>
+              </a:highlight>
+              <a:latin typeface="Consolas"/>
+            </a:endParaRPr>
+          </a:p>
+          <a:p>
+            <a:r>
+              <a:rPr lang="en-GB" sz="800" dirty="0">
+                <a:solidFill>
+                  <a:srgbClr val="FF0000"/>
+                </a:solidFill>
+                <a:highlight>
+                  <a:srgbClr val="FFFFFF"/>
+                </a:highlight>
+                <a:latin typeface="Consolas"/>
+              </a:rPr>
+              <a:t>Title</a:t>
+            </a:r>
+            <a:r>
+              <a:rPr lang="en-GB" sz="800" dirty="0">
+                <a:solidFill>
+                  <a:srgbClr val="0000FF"/>
+                </a:solidFill>
+                <a:highlight>
+                  <a:srgbClr val="FFFFFF"/>
+                </a:highlight>
+                <a:latin typeface="Consolas"/>
+              </a:rPr>
+              <a:t>="</a:t>
+            </a:r>
+            <a:r>
+              <a:rPr lang="en-GB" sz="800" dirty="0" err="1">
+                <a:solidFill>
+                  <a:srgbClr val="0000FF"/>
+                </a:solidFill>
+                <a:highlight>
+                  <a:srgbClr val="FFFFFF"/>
+                </a:highlight>
+                <a:latin typeface="Consolas"/>
+              </a:rPr>
+              <a:t>MainWindow</a:t>
+            </a:r>
+            <a:r>
+              <a:rPr lang="en-GB" sz="800" dirty="0">
+                <a:solidFill>
+                  <a:srgbClr val="0000FF"/>
+                </a:solidFill>
+                <a:highlight>
+                  <a:srgbClr val="FFFFFF"/>
+                </a:highlight>
+                <a:latin typeface="Consolas"/>
+              </a:rPr>
+              <a:t>"</a:t>
+            </a:r>
+            <a:endParaRPr lang="en-GB" sz="800" dirty="0">
+              <a:solidFill>
+                <a:srgbClr val="000000"/>
+              </a:solidFill>
+              <a:highlight>
+                <a:srgbClr val="FFFFFF"/>
+              </a:highlight>
+              <a:latin typeface="Consolas"/>
+            </a:endParaRPr>
+          </a:p>
+          <a:p>
+            <a:r>
+              <a:rPr lang="en-GB" sz="800" dirty="0">
+                <a:solidFill>
+                  <a:srgbClr val="FF0000"/>
+                </a:solidFill>
+                <a:highlight>
+                  <a:srgbClr val="FFFFFF"/>
+                </a:highlight>
+                <a:latin typeface="Consolas"/>
+              </a:rPr>
+              <a:t>x</a:t>
+            </a:r>
+            <a:r>
+              <a:rPr lang="en-GB" sz="800" dirty="0">
+                <a:solidFill>
+                  <a:srgbClr val="0000FF"/>
+                </a:solidFill>
+                <a:highlight>
+                  <a:srgbClr val="FFFFFF"/>
+                </a:highlight>
+                <a:latin typeface="Consolas"/>
+              </a:rPr>
+              <a:t>:</a:t>
+            </a:r>
+            <a:r>
+              <a:rPr lang="en-GB" sz="800" dirty="0">
+                <a:solidFill>
+                  <a:srgbClr val="FF0000"/>
+                </a:solidFill>
+                <a:highlight>
+                  <a:srgbClr val="FFFFFF"/>
+                </a:highlight>
+                <a:latin typeface="Consolas"/>
+              </a:rPr>
+              <a:t>Name</a:t>
+            </a:r>
+            <a:r>
+              <a:rPr lang="en-GB" sz="800" dirty="0">
+                <a:solidFill>
+                  <a:srgbClr val="0000FF"/>
+                </a:solidFill>
+                <a:highlight>
+                  <a:srgbClr val="FFFFFF"/>
+                </a:highlight>
+                <a:latin typeface="Consolas"/>
+              </a:rPr>
+              <a:t>="CentralProjectMainWindow"</a:t>
+            </a:r>
+            <a:endParaRPr lang="en-GB" sz="800" dirty="0">
+              <a:solidFill>
+                <a:srgbClr val="000000"/>
+              </a:solidFill>
+              <a:highlight>
+                <a:srgbClr val="FFFFFF"/>
+              </a:highlight>
+              <a:latin typeface="Consolas"/>
+            </a:endParaRPr>
+          </a:p>
+          <a:p>
+            <a:r>
+              <a:rPr lang="ru-RU" sz="800" dirty="0">
+                <a:solidFill>
+                  <a:srgbClr val="0000FF"/>
+                </a:solidFill>
+                <a:highlight>
+                  <a:srgbClr val="FFFFFF"/>
+                </a:highlight>
+                <a:latin typeface="Consolas"/>
+              </a:rPr>
+              <a:t>&gt;</a:t>
+            </a:r>
+            <a:endParaRPr lang="ru-RU" sz="800" dirty="0">
+              <a:solidFill>
+                <a:srgbClr val="000000"/>
+              </a:solidFill>
+              <a:highlight>
+                <a:srgbClr val="FFFFFF"/>
+              </a:highlight>
+              <a:latin typeface="Consolas"/>
+            </a:endParaRPr>
+          </a:p>
+          <a:p>
+            <a:r>
+              <a:rPr lang="ru-RU" sz="800" dirty="0">
+                <a:solidFill>
+                  <a:srgbClr val="008000"/>
+                </a:solidFill>
+                <a:highlight>
+                  <a:srgbClr val="FFFFFF"/>
+                </a:highlight>
+                <a:latin typeface="Consolas"/>
+              </a:rPr>
+              <a:t>&lt;!-- ... --&gt;</a:t>
+            </a:r>
+            <a:endParaRPr lang="ru-RU" sz="800" dirty="0">
+              <a:solidFill>
+                <a:srgbClr val="000000"/>
+              </a:solidFill>
+              <a:highlight>
+                <a:srgbClr val="FFFFFF"/>
+              </a:highlight>
+              <a:latin typeface="Consolas"/>
+            </a:endParaRPr>
+          </a:p>
+          <a:p>
+            <a:r>
+              <a:rPr lang="en-GB" sz="800" dirty="0">
+                <a:solidFill>
+                  <a:srgbClr val="0000FF"/>
+                </a:solidFill>
+                <a:highlight>
+                  <a:srgbClr val="FFFFFF"/>
+                </a:highlight>
+                <a:latin typeface="Consolas"/>
+              </a:rPr>
+              <a:t>&lt;</a:t>
+            </a:r>
+            <a:r>
+              <a:rPr lang="en-GB" sz="800" dirty="0" err="1">
+                <a:solidFill>
+                  <a:srgbClr val="A31515"/>
+                </a:solidFill>
+                <a:highlight>
+                  <a:srgbClr val="FFFFFF"/>
+                </a:highlight>
+                <a:latin typeface="Consolas"/>
+              </a:rPr>
+              <a:t>Window.Resources</a:t>
+            </a:r>
+            <a:r>
+              <a:rPr lang="en-GB" sz="800" dirty="0">
+                <a:solidFill>
+                  <a:srgbClr val="0000FF"/>
+                </a:solidFill>
+                <a:highlight>
+                  <a:srgbClr val="FFFFFF"/>
+                </a:highlight>
+                <a:latin typeface="Consolas"/>
+              </a:rPr>
+              <a:t>&gt;</a:t>
+            </a:r>
+            <a:endParaRPr lang="en-GB" sz="800" dirty="0">
+              <a:solidFill>
+                <a:srgbClr val="000000"/>
+              </a:solidFill>
+              <a:highlight>
+                <a:srgbClr val="FFFFFF"/>
+              </a:highlight>
+              <a:latin typeface="Consolas"/>
+            </a:endParaRPr>
+          </a:p>
+          <a:p>
+            <a:r>
+              <a:rPr lang="en-US" sz="800" dirty="0">
+                <a:solidFill>
+                  <a:srgbClr val="0000FF"/>
+                </a:solidFill>
+                <a:highlight>
+                  <a:srgbClr val="FFFFFF"/>
+                </a:highlight>
+                <a:latin typeface="Consolas"/>
+              </a:rPr>
+              <a:t>&lt;</a:t>
+            </a:r>
+            <a:r>
+              <a:rPr lang="en-US" sz="800" dirty="0">
+                <a:solidFill>
+                  <a:srgbClr val="A31515"/>
+                </a:solidFill>
+                <a:highlight>
+                  <a:srgbClr val="FFFFFF"/>
+                </a:highlight>
+                <a:latin typeface="Consolas"/>
+              </a:rPr>
+              <a:t>Style</a:t>
+            </a:r>
+            <a:r>
+              <a:rPr lang="en-US" sz="800" dirty="0">
+                <a:solidFill>
+                  <a:srgbClr val="FF0000"/>
+                </a:solidFill>
+                <a:highlight>
+                  <a:srgbClr val="FFFFFF"/>
+                </a:highlight>
+                <a:latin typeface="Consolas"/>
+              </a:rPr>
+              <a:t> x</a:t>
+            </a:r>
+            <a:r>
+              <a:rPr lang="en-US" sz="800" dirty="0">
+                <a:solidFill>
+                  <a:srgbClr val="0000FF"/>
+                </a:solidFill>
+                <a:highlight>
+                  <a:srgbClr val="FFFFFF"/>
+                </a:highlight>
+                <a:latin typeface="Consolas"/>
+              </a:rPr>
+              <a:t>:</a:t>
+            </a:r>
+            <a:r>
+              <a:rPr lang="en-US" sz="800" dirty="0">
+                <a:solidFill>
+                  <a:srgbClr val="FF0000"/>
+                </a:solidFill>
+                <a:highlight>
+                  <a:srgbClr val="FFFFFF"/>
+                </a:highlight>
+                <a:latin typeface="Consolas"/>
+              </a:rPr>
+              <a:t>Key</a:t>
+            </a:r>
+            <a:r>
+              <a:rPr lang="en-US" sz="800" dirty="0">
+                <a:solidFill>
+                  <a:srgbClr val="0000FF"/>
+                </a:solidFill>
+                <a:highlight>
+                  <a:srgbClr val="FFFFFF"/>
+                </a:highlight>
+                <a:latin typeface="Consolas"/>
+              </a:rPr>
+              <a:t>="NodeBorderStyle"</a:t>
+            </a:r>
+            <a:r>
+              <a:rPr lang="en-US" sz="800" dirty="0">
+                <a:solidFill>
+                  <a:srgbClr val="FF0000"/>
+                </a:solidFill>
+                <a:highlight>
+                  <a:srgbClr val="FFFFFF"/>
+                </a:highlight>
+                <a:latin typeface="Consolas"/>
+              </a:rPr>
+              <a:t> </a:t>
+            </a:r>
+            <a:r>
+              <a:rPr lang="en-US" sz="800" dirty="0" err="1">
+                <a:solidFill>
+                  <a:srgbClr val="FF0000"/>
+                </a:solidFill>
+                <a:highlight>
+                  <a:srgbClr val="FFFFFF"/>
+                </a:highlight>
+                <a:latin typeface="Consolas"/>
+              </a:rPr>
+              <a:t>TargetType</a:t>
+            </a:r>
+            <a:r>
+              <a:rPr lang="en-US" sz="800" dirty="0">
+                <a:solidFill>
+                  <a:srgbClr val="0000FF"/>
+                </a:solidFill>
+                <a:highlight>
+                  <a:srgbClr val="FFFFFF"/>
+                </a:highlight>
+                <a:latin typeface="Consolas"/>
+              </a:rPr>
+              <a:t>="Border"&gt;</a:t>
+            </a:r>
+            <a:endParaRPr lang="en-US" sz="800" dirty="0">
+              <a:solidFill>
+                <a:srgbClr val="000000"/>
+              </a:solidFill>
+              <a:highlight>
+                <a:srgbClr val="FFFFFF"/>
+              </a:highlight>
+              <a:latin typeface="Consolas"/>
+            </a:endParaRPr>
+          </a:p>
+          <a:p>
+            <a:r>
+              <a:rPr lang="en-US" sz="800" dirty="0">
+                <a:solidFill>
+                  <a:srgbClr val="0000FF"/>
+                </a:solidFill>
+                <a:highlight>
+                  <a:srgbClr val="FFFFFF"/>
+                </a:highlight>
+                <a:latin typeface="Consolas"/>
+              </a:rPr>
+              <a:t>&lt;</a:t>
+            </a:r>
+            <a:r>
+              <a:rPr lang="en-US" sz="800" dirty="0">
+                <a:solidFill>
+                  <a:srgbClr val="A31515"/>
+                </a:solidFill>
+                <a:highlight>
+                  <a:srgbClr val="FFFFFF"/>
+                </a:highlight>
+                <a:latin typeface="Consolas"/>
+              </a:rPr>
+              <a:t>Setter</a:t>
+            </a:r>
+            <a:r>
+              <a:rPr lang="en-US" sz="800" dirty="0">
+                <a:solidFill>
+                  <a:srgbClr val="FF0000"/>
+                </a:solidFill>
+                <a:highlight>
+                  <a:srgbClr val="FFFFFF"/>
+                </a:highlight>
+                <a:latin typeface="Consolas"/>
+              </a:rPr>
+              <a:t> Property</a:t>
+            </a:r>
+            <a:r>
+              <a:rPr lang="en-US" sz="800" dirty="0">
+                <a:solidFill>
+                  <a:srgbClr val="0000FF"/>
+                </a:solidFill>
+                <a:highlight>
+                  <a:srgbClr val="FFFFFF"/>
+                </a:highlight>
+                <a:latin typeface="Consolas"/>
+              </a:rPr>
+              <a:t>="</a:t>
+            </a:r>
+            <a:r>
+              <a:rPr lang="en-US" sz="800" dirty="0" err="1">
+                <a:solidFill>
+                  <a:srgbClr val="0000FF"/>
+                </a:solidFill>
+                <a:highlight>
+                  <a:srgbClr val="FFFFFF"/>
+                </a:highlight>
+                <a:latin typeface="Consolas"/>
+              </a:rPr>
+              <a:t>BorderThickness</a:t>
+            </a:r>
+            <a:r>
+              <a:rPr lang="en-US" sz="800" dirty="0">
+                <a:solidFill>
+                  <a:srgbClr val="0000FF"/>
+                </a:solidFill>
+                <a:highlight>
+                  <a:srgbClr val="FFFFFF"/>
+                </a:highlight>
+                <a:latin typeface="Consolas"/>
+              </a:rPr>
+              <a:t>"</a:t>
+            </a:r>
+            <a:r>
+              <a:rPr lang="en-US" sz="800" dirty="0">
+                <a:solidFill>
+                  <a:srgbClr val="FF0000"/>
+                </a:solidFill>
+                <a:highlight>
+                  <a:srgbClr val="FFFFFF"/>
+                </a:highlight>
+                <a:latin typeface="Consolas"/>
+              </a:rPr>
+              <a:t> Value</a:t>
+            </a:r>
+            <a:r>
+              <a:rPr lang="en-US" sz="800" dirty="0">
+                <a:solidFill>
+                  <a:srgbClr val="0000FF"/>
+                </a:solidFill>
+                <a:highlight>
+                  <a:srgbClr val="FFFFFF"/>
+                </a:highlight>
+                <a:latin typeface="Consolas"/>
+              </a:rPr>
+              <a:t>="1.5" /&gt;</a:t>
+            </a:r>
+            <a:endParaRPr lang="en-US" sz="800" dirty="0">
+              <a:solidFill>
+                <a:srgbClr val="000000"/>
+              </a:solidFill>
+              <a:highlight>
+                <a:srgbClr val="FFFFFF"/>
+              </a:highlight>
+              <a:latin typeface="Consolas"/>
+            </a:endParaRPr>
+          </a:p>
+          <a:p>
+            <a:r>
+              <a:rPr lang="en-US" sz="800" dirty="0">
+                <a:solidFill>
+                  <a:srgbClr val="0000FF"/>
+                </a:solidFill>
+                <a:highlight>
+                  <a:srgbClr val="FFFFFF"/>
+                </a:highlight>
+                <a:latin typeface="Consolas"/>
+              </a:rPr>
+              <a:t>&lt;</a:t>
+            </a:r>
+            <a:r>
+              <a:rPr lang="en-US" sz="800" dirty="0">
+                <a:solidFill>
+                  <a:srgbClr val="A31515"/>
+                </a:solidFill>
+                <a:highlight>
+                  <a:srgbClr val="FFFFFF"/>
+                </a:highlight>
+                <a:latin typeface="Consolas"/>
+              </a:rPr>
+              <a:t>Setter</a:t>
+            </a:r>
+            <a:r>
+              <a:rPr lang="en-US" sz="800" dirty="0">
+                <a:solidFill>
+                  <a:srgbClr val="FF0000"/>
+                </a:solidFill>
+                <a:highlight>
+                  <a:srgbClr val="FFFFFF"/>
+                </a:highlight>
+                <a:latin typeface="Consolas"/>
+              </a:rPr>
+              <a:t> Property</a:t>
+            </a:r>
+            <a:r>
+              <a:rPr lang="en-US" sz="800" dirty="0">
+                <a:solidFill>
+                  <a:srgbClr val="0000FF"/>
+                </a:solidFill>
+                <a:highlight>
+                  <a:srgbClr val="FFFFFF"/>
+                </a:highlight>
+                <a:latin typeface="Consolas"/>
+              </a:rPr>
+              <a:t>="</a:t>
+            </a:r>
+            <a:r>
+              <a:rPr lang="en-US" sz="800" dirty="0" err="1">
+                <a:solidFill>
+                  <a:srgbClr val="0000FF"/>
+                </a:solidFill>
+                <a:highlight>
+                  <a:srgbClr val="FFFFFF"/>
+                </a:highlight>
+                <a:latin typeface="Consolas"/>
+              </a:rPr>
+              <a:t>BorderBrush</a:t>
+            </a:r>
+            <a:r>
+              <a:rPr lang="en-US" sz="800" dirty="0">
+                <a:solidFill>
+                  <a:srgbClr val="0000FF"/>
+                </a:solidFill>
+                <a:highlight>
+                  <a:srgbClr val="FFFFFF"/>
+                </a:highlight>
+                <a:latin typeface="Consolas"/>
+              </a:rPr>
+              <a:t>"</a:t>
+            </a:r>
+            <a:r>
+              <a:rPr lang="en-US" sz="800" dirty="0">
+                <a:solidFill>
+                  <a:srgbClr val="FF0000"/>
+                </a:solidFill>
+                <a:highlight>
+                  <a:srgbClr val="FFFFFF"/>
+                </a:highlight>
+                <a:latin typeface="Consolas"/>
+              </a:rPr>
+              <a:t> Value</a:t>
+            </a:r>
+            <a:r>
+              <a:rPr lang="en-US" sz="800" dirty="0">
+                <a:solidFill>
+                  <a:srgbClr val="0000FF"/>
+                </a:solidFill>
+                <a:highlight>
+                  <a:srgbClr val="FFFFFF"/>
+                </a:highlight>
+                <a:latin typeface="Consolas"/>
+              </a:rPr>
+              <a:t>="</a:t>
+            </a:r>
+            <a:r>
+              <a:rPr lang="en-US" sz="800" dirty="0" err="1">
+                <a:solidFill>
+                  <a:srgbClr val="0000FF"/>
+                </a:solidFill>
+                <a:highlight>
+                  <a:srgbClr val="FFFFFF"/>
+                </a:highlight>
+                <a:latin typeface="Consolas"/>
+              </a:rPr>
+              <a:t>DarkGray</a:t>
+            </a:r>
+            <a:r>
+              <a:rPr lang="en-US" sz="800" dirty="0">
+                <a:solidFill>
+                  <a:srgbClr val="0000FF"/>
+                </a:solidFill>
+                <a:highlight>
+                  <a:srgbClr val="FFFFFF"/>
+                </a:highlight>
+                <a:latin typeface="Consolas"/>
+              </a:rPr>
+              <a:t>" /&gt;</a:t>
+            </a:r>
+            <a:endParaRPr lang="en-US" sz="800" dirty="0">
+              <a:solidFill>
+                <a:srgbClr val="000000"/>
+              </a:solidFill>
+              <a:highlight>
+                <a:srgbClr val="FFFFFF"/>
+              </a:highlight>
+              <a:latin typeface="Consolas"/>
+            </a:endParaRPr>
+          </a:p>
+          <a:p>
+            <a:r>
+              <a:rPr lang="en-GB" sz="800" dirty="0">
+                <a:solidFill>
+                  <a:srgbClr val="0000FF"/>
+                </a:solidFill>
+                <a:highlight>
+                  <a:srgbClr val="FFFFFF"/>
+                </a:highlight>
+                <a:latin typeface="Consolas"/>
+              </a:rPr>
+              <a:t>&lt;/</a:t>
+            </a:r>
+            <a:r>
+              <a:rPr lang="en-GB" sz="800" dirty="0">
+                <a:solidFill>
+                  <a:srgbClr val="A31515"/>
+                </a:solidFill>
+                <a:highlight>
+                  <a:srgbClr val="FFFFFF"/>
+                </a:highlight>
+                <a:latin typeface="Consolas"/>
+              </a:rPr>
+              <a:t>Style</a:t>
+            </a:r>
+            <a:r>
+              <a:rPr lang="en-GB" sz="800" dirty="0">
+                <a:solidFill>
+                  <a:srgbClr val="0000FF"/>
+                </a:solidFill>
+                <a:highlight>
+                  <a:srgbClr val="FFFFFF"/>
+                </a:highlight>
+                <a:latin typeface="Consolas"/>
+              </a:rPr>
+              <a:t>&gt;</a:t>
+            </a:r>
+            <a:endParaRPr lang="en-GB" sz="800" dirty="0">
+              <a:solidFill>
+                <a:srgbClr val="000000"/>
+              </a:solidFill>
+              <a:highlight>
+                <a:srgbClr val="FFFFFF"/>
+              </a:highlight>
+              <a:latin typeface="Consolas"/>
+            </a:endParaRPr>
+          </a:p>
+          <a:p>
+            <a:r>
+              <a:rPr lang="en-GB" sz="800" dirty="0">
+                <a:solidFill>
+                  <a:srgbClr val="0000FF"/>
+                </a:solidFill>
+                <a:highlight>
+                  <a:srgbClr val="FFFFFF"/>
+                </a:highlight>
+                <a:latin typeface="Consolas"/>
+              </a:rPr>
+              <a:t>&lt;</a:t>
+            </a:r>
+            <a:r>
+              <a:rPr lang="en-GB" sz="800" dirty="0">
+                <a:solidFill>
+                  <a:srgbClr val="A31515"/>
+                </a:solidFill>
+                <a:highlight>
+                  <a:srgbClr val="FFFFFF"/>
+                </a:highlight>
+                <a:latin typeface="Consolas"/>
+              </a:rPr>
+              <a:t>Image</a:t>
+            </a:r>
+            <a:r>
+              <a:rPr lang="en-GB" sz="800" dirty="0">
+                <a:solidFill>
+                  <a:srgbClr val="FF0000"/>
+                </a:solidFill>
+                <a:highlight>
+                  <a:srgbClr val="FFFFFF"/>
+                </a:highlight>
+                <a:latin typeface="Consolas"/>
+              </a:rPr>
+              <a:t> x</a:t>
+            </a:r>
+            <a:r>
+              <a:rPr lang="en-GB" sz="800" dirty="0">
+                <a:solidFill>
+                  <a:srgbClr val="0000FF"/>
+                </a:solidFill>
+                <a:highlight>
+                  <a:srgbClr val="FFFFFF"/>
+                </a:highlight>
+                <a:latin typeface="Consolas"/>
+              </a:rPr>
+              <a:t>:</a:t>
+            </a:r>
+            <a:r>
+              <a:rPr lang="en-GB" sz="800" dirty="0">
+                <a:solidFill>
+                  <a:srgbClr val="FF0000"/>
+                </a:solidFill>
+                <a:highlight>
+                  <a:srgbClr val="FFFFFF"/>
+                </a:highlight>
+                <a:latin typeface="Consolas"/>
+              </a:rPr>
+              <a:t>Key</a:t>
+            </a:r>
+            <a:r>
+              <a:rPr lang="en-GB" sz="800" dirty="0">
+                <a:solidFill>
+                  <a:srgbClr val="0000FF"/>
+                </a:solidFill>
+                <a:highlight>
+                  <a:srgbClr val="FFFFFF"/>
+                </a:highlight>
+                <a:latin typeface="Consolas"/>
+              </a:rPr>
+              <a:t>="Image_File"</a:t>
+            </a:r>
+            <a:r>
+              <a:rPr lang="en-GB" sz="800" dirty="0">
+                <a:solidFill>
+                  <a:srgbClr val="FF0000"/>
+                </a:solidFill>
+                <a:highlight>
+                  <a:srgbClr val="FFFFFF"/>
+                </a:highlight>
+                <a:latin typeface="Consolas"/>
+              </a:rPr>
+              <a:t> Source</a:t>
+            </a:r>
+            <a:r>
+              <a:rPr lang="en-GB" sz="800" dirty="0">
+                <a:solidFill>
+                  <a:srgbClr val="0000FF"/>
+                </a:solidFill>
+                <a:highlight>
+                  <a:srgbClr val="FFFFFF"/>
+                </a:highlight>
+                <a:latin typeface="Consolas"/>
+              </a:rPr>
+              <a:t>="Images/DocumentBlack16.png"</a:t>
+            </a:r>
+            <a:r>
+              <a:rPr lang="en-GB" sz="800" dirty="0">
+                <a:solidFill>
+                  <a:srgbClr val="FF0000"/>
+                </a:solidFill>
+                <a:highlight>
+                  <a:srgbClr val="FFFFFF"/>
+                </a:highlight>
+                <a:latin typeface="Consolas"/>
+              </a:rPr>
+              <a:t> Width</a:t>
+            </a:r>
+            <a:r>
+              <a:rPr lang="en-GB" sz="800" dirty="0">
+                <a:solidFill>
+                  <a:srgbClr val="0000FF"/>
+                </a:solidFill>
+                <a:highlight>
+                  <a:srgbClr val="FFFFFF"/>
+                </a:highlight>
+                <a:latin typeface="Consolas"/>
+              </a:rPr>
+              <a:t>="16px"</a:t>
+            </a:r>
+            <a:r>
+              <a:rPr lang="en-GB" sz="800" dirty="0">
+                <a:solidFill>
+                  <a:srgbClr val="FF0000"/>
+                </a:solidFill>
+                <a:highlight>
+                  <a:srgbClr val="FFFFFF"/>
+                </a:highlight>
+                <a:latin typeface="Consolas"/>
+              </a:rPr>
+              <a:t> Height</a:t>
+            </a:r>
+            <a:r>
+              <a:rPr lang="en-GB" sz="800" dirty="0">
+                <a:solidFill>
+                  <a:srgbClr val="0000FF"/>
+                </a:solidFill>
+                <a:highlight>
+                  <a:srgbClr val="FFFFFF"/>
+                </a:highlight>
+                <a:latin typeface="Consolas"/>
+              </a:rPr>
+              <a:t>="16px"</a:t>
+            </a:r>
+            <a:r>
+              <a:rPr lang="en-GB" sz="800" dirty="0">
+                <a:solidFill>
+                  <a:srgbClr val="000000"/>
+                </a:solidFill>
+                <a:highlight>
+                  <a:srgbClr val="FFFFFF"/>
+                </a:highlight>
+                <a:latin typeface="Consolas"/>
+              </a:rPr>
+              <a:t> </a:t>
+            </a:r>
+            <a:r>
+              <a:rPr lang="en-GB" sz="800" dirty="0">
+                <a:solidFill>
+                  <a:srgbClr val="FF0000"/>
+                </a:solidFill>
+                <a:highlight>
+                  <a:srgbClr val="FFFFFF"/>
+                </a:highlight>
+                <a:latin typeface="Consolas"/>
+              </a:rPr>
+              <a:t> </a:t>
+            </a:r>
+            <a:r>
+              <a:rPr lang="en-GB" sz="800" dirty="0" err="1">
+                <a:solidFill>
+                  <a:srgbClr val="FF0000"/>
+                </a:solidFill>
+                <a:highlight>
+                  <a:srgbClr val="FFFFFF"/>
+                </a:highlight>
+                <a:latin typeface="Consolas"/>
+              </a:rPr>
+              <a:t>RenderOptions.BitmapScalingMode</a:t>
+            </a:r>
+            <a:r>
+              <a:rPr lang="en-GB" sz="800" dirty="0">
+                <a:solidFill>
+                  <a:srgbClr val="0000FF"/>
+                </a:solidFill>
+                <a:highlight>
+                  <a:srgbClr val="FFFFFF"/>
+                </a:highlight>
+                <a:latin typeface="Consolas"/>
+              </a:rPr>
+              <a:t>="</a:t>
+            </a:r>
+            <a:r>
+              <a:rPr lang="en-GB" sz="800" dirty="0" err="1">
+                <a:solidFill>
+                  <a:srgbClr val="0000FF"/>
+                </a:solidFill>
+                <a:highlight>
+                  <a:srgbClr val="FFFFFF"/>
+                </a:highlight>
+                <a:latin typeface="Consolas"/>
+              </a:rPr>
+              <a:t>HighQuality</a:t>
+            </a:r>
+            <a:r>
+              <a:rPr lang="en-GB" sz="800" dirty="0">
+                <a:solidFill>
+                  <a:srgbClr val="0000FF"/>
+                </a:solidFill>
+                <a:highlight>
+                  <a:srgbClr val="FFFFFF"/>
+                </a:highlight>
+                <a:latin typeface="Consolas"/>
+              </a:rPr>
+              <a:t>" /&gt;</a:t>
+            </a:r>
+            <a:endParaRPr lang="en-GB" sz="800" dirty="0">
+              <a:solidFill>
+                <a:srgbClr val="000000"/>
+              </a:solidFill>
+              <a:highlight>
+                <a:srgbClr val="FFFFFF"/>
+              </a:highlight>
+              <a:latin typeface="Consolas"/>
+            </a:endParaRPr>
+          </a:p>
+          <a:p>
+            <a:r>
+              <a:rPr lang="en-US" sz="800" dirty="0">
+                <a:solidFill>
+                  <a:srgbClr val="0000FF"/>
+                </a:solidFill>
+                <a:highlight>
+                  <a:srgbClr val="FFFFFF"/>
+                </a:highlight>
+                <a:latin typeface="Consolas"/>
+              </a:rPr>
+              <a:t>&lt;</a:t>
+            </a:r>
+            <a:r>
+              <a:rPr lang="en-US" sz="800" dirty="0">
+                <a:solidFill>
+                  <a:srgbClr val="A31515"/>
+                </a:solidFill>
+                <a:highlight>
+                  <a:srgbClr val="FFFFFF"/>
+                </a:highlight>
+                <a:latin typeface="Consolas"/>
+              </a:rPr>
+              <a:t>Image</a:t>
+            </a:r>
+            <a:r>
+              <a:rPr lang="en-US" sz="800" dirty="0">
+                <a:solidFill>
+                  <a:srgbClr val="FF0000"/>
+                </a:solidFill>
+                <a:highlight>
+                  <a:srgbClr val="FFFFFF"/>
+                </a:highlight>
+                <a:latin typeface="Consolas"/>
+              </a:rPr>
+              <a:t> x</a:t>
+            </a:r>
+            <a:r>
+              <a:rPr lang="en-US" sz="800" dirty="0">
+                <a:solidFill>
+                  <a:srgbClr val="0000FF"/>
+                </a:solidFill>
+                <a:highlight>
+                  <a:srgbClr val="FFFFFF"/>
+                </a:highlight>
+                <a:latin typeface="Consolas"/>
+              </a:rPr>
+              <a:t>:</a:t>
+            </a:r>
+            <a:r>
+              <a:rPr lang="en-US" sz="800" dirty="0">
+                <a:solidFill>
+                  <a:srgbClr val="FF0000"/>
+                </a:solidFill>
+                <a:highlight>
+                  <a:srgbClr val="FFFFFF"/>
+                </a:highlight>
+                <a:latin typeface="Consolas"/>
+              </a:rPr>
+              <a:t>Key</a:t>
+            </a:r>
+            <a:r>
+              <a:rPr lang="en-US" sz="800" dirty="0">
+                <a:solidFill>
+                  <a:srgbClr val="0000FF"/>
+                </a:solidFill>
+                <a:highlight>
+                  <a:srgbClr val="FFFFFF"/>
+                </a:highlight>
+                <a:latin typeface="Consolas"/>
+              </a:rPr>
+              <a:t>="Image_OpenFile"</a:t>
+            </a:r>
+            <a:r>
+              <a:rPr lang="en-US" sz="800" dirty="0">
+                <a:solidFill>
+                  <a:srgbClr val="FF0000"/>
+                </a:solidFill>
+                <a:highlight>
+                  <a:srgbClr val="FFFFFF"/>
+                </a:highlight>
+                <a:latin typeface="Consolas"/>
+              </a:rPr>
+              <a:t> Source</a:t>
+            </a:r>
+            <a:r>
+              <a:rPr lang="en-US" sz="800" dirty="0">
+                <a:solidFill>
+                  <a:srgbClr val="0000FF"/>
+                </a:solidFill>
+                <a:highlight>
+                  <a:srgbClr val="FFFFFF"/>
+                </a:highlight>
+                <a:latin typeface="Consolas"/>
+              </a:rPr>
+              <a:t>="Images/OpenFileBlack16.png" /&gt;</a:t>
+            </a:r>
+            <a:endParaRPr lang="en-US" sz="800" dirty="0">
+              <a:solidFill>
+                <a:srgbClr val="000000"/>
+              </a:solidFill>
+              <a:highlight>
+                <a:srgbClr val="FFFFFF"/>
+              </a:highlight>
+              <a:latin typeface="Consolas"/>
+            </a:endParaRPr>
+          </a:p>
+          <a:p>
+            <a:r>
+              <a:rPr lang="en-US" sz="800" dirty="0">
+                <a:solidFill>
+                  <a:srgbClr val="0000FF"/>
+                </a:solidFill>
+                <a:highlight>
+                  <a:srgbClr val="FFFFFF"/>
+                </a:highlight>
+                <a:latin typeface="Consolas"/>
+              </a:rPr>
+              <a:t>&lt;</a:t>
+            </a:r>
+            <a:r>
+              <a:rPr lang="en-US" sz="800" dirty="0">
+                <a:solidFill>
+                  <a:srgbClr val="A31515"/>
+                </a:solidFill>
+                <a:highlight>
+                  <a:srgbClr val="FFFFFF"/>
+                </a:highlight>
+                <a:latin typeface="Consolas"/>
+              </a:rPr>
+              <a:t>Image</a:t>
+            </a:r>
+            <a:r>
+              <a:rPr lang="en-US" sz="800" dirty="0">
+                <a:solidFill>
+                  <a:srgbClr val="FF0000"/>
+                </a:solidFill>
+                <a:highlight>
+                  <a:srgbClr val="FFFFFF"/>
+                </a:highlight>
+                <a:latin typeface="Consolas"/>
+              </a:rPr>
+              <a:t> x</a:t>
+            </a:r>
+            <a:r>
+              <a:rPr lang="en-US" sz="800" dirty="0">
+                <a:solidFill>
+                  <a:srgbClr val="0000FF"/>
+                </a:solidFill>
+                <a:highlight>
+                  <a:srgbClr val="FFFFFF"/>
+                </a:highlight>
+                <a:latin typeface="Consolas"/>
+              </a:rPr>
+              <a:t>:</a:t>
+            </a:r>
+            <a:r>
+              <a:rPr lang="en-US" sz="800" dirty="0">
+                <a:solidFill>
+                  <a:srgbClr val="FF0000"/>
+                </a:solidFill>
+                <a:highlight>
+                  <a:srgbClr val="FFFFFF"/>
+                </a:highlight>
+                <a:latin typeface="Consolas"/>
+              </a:rPr>
+              <a:t>Key</a:t>
+            </a:r>
+            <a:r>
+              <a:rPr lang="en-US" sz="800" dirty="0">
+                <a:solidFill>
+                  <a:srgbClr val="0000FF"/>
+                </a:solidFill>
+                <a:highlight>
+                  <a:srgbClr val="FFFFFF"/>
+                </a:highlight>
+                <a:latin typeface="Consolas"/>
+              </a:rPr>
+              <a:t>="Image_SaveFile"</a:t>
+            </a:r>
+            <a:r>
+              <a:rPr lang="en-US" sz="800" dirty="0">
+                <a:solidFill>
+                  <a:srgbClr val="FF0000"/>
+                </a:solidFill>
+                <a:highlight>
+                  <a:srgbClr val="FFFFFF"/>
+                </a:highlight>
+                <a:latin typeface="Consolas"/>
+              </a:rPr>
+              <a:t> Source</a:t>
+            </a:r>
+            <a:r>
+              <a:rPr lang="en-US" sz="800" dirty="0">
+                <a:solidFill>
+                  <a:srgbClr val="0000FF"/>
+                </a:solidFill>
+                <a:highlight>
+                  <a:srgbClr val="FFFFFF"/>
+                </a:highlight>
+                <a:latin typeface="Consolas"/>
+              </a:rPr>
+              <a:t>="Images/SaveFileBlack16.png" /&gt;</a:t>
+            </a:r>
+            <a:endParaRPr lang="en-US" sz="800" dirty="0">
+              <a:solidFill>
+                <a:srgbClr val="000000"/>
+              </a:solidFill>
+              <a:highlight>
+                <a:srgbClr val="FFFFFF"/>
+              </a:highlight>
+              <a:latin typeface="Consolas"/>
+            </a:endParaRPr>
+          </a:p>
+          <a:p>
+            <a:r>
+              <a:rPr lang="en-US" sz="800" dirty="0">
+                <a:solidFill>
+                  <a:srgbClr val="0000FF"/>
+                </a:solidFill>
+                <a:highlight>
+                  <a:srgbClr val="FFFFFF"/>
+                </a:highlight>
+                <a:latin typeface="Consolas"/>
+              </a:rPr>
+              <a:t>&lt;</a:t>
+            </a:r>
+            <a:r>
+              <a:rPr lang="en-US" sz="800" dirty="0">
+                <a:solidFill>
+                  <a:srgbClr val="A31515"/>
+                </a:solidFill>
+                <a:highlight>
+                  <a:srgbClr val="FFFFFF"/>
+                </a:highlight>
+                <a:latin typeface="Consolas"/>
+              </a:rPr>
+              <a:t>Image</a:t>
+            </a:r>
+            <a:r>
+              <a:rPr lang="en-US" sz="800" dirty="0">
+                <a:solidFill>
+                  <a:srgbClr val="FF0000"/>
+                </a:solidFill>
+                <a:highlight>
+                  <a:srgbClr val="FFFFFF"/>
+                </a:highlight>
+                <a:latin typeface="Consolas"/>
+              </a:rPr>
+              <a:t> x</a:t>
+            </a:r>
+            <a:r>
+              <a:rPr lang="en-US" sz="800" dirty="0">
+                <a:solidFill>
+                  <a:srgbClr val="0000FF"/>
+                </a:solidFill>
+                <a:highlight>
+                  <a:srgbClr val="FFFFFF"/>
+                </a:highlight>
+                <a:latin typeface="Consolas"/>
+              </a:rPr>
+              <a:t>:</a:t>
+            </a:r>
+            <a:r>
+              <a:rPr lang="en-US" sz="800" dirty="0">
+                <a:solidFill>
+                  <a:srgbClr val="FF0000"/>
+                </a:solidFill>
+                <a:highlight>
+                  <a:srgbClr val="FFFFFF"/>
+                </a:highlight>
+                <a:latin typeface="Consolas"/>
+              </a:rPr>
+              <a:t>Key</a:t>
+            </a:r>
+            <a:r>
+              <a:rPr lang="en-US" sz="800" dirty="0">
+                <a:solidFill>
+                  <a:srgbClr val="0000FF"/>
+                </a:solidFill>
+                <a:highlight>
+                  <a:srgbClr val="FFFFFF"/>
+                </a:highlight>
+                <a:latin typeface="Consolas"/>
+              </a:rPr>
+              <a:t>="Image_SaveAsFile"</a:t>
+            </a:r>
+            <a:r>
+              <a:rPr lang="en-US" sz="800" dirty="0">
+                <a:solidFill>
+                  <a:srgbClr val="FF0000"/>
+                </a:solidFill>
+                <a:highlight>
+                  <a:srgbClr val="FFFFFF"/>
+                </a:highlight>
+                <a:latin typeface="Consolas"/>
+              </a:rPr>
+              <a:t> Source</a:t>
+            </a:r>
+            <a:r>
+              <a:rPr lang="en-US" sz="800" dirty="0">
+                <a:solidFill>
+                  <a:srgbClr val="0000FF"/>
+                </a:solidFill>
+                <a:highlight>
+                  <a:srgbClr val="FFFFFF"/>
+                </a:highlight>
+                <a:latin typeface="Consolas"/>
+              </a:rPr>
+              <a:t>="Images/SaveAsFileBlack16.png" /&gt;</a:t>
+            </a:r>
+            <a:endParaRPr lang="en-US" sz="800" dirty="0">
+              <a:solidFill>
+                <a:srgbClr val="000000"/>
+              </a:solidFill>
+              <a:highlight>
+                <a:srgbClr val="FFFFFF"/>
+              </a:highlight>
+              <a:latin typeface="Consolas"/>
+            </a:endParaRPr>
+          </a:p>
+          <a:p>
+            <a:r>
+              <a:rPr lang="en-US" sz="800" dirty="0">
+                <a:solidFill>
+                  <a:srgbClr val="0000FF"/>
+                </a:solidFill>
+                <a:highlight>
+                  <a:srgbClr val="FFFFFF"/>
+                </a:highlight>
+                <a:latin typeface="Consolas"/>
+              </a:rPr>
+              <a:t>&lt;</a:t>
+            </a:r>
+            <a:r>
+              <a:rPr lang="en-US" sz="800" dirty="0">
+                <a:solidFill>
+                  <a:srgbClr val="A31515"/>
+                </a:solidFill>
+                <a:highlight>
+                  <a:srgbClr val="FFFFFF"/>
+                </a:highlight>
+                <a:latin typeface="Consolas"/>
+              </a:rPr>
+              <a:t>Image</a:t>
+            </a:r>
+            <a:r>
+              <a:rPr lang="en-US" sz="800" dirty="0">
+                <a:solidFill>
+                  <a:srgbClr val="FF0000"/>
+                </a:solidFill>
+                <a:highlight>
+                  <a:srgbClr val="FFFFFF"/>
+                </a:highlight>
+                <a:latin typeface="Consolas"/>
+              </a:rPr>
+              <a:t> x</a:t>
+            </a:r>
+            <a:r>
+              <a:rPr lang="en-US" sz="800" dirty="0">
+                <a:solidFill>
+                  <a:srgbClr val="0000FF"/>
+                </a:solidFill>
+                <a:highlight>
+                  <a:srgbClr val="FFFFFF"/>
+                </a:highlight>
+                <a:latin typeface="Consolas"/>
+              </a:rPr>
+              <a:t>:</a:t>
+            </a:r>
+            <a:r>
+              <a:rPr lang="en-US" sz="800" dirty="0">
+                <a:solidFill>
+                  <a:srgbClr val="FF0000"/>
+                </a:solidFill>
+                <a:highlight>
+                  <a:srgbClr val="FFFFFF"/>
+                </a:highlight>
+                <a:latin typeface="Consolas"/>
+              </a:rPr>
+              <a:t>Key</a:t>
+            </a:r>
+            <a:r>
+              <a:rPr lang="en-US" sz="800" dirty="0">
+                <a:solidFill>
+                  <a:srgbClr val="0000FF"/>
+                </a:solidFill>
+                <a:highlight>
+                  <a:srgbClr val="FFFFFF"/>
+                </a:highlight>
+                <a:latin typeface="Consolas"/>
+              </a:rPr>
+              <a:t>="Image_NewItem"</a:t>
+            </a:r>
+            <a:r>
+              <a:rPr lang="en-US" sz="800" dirty="0">
+                <a:solidFill>
+                  <a:srgbClr val="FF0000"/>
+                </a:solidFill>
+                <a:highlight>
+                  <a:srgbClr val="FFFFFF"/>
+                </a:highlight>
+                <a:latin typeface="Consolas"/>
+              </a:rPr>
+              <a:t> Source</a:t>
+            </a:r>
+            <a:r>
+              <a:rPr lang="en-US" sz="800" dirty="0">
+                <a:solidFill>
+                  <a:srgbClr val="0000FF"/>
+                </a:solidFill>
+                <a:highlight>
+                  <a:srgbClr val="FFFFFF"/>
+                </a:highlight>
+                <a:latin typeface="Consolas"/>
+              </a:rPr>
+              <a:t>="Images/NewItemBlack16.png" /&gt;</a:t>
+            </a:r>
+            <a:endParaRPr lang="en-US" sz="800" dirty="0">
+              <a:solidFill>
+                <a:srgbClr val="000000"/>
+              </a:solidFill>
+              <a:highlight>
+                <a:srgbClr val="FFFFFF"/>
+              </a:highlight>
+              <a:latin typeface="Consolas"/>
+            </a:endParaRPr>
+          </a:p>
+          <a:p>
+            <a:r>
+              <a:rPr lang="ru-RU" sz="800" dirty="0">
+                <a:solidFill>
+                  <a:srgbClr val="008000"/>
+                </a:solidFill>
+                <a:highlight>
+                  <a:srgbClr val="FFFFFF"/>
+                </a:highlight>
+                <a:latin typeface="Consolas"/>
+              </a:rPr>
+              <a:t>&lt;!-- ... --&gt;</a:t>
+            </a:r>
+            <a:endParaRPr lang="ru-RU" sz="800" dirty="0">
+              <a:solidFill>
+                <a:srgbClr val="000000"/>
+              </a:solidFill>
+              <a:highlight>
+                <a:srgbClr val="FFFFFF"/>
+              </a:highlight>
+              <a:latin typeface="Consolas"/>
+            </a:endParaRPr>
+          </a:p>
+          <a:p>
+            <a:r>
+              <a:rPr lang="en-US" sz="800" dirty="0">
+                <a:solidFill>
+                  <a:srgbClr val="0000FF"/>
+                </a:solidFill>
+                <a:highlight>
+                  <a:srgbClr val="FFFFFF"/>
+                </a:highlight>
+                <a:latin typeface="Consolas"/>
+              </a:rPr>
+              <a:t>&lt;</a:t>
+            </a:r>
+            <a:r>
+              <a:rPr lang="en-US" sz="800" dirty="0">
+                <a:solidFill>
+                  <a:srgbClr val="A31515"/>
+                </a:solidFill>
+                <a:highlight>
+                  <a:srgbClr val="FFFFFF"/>
+                </a:highlight>
+                <a:latin typeface="Consolas"/>
+              </a:rPr>
+              <a:t>Image</a:t>
+            </a:r>
+            <a:r>
+              <a:rPr lang="en-US" sz="800" dirty="0">
+                <a:solidFill>
+                  <a:srgbClr val="FF0000"/>
+                </a:solidFill>
+                <a:highlight>
+                  <a:srgbClr val="FFFFFF"/>
+                </a:highlight>
+                <a:latin typeface="Consolas"/>
+              </a:rPr>
+              <a:t> x</a:t>
+            </a:r>
+            <a:r>
+              <a:rPr lang="en-US" sz="800" dirty="0">
+                <a:solidFill>
+                  <a:srgbClr val="0000FF"/>
+                </a:solidFill>
+                <a:highlight>
+                  <a:srgbClr val="FFFFFF"/>
+                </a:highlight>
+                <a:latin typeface="Consolas"/>
+              </a:rPr>
+              <a:t>:</a:t>
+            </a:r>
+            <a:r>
+              <a:rPr lang="en-US" sz="800" dirty="0">
+                <a:solidFill>
+                  <a:srgbClr val="FF0000"/>
+                </a:solidFill>
+                <a:highlight>
+                  <a:srgbClr val="FFFFFF"/>
+                </a:highlight>
+                <a:latin typeface="Consolas"/>
+              </a:rPr>
+              <a:t>Key</a:t>
+            </a:r>
+            <a:r>
+              <a:rPr lang="en-US" sz="800" dirty="0">
+                <a:solidFill>
+                  <a:srgbClr val="0000FF"/>
+                </a:solidFill>
+                <a:highlight>
+                  <a:srgbClr val="FFFFFF"/>
+                </a:highlight>
+                <a:latin typeface="Consolas"/>
+              </a:rPr>
+              <a:t>="Image_DrawLink"</a:t>
+            </a:r>
+            <a:r>
+              <a:rPr lang="en-US" sz="800" dirty="0">
+                <a:solidFill>
+                  <a:srgbClr val="FF0000"/>
+                </a:solidFill>
+                <a:highlight>
+                  <a:srgbClr val="FFFFFF"/>
+                </a:highlight>
+                <a:latin typeface="Consolas"/>
+              </a:rPr>
+              <a:t> Source</a:t>
+            </a:r>
+            <a:r>
+              <a:rPr lang="en-US" sz="800" dirty="0">
+                <a:solidFill>
+                  <a:srgbClr val="0000FF"/>
+                </a:solidFill>
+                <a:highlight>
+                  <a:srgbClr val="FFFFFF"/>
+                </a:highlight>
+                <a:latin typeface="Consolas"/>
+              </a:rPr>
+              <a:t>="Images/LinkBlack16.png" /&gt;</a:t>
+            </a:r>
+            <a:endParaRPr lang="en-US" sz="800" dirty="0">
+              <a:solidFill>
+                <a:srgbClr val="000000"/>
+              </a:solidFill>
+              <a:highlight>
+                <a:srgbClr val="FFFFFF"/>
+              </a:highlight>
+              <a:latin typeface="Consolas"/>
+            </a:endParaRPr>
+          </a:p>
+          <a:p>
+            <a:r>
+              <a:rPr lang="en-GB" sz="800" dirty="0">
+                <a:solidFill>
+                  <a:srgbClr val="0000FF"/>
+                </a:solidFill>
+                <a:highlight>
+                  <a:srgbClr val="FFFFFF"/>
+                </a:highlight>
+                <a:latin typeface="Consolas"/>
+              </a:rPr>
+              <a:t>&lt;/</a:t>
+            </a:r>
+            <a:r>
+              <a:rPr lang="en-GB" sz="800" dirty="0" err="1">
+                <a:solidFill>
+                  <a:srgbClr val="A31515"/>
+                </a:solidFill>
+                <a:highlight>
+                  <a:srgbClr val="FFFFFF"/>
+                </a:highlight>
+                <a:latin typeface="Consolas"/>
+              </a:rPr>
+              <a:t>Window.Resources</a:t>
+            </a:r>
+            <a:r>
+              <a:rPr lang="en-GB" sz="800" dirty="0">
+                <a:solidFill>
+                  <a:srgbClr val="0000FF"/>
+                </a:solidFill>
+                <a:highlight>
+                  <a:srgbClr val="FFFFFF"/>
+                </a:highlight>
+                <a:latin typeface="Consolas"/>
+              </a:rPr>
+              <a:t>&gt;</a:t>
+            </a:r>
+            <a:endParaRPr lang="en-GB" sz="800" dirty="0">
+              <a:solidFill>
+                <a:srgbClr val="000000"/>
+              </a:solidFill>
+              <a:highlight>
+                <a:srgbClr val="FFFFFF"/>
+              </a:highlight>
+              <a:latin typeface="Consolas"/>
+            </a:endParaRPr>
+          </a:p>
+          <a:p>
+            <a:r>
+              <a:rPr lang="en-GB" sz="800" dirty="0">
+                <a:solidFill>
+                  <a:srgbClr val="0000FF"/>
+                </a:solidFill>
+                <a:highlight>
+                  <a:srgbClr val="FFFFFF"/>
+                </a:highlight>
+                <a:latin typeface="Consolas"/>
+              </a:rPr>
+              <a:t>&lt;</a:t>
+            </a:r>
+            <a:r>
+              <a:rPr lang="en-GB" sz="800" dirty="0" err="1">
+                <a:solidFill>
+                  <a:srgbClr val="A31515"/>
+                </a:solidFill>
+                <a:highlight>
+                  <a:srgbClr val="FFFFFF"/>
+                </a:highlight>
+                <a:latin typeface="Consolas"/>
+              </a:rPr>
+              <a:t>DockPanel</a:t>
+            </a:r>
+            <a:r>
+              <a:rPr lang="en-GB" sz="800" dirty="0">
+                <a:solidFill>
+                  <a:srgbClr val="0000FF"/>
+                </a:solidFill>
+                <a:highlight>
+                  <a:srgbClr val="FFFFFF"/>
+                </a:highlight>
+                <a:latin typeface="Consolas"/>
+              </a:rPr>
+              <a:t>&gt;</a:t>
+            </a:r>
+            <a:endParaRPr lang="en-GB" sz="800" dirty="0">
+              <a:solidFill>
+                <a:srgbClr val="000000"/>
+              </a:solidFill>
+              <a:highlight>
+                <a:srgbClr val="FFFFFF"/>
+              </a:highlight>
+              <a:latin typeface="Consolas"/>
+            </a:endParaRPr>
+          </a:p>
+          <a:p>
+            <a:r>
+              <a:rPr lang="en-GB" sz="800" dirty="0">
+                <a:solidFill>
+                  <a:srgbClr val="0000FF"/>
+                </a:solidFill>
+                <a:highlight>
+                  <a:srgbClr val="FFFFFF"/>
+                </a:highlight>
+                <a:latin typeface="Consolas"/>
+              </a:rPr>
+              <a:t>&lt;</a:t>
+            </a:r>
+            <a:r>
+              <a:rPr lang="en-GB" sz="800" dirty="0">
+                <a:solidFill>
+                  <a:srgbClr val="A31515"/>
+                </a:solidFill>
+                <a:highlight>
+                  <a:srgbClr val="FFFFFF"/>
+                </a:highlight>
+                <a:latin typeface="Consolas"/>
+              </a:rPr>
+              <a:t>Menu</a:t>
+            </a:r>
+            <a:r>
+              <a:rPr lang="en-GB" sz="800" dirty="0">
+                <a:solidFill>
+                  <a:srgbClr val="FF0000"/>
+                </a:solidFill>
+                <a:highlight>
+                  <a:srgbClr val="FFFFFF"/>
+                </a:highlight>
+                <a:latin typeface="Consolas"/>
+              </a:rPr>
+              <a:t> </a:t>
+            </a:r>
+            <a:r>
+              <a:rPr lang="en-GB" sz="800" dirty="0" err="1">
+                <a:solidFill>
+                  <a:srgbClr val="FF0000"/>
+                </a:solidFill>
+                <a:highlight>
+                  <a:srgbClr val="FFFFFF"/>
+                </a:highlight>
+                <a:latin typeface="Consolas"/>
+              </a:rPr>
+              <a:t>DockPanel.Dock</a:t>
+            </a:r>
+            <a:r>
+              <a:rPr lang="en-GB" sz="800" dirty="0">
+                <a:solidFill>
+                  <a:srgbClr val="0000FF"/>
+                </a:solidFill>
+                <a:highlight>
+                  <a:srgbClr val="FFFFFF"/>
+                </a:highlight>
+                <a:latin typeface="Consolas"/>
+              </a:rPr>
+              <a:t>="Top"</a:t>
+            </a:r>
+            <a:r>
+              <a:rPr lang="en-GB" sz="800" dirty="0">
+                <a:solidFill>
+                  <a:srgbClr val="FF0000"/>
+                </a:solidFill>
+                <a:highlight>
+                  <a:srgbClr val="FFFFFF"/>
+                </a:highlight>
+                <a:latin typeface="Consolas"/>
+              </a:rPr>
+              <a:t> </a:t>
+            </a:r>
+            <a:r>
+              <a:rPr lang="en-GB" sz="800" dirty="0" err="1">
+                <a:solidFill>
+                  <a:srgbClr val="FF0000"/>
+                </a:solidFill>
+                <a:highlight>
+                  <a:srgbClr val="FFFFFF"/>
+                </a:highlight>
+                <a:latin typeface="Consolas"/>
+              </a:rPr>
+              <a:t>UseLayoutRounding</a:t>
+            </a:r>
+            <a:r>
+              <a:rPr lang="en-GB" sz="800" dirty="0">
+                <a:solidFill>
+                  <a:srgbClr val="0000FF"/>
+                </a:solidFill>
+                <a:highlight>
+                  <a:srgbClr val="FFFFFF"/>
+                </a:highlight>
+                <a:latin typeface="Consolas"/>
+              </a:rPr>
+              <a:t>="True"</a:t>
+            </a:r>
+            <a:r>
+              <a:rPr lang="en-GB" sz="800" dirty="0">
+                <a:solidFill>
+                  <a:srgbClr val="FF0000"/>
+                </a:solidFill>
+                <a:highlight>
+                  <a:srgbClr val="FFFFFF"/>
+                </a:highlight>
+                <a:latin typeface="Consolas"/>
+              </a:rPr>
+              <a:t> </a:t>
+            </a:r>
+            <a:r>
+              <a:rPr lang="en-GB" sz="800" dirty="0" err="1">
+                <a:solidFill>
+                  <a:srgbClr val="FF0000"/>
+                </a:solidFill>
+                <a:highlight>
+                  <a:srgbClr val="FFFFFF"/>
+                </a:highlight>
+                <a:latin typeface="Consolas"/>
+              </a:rPr>
+              <a:t>SnapsToDevicePixels</a:t>
+            </a:r>
+            <a:r>
+              <a:rPr lang="en-GB" sz="800" dirty="0">
+                <a:solidFill>
+                  <a:srgbClr val="0000FF"/>
+                </a:solidFill>
+                <a:highlight>
+                  <a:srgbClr val="FFFFFF"/>
+                </a:highlight>
+                <a:latin typeface="Consolas"/>
+              </a:rPr>
+              <a:t>="True"&gt;</a:t>
+            </a:r>
+            <a:endParaRPr lang="en-GB" sz="800" dirty="0">
+              <a:solidFill>
+                <a:srgbClr val="000000"/>
+              </a:solidFill>
+              <a:highlight>
+                <a:srgbClr val="FFFFFF"/>
+              </a:highlight>
+              <a:latin typeface="Consolas"/>
+            </a:endParaRPr>
+          </a:p>
+          <a:p>
+            <a:r>
+              <a:rPr lang="en-US" sz="800" dirty="0">
+                <a:solidFill>
+                  <a:srgbClr val="0000FF"/>
+                </a:solidFill>
+                <a:highlight>
+                  <a:srgbClr val="FFFFFF"/>
+                </a:highlight>
+                <a:latin typeface="Consolas"/>
+              </a:rPr>
+              <a:t>&lt;</a:t>
+            </a:r>
+            <a:r>
+              <a:rPr lang="en-US" sz="800" dirty="0" err="1">
+                <a:solidFill>
+                  <a:srgbClr val="A31515"/>
+                </a:solidFill>
+                <a:highlight>
+                  <a:srgbClr val="FFFFFF"/>
+                </a:highlight>
+                <a:latin typeface="Consolas"/>
+              </a:rPr>
+              <a:t>MenuItem</a:t>
+            </a:r>
+            <a:r>
+              <a:rPr lang="en-US" sz="800" dirty="0">
+                <a:solidFill>
+                  <a:srgbClr val="FF0000"/>
+                </a:solidFill>
+                <a:highlight>
+                  <a:srgbClr val="FFFFFF"/>
+                </a:highlight>
+                <a:latin typeface="Consolas"/>
+              </a:rPr>
+              <a:t> Header</a:t>
+            </a:r>
+            <a:r>
+              <a:rPr lang="en-US" sz="800" dirty="0">
+                <a:solidFill>
+                  <a:srgbClr val="0000FF"/>
+                </a:solidFill>
+                <a:highlight>
+                  <a:srgbClr val="FFFFFF"/>
+                </a:highlight>
+                <a:latin typeface="Consolas"/>
+              </a:rPr>
+              <a:t>="File"</a:t>
+            </a:r>
+            <a:r>
+              <a:rPr lang="en-US" sz="800" dirty="0">
+                <a:solidFill>
+                  <a:srgbClr val="FF0000"/>
+                </a:solidFill>
+                <a:highlight>
+                  <a:srgbClr val="FFFFFF"/>
+                </a:highlight>
+                <a:latin typeface="Consolas"/>
+              </a:rPr>
+              <a:t> Icon</a:t>
+            </a:r>
+            <a:r>
+              <a:rPr lang="en-US" sz="800" dirty="0">
+                <a:solidFill>
+                  <a:srgbClr val="0000FF"/>
+                </a:solidFill>
+                <a:highlight>
+                  <a:srgbClr val="FFFFFF"/>
+                </a:highlight>
+                <a:latin typeface="Consolas"/>
+              </a:rPr>
+              <a:t>="{</a:t>
+            </a:r>
+            <a:r>
+              <a:rPr lang="en-US" sz="800" dirty="0" err="1">
+                <a:solidFill>
+                  <a:srgbClr val="A31515"/>
+                </a:solidFill>
+                <a:highlight>
+                  <a:srgbClr val="FFFFFF"/>
+                </a:highlight>
+                <a:latin typeface="Consolas"/>
+              </a:rPr>
+              <a:t>StaticResource</a:t>
+            </a:r>
+            <a:r>
+              <a:rPr lang="en-US" sz="800" dirty="0">
+                <a:solidFill>
+                  <a:srgbClr val="FF0000"/>
+                </a:solidFill>
+                <a:highlight>
+                  <a:srgbClr val="FFFFFF"/>
+                </a:highlight>
+                <a:latin typeface="Consolas"/>
+              </a:rPr>
+              <a:t> </a:t>
+            </a:r>
+            <a:r>
+              <a:rPr lang="en-US" sz="800" dirty="0" err="1">
+                <a:solidFill>
+                  <a:srgbClr val="FF0000"/>
+                </a:solidFill>
+                <a:highlight>
+                  <a:srgbClr val="FFFFFF"/>
+                </a:highlight>
+                <a:latin typeface="Consolas"/>
+              </a:rPr>
+              <a:t>Image_File</a:t>
+            </a:r>
+            <a:r>
+              <a:rPr lang="en-US" sz="800" dirty="0">
+                <a:solidFill>
+                  <a:srgbClr val="0000FF"/>
+                </a:solidFill>
+                <a:highlight>
+                  <a:srgbClr val="FFFFFF"/>
+                </a:highlight>
+                <a:latin typeface="Consolas"/>
+              </a:rPr>
+              <a:t>}"&gt;</a:t>
+            </a:r>
+            <a:endParaRPr lang="en-US" sz="800" dirty="0">
+              <a:solidFill>
+                <a:srgbClr val="000000"/>
+              </a:solidFill>
+              <a:highlight>
+                <a:srgbClr val="FFFFFF"/>
+              </a:highlight>
+              <a:latin typeface="Consolas"/>
+            </a:endParaRPr>
+          </a:p>
+          <a:p>
+            <a:r>
+              <a:rPr lang="en-GB" sz="800" dirty="0">
+                <a:solidFill>
+                  <a:srgbClr val="0000FF"/>
+                </a:solidFill>
+                <a:highlight>
+                  <a:srgbClr val="FFFFFF"/>
+                </a:highlight>
+                <a:latin typeface="Consolas"/>
+              </a:rPr>
+              <a:t>&lt;</a:t>
+            </a:r>
+            <a:r>
+              <a:rPr lang="en-GB" sz="800" dirty="0" err="1">
+                <a:solidFill>
+                  <a:srgbClr val="A31515"/>
+                </a:solidFill>
+                <a:highlight>
+                  <a:srgbClr val="FFFFFF"/>
+                </a:highlight>
+                <a:latin typeface="Consolas"/>
+              </a:rPr>
+              <a:t>MenuItem</a:t>
+            </a:r>
+            <a:r>
+              <a:rPr lang="en-GB" sz="800" dirty="0">
+                <a:solidFill>
+                  <a:srgbClr val="FF0000"/>
+                </a:solidFill>
+                <a:highlight>
+                  <a:srgbClr val="FFFFFF"/>
+                </a:highlight>
+                <a:latin typeface="Consolas"/>
+              </a:rPr>
+              <a:t> Header</a:t>
+            </a:r>
+            <a:r>
+              <a:rPr lang="en-GB" sz="800" dirty="0">
+                <a:solidFill>
+                  <a:srgbClr val="0000FF"/>
+                </a:solidFill>
+                <a:highlight>
+                  <a:srgbClr val="FFFFFF"/>
+                </a:highlight>
+                <a:latin typeface="Consolas"/>
+              </a:rPr>
+              <a:t>="Open file..."</a:t>
+            </a:r>
+            <a:r>
+              <a:rPr lang="en-GB" sz="800" dirty="0">
+                <a:solidFill>
+                  <a:srgbClr val="FF0000"/>
+                </a:solidFill>
+                <a:highlight>
+                  <a:srgbClr val="FFFFFF"/>
+                </a:highlight>
+                <a:latin typeface="Consolas"/>
+              </a:rPr>
+              <a:t> x</a:t>
+            </a:r>
+            <a:r>
+              <a:rPr lang="en-GB" sz="800" dirty="0">
+                <a:solidFill>
+                  <a:srgbClr val="0000FF"/>
+                </a:solidFill>
+                <a:highlight>
+                  <a:srgbClr val="FFFFFF"/>
+                </a:highlight>
+                <a:latin typeface="Consolas"/>
+              </a:rPr>
+              <a:t>:</a:t>
+            </a:r>
+            <a:r>
+              <a:rPr lang="en-GB" sz="800" dirty="0">
+                <a:solidFill>
+                  <a:srgbClr val="FF0000"/>
+                </a:solidFill>
+                <a:highlight>
+                  <a:srgbClr val="FFFFFF"/>
+                </a:highlight>
+                <a:latin typeface="Consolas"/>
+              </a:rPr>
+              <a:t>Name</a:t>
+            </a:r>
+            <a:r>
+              <a:rPr lang="en-GB" sz="800" dirty="0">
+                <a:solidFill>
+                  <a:srgbClr val="0000FF"/>
+                </a:solidFill>
+                <a:highlight>
+                  <a:srgbClr val="FFFFFF"/>
+                </a:highlight>
+                <a:latin typeface="Consolas"/>
+              </a:rPr>
+              <a:t>="OpenFileMenuItem"</a:t>
+            </a:r>
+            <a:r>
+              <a:rPr lang="en-GB" sz="800" dirty="0">
+                <a:solidFill>
+                  <a:srgbClr val="FF0000"/>
+                </a:solidFill>
+                <a:highlight>
+                  <a:srgbClr val="FFFFFF"/>
+                </a:highlight>
+                <a:latin typeface="Consolas"/>
+              </a:rPr>
+              <a:t> Icon</a:t>
+            </a:r>
+            <a:r>
+              <a:rPr lang="en-GB" sz="800" dirty="0">
+                <a:solidFill>
+                  <a:srgbClr val="0000FF"/>
+                </a:solidFill>
+                <a:highlight>
+                  <a:srgbClr val="FFFFFF"/>
+                </a:highlight>
+                <a:latin typeface="Consolas"/>
+              </a:rPr>
+              <a:t>="{</a:t>
+            </a:r>
+            <a:r>
+              <a:rPr lang="en-GB" sz="800" dirty="0" err="1">
+                <a:solidFill>
+                  <a:srgbClr val="A31515"/>
+                </a:solidFill>
+                <a:highlight>
+                  <a:srgbClr val="FFFFFF"/>
+                </a:highlight>
+                <a:latin typeface="Consolas"/>
+              </a:rPr>
+              <a:t>StaticResource</a:t>
+            </a:r>
+            <a:r>
+              <a:rPr lang="en-GB" sz="800" dirty="0">
+                <a:solidFill>
+                  <a:srgbClr val="FF0000"/>
+                </a:solidFill>
+                <a:highlight>
+                  <a:srgbClr val="FFFFFF"/>
+                </a:highlight>
+                <a:latin typeface="Consolas"/>
+              </a:rPr>
+              <a:t> </a:t>
+            </a:r>
+            <a:r>
+              <a:rPr lang="en-GB" sz="800" dirty="0" err="1">
+                <a:solidFill>
+                  <a:srgbClr val="FF0000"/>
+                </a:solidFill>
+                <a:highlight>
+                  <a:srgbClr val="FFFFFF"/>
+                </a:highlight>
+                <a:latin typeface="Consolas"/>
+              </a:rPr>
+              <a:t>Image_OpenFile</a:t>
+            </a:r>
+            <a:r>
+              <a:rPr lang="en-GB" sz="800" dirty="0">
+                <a:solidFill>
+                  <a:srgbClr val="0000FF"/>
+                </a:solidFill>
+                <a:highlight>
+                  <a:srgbClr val="FFFFFF"/>
+                </a:highlight>
+                <a:latin typeface="Consolas"/>
+              </a:rPr>
+              <a:t>}" /&gt;</a:t>
+            </a:r>
+            <a:endParaRPr lang="en-GB" sz="800" dirty="0">
+              <a:solidFill>
+                <a:srgbClr val="000000"/>
+              </a:solidFill>
+              <a:highlight>
+                <a:srgbClr val="FFFFFF"/>
+              </a:highlight>
+              <a:latin typeface="Consolas"/>
+            </a:endParaRPr>
+          </a:p>
+          <a:p>
+            <a:r>
+              <a:rPr lang="ru-RU" sz="800" dirty="0">
+                <a:solidFill>
+                  <a:srgbClr val="008000"/>
+                </a:solidFill>
+                <a:highlight>
+                  <a:srgbClr val="FFFFFF"/>
+                </a:highlight>
+                <a:latin typeface="Consolas"/>
+              </a:rPr>
+              <a:t>&lt;!-- ... --&gt;</a:t>
+            </a:r>
+            <a:endParaRPr lang="ru-RU" sz="800" dirty="0">
+              <a:solidFill>
+                <a:srgbClr val="000000"/>
+              </a:solidFill>
+              <a:highlight>
+                <a:srgbClr val="FFFFFF"/>
+              </a:highlight>
+              <a:latin typeface="Consolas"/>
+            </a:endParaRPr>
+          </a:p>
+        </p:txBody>
+      </p:sp>
+      <p:pic>
+        <p:nvPicPr>
+          <p:cNvPr id="7177" name="Picture 9" descr="http://thewire.vertigo.com/wp-content/uploads/devexpressDash.jpg"/>
+          <p:cNvPicPr>
+            <a:picLocks noChangeAspect="1" noChangeArrowheads="1"/>
+          </p:cNvPicPr>
+          <p:nvPr/>
+        </p:nvPicPr>
+        <p:blipFill>
+          <a:blip r:embed="rId3">
+            <a:extLst>
+              <a:ext uri="{28A0092B-C50C-407E-A947-70E740481C1C}">
+                <a14:useLocalDpi xmlns:a14="http://schemas.microsoft.com/office/drawing/2010/main" val="0"/>
+              </a:ext>
+            </a:extLst>
+          </a:blip>
+          <a:srcRect/>
+          <a:stretch>
+            <a:fillRect/>
+          </a:stretch>
+        </p:blipFill>
+        <p:spPr bwMode="auto">
+          <a:xfrm>
+            <a:off x="2286000" y="2852936"/>
+            <a:ext cx="6667500" cy="3752851"/>
+          </a:xfrm>
+          <a:prstGeom prst="rect">
+            <a:avLst/>
+          </a:prstGeom>
+          <a:noFill/>
+          <a:extLst>
+            <a:ext uri="{909E8E84-426E-40DD-AFC4-6F175D3DCCD1}">
+              <a14:hiddenFill xmlns:a14="http://schemas.microsoft.com/office/drawing/2010/main">
+                <a:solidFill>
+                  <a:srgbClr val="FFFFFF"/>
+                </a:solidFill>
+              </a14:hiddenFill>
+            </a:ext>
+          </a:extLst>
+        </p:spPr>
+      </p:pic>
+    </p:spTree>
+    <p:extLst>
+      <p:ext uri="{BB962C8B-B14F-4D97-AF65-F5344CB8AC3E}">
+        <p14:creationId xmlns:p14="http://schemas.microsoft.com/office/powerpoint/2010/main" val="1969998787"/>
+      </p:ext>
+    </p:extLst>
+  </p:cSld>
+  <p:clrMapOvr>
+    <a:masterClrMapping/>
+  </p:clrMapOvr>
+  <p:timing>
+    <p:tnLst>
+      <p:par>
+        <p:cTn id="1" dur="indefinite" restart="never" nodeType="tmRoot"/>
+      </p:par>
+    </p:tnLst>
+  </p:timing>
+</p:sld>
+</file>
+
+<file path=ppt/slides/slide8.xml><?xml version="1.0" encoding="utf-8"?>
+<p:sld xmlns:a="http://schemas.openxmlformats.org/drawingml/2006/main" xmlns:r="http://schemas.openxmlformats.org/officeDocument/2006/relationships" xmlns:p="http://schemas.openxmlformats.org/presentationml/2006/main">
+  <p:cSld>
+    <p:spTree>
+      <p:nvGrpSpPr>
+        <p:cNvPr id="1" name=""/>
+        <p:cNvGrpSpPr/>
+        <p:nvPr/>
+      </p:nvGrpSpPr>
+      <p:grpSpPr>
+        <a:xfrm>
+          <a:off x="0" y="0"/>
+          <a:ext cx="0" cy="0"/>
+          <a:chOff x="0" y="0"/>
+          <a:chExt cx="0" cy="0"/>
+        </a:xfrm>
+      </p:grpSpPr>
+      <p:pic>
+        <p:nvPicPr>
+          <p:cNvPr id="4" name="Picture 5"/>
+          <p:cNvPicPr>
+            <a:picLocks noChangeAspect="1" noChangeArrowheads="1"/>
+          </p:cNvPicPr>
+          <p:nvPr/>
+        </p:nvPicPr>
+        <p:blipFill>
+          <a:blip r:embed="rId2" cstate="print">
+            <a:extLst>
+              <a:ext uri="{28A0092B-C50C-407E-A947-70E740481C1C}">
+                <a14:useLocalDpi xmlns:a14="http://schemas.microsoft.com/office/drawing/2010/main" val="0"/>
+              </a:ext>
+            </a:extLst>
+          </a:blip>
+          <a:srcRect/>
+          <a:stretch>
+            <a:fillRect/>
+          </a:stretch>
+        </p:blipFill>
+        <p:spPr bwMode="auto">
+          <a:xfrm>
+            <a:off x="180653" y="2420888"/>
+            <a:ext cx="8826344" cy="3780695"/>
+          </a:xfrm>
+          <a:prstGeom prst="rect">
+            <a:avLst/>
+          </a:prstGeom>
+          <a:noFill/>
+          <a:ln>
+            <a:noFill/>
+          </a:ln>
+          <a:effectLst/>
+          <a:extLst>
+            <a:ext uri="{909E8E84-426E-40DD-AFC4-6F175D3DCCD1}">
+              <a14:hiddenFill xmlns:a14="http://schemas.microsoft.com/office/drawing/2010/main">
+                <a:solidFill>
+                  <a:schemeClr val="accent1"/>
+                </a:solidFill>
+              </a14:hiddenFill>
+            </a:ext>
+            <a:ext uri="{91240B29-F687-4F45-9708-019B960494DF}">
+              <a14:hiddenLine xmlns:a14="http://schemas.microsoft.com/office/drawing/2010/main" w="9525">
+                <a:solidFill>
+                  <a:schemeClr val="tx1"/>
+                </a:solidFill>
+                <a:miter lim="800000"/>
+                <a:headEnd/>
+                <a:tailEnd/>
+              </a14:hiddenLine>
+            </a:ext>
+            <a:ext uri="{AF507438-7753-43E0-B8FC-AC1667EBCBE1}">
+              <a14:hiddenEffects xmlns:a14="http://schemas.microsoft.com/office/drawing/2010/main">
+                <a:effectLst>
+                  <a:outerShdw dist="35921" dir="2700000" algn="ctr" rotWithShape="0">
+                    <a:schemeClr val="bg2"/>
+                  </a:outerShdw>
+                </a:effectLst>
+              </a14:hiddenEffects>
+            </a:ext>
+          </a:extLst>
+        </p:spPr>
+      </p:pic>
+      <p:sp>
+        <p:nvSpPr>
+          <p:cNvPr id="5" name="Объект 2"/>
+          <p:cNvSpPr>
+            <a:spLocks noGrp="1"/>
+          </p:cNvSpPr>
+          <p:nvPr>
+            <p:ph idx="1"/>
+          </p:nvPr>
+        </p:nvSpPr>
+        <p:spPr>
+          <a:xfrm>
+            <a:off x="477884" y="1628800"/>
+            <a:ext cx="8229600" cy="648073"/>
+          </a:xfrm>
+        </p:spPr>
+        <p:txBody>
+          <a:bodyPr>
+            <a:normAutofit/>
+          </a:bodyPr>
+          <a:lstStyle/>
+          <a:p>
+            <a:r>
+              <a:rPr lang="en-US" dirty="0" smtClean="0"/>
+              <a:t>Declarative user interface</a:t>
+            </a:r>
+          </a:p>
+        </p:txBody>
+      </p:sp>
+      <p:sp>
+        <p:nvSpPr>
+          <p:cNvPr id="8" name="Заголовок 1"/>
+          <p:cNvSpPr>
+            <a:spLocks noGrp="1"/>
+          </p:cNvSpPr>
+          <p:nvPr>
+            <p:ph type="title"/>
+          </p:nvPr>
+        </p:nvSpPr>
+        <p:spPr>
+          <a:xfrm>
+            <a:off x="0" y="274638"/>
+            <a:ext cx="9144000" cy="1143000"/>
+          </a:xfrm>
+        </p:spPr>
+        <p:txBody>
+          <a:bodyPr>
+            <a:normAutofit/>
+          </a:bodyPr>
+          <a:lstStyle/>
+          <a:p>
+            <a:r>
+              <a:rPr lang="en-US" dirty="0" smtClean="0"/>
+              <a:t>WPF XAML</a:t>
+            </a:r>
+            <a:endParaRPr lang="ru-RU" dirty="0"/>
+          </a:p>
+        </p:txBody>
+      </p:sp>
+      <p:pic>
+        <p:nvPicPr>
+          <p:cNvPr id="9221" name="Picture 5"/>
+          <p:cNvPicPr>
+            <a:picLocks noChangeAspect="1" noChangeArrowheads="1"/>
+          </p:cNvPicPr>
+          <p:nvPr/>
+        </p:nvPicPr>
+        <p:blipFill>
+          <a:blip r:embed="rId3">
+            <a:extLst>
+              <a:ext uri="{28A0092B-C50C-407E-A947-70E740481C1C}">
+                <a14:useLocalDpi xmlns:a14="http://schemas.microsoft.com/office/drawing/2010/main" val="0"/>
+              </a:ext>
+            </a:extLst>
+          </a:blip>
+          <a:srcRect/>
+          <a:stretch>
+            <a:fillRect/>
+          </a:stretch>
+        </p:blipFill>
+        <p:spPr bwMode="auto">
+          <a:xfrm>
+            <a:off x="2051720" y="260648"/>
+            <a:ext cx="1219200" cy="1219200"/>
+          </a:xfrm>
+          <a:prstGeom prst="rect">
+            <a:avLst/>
+          </a:prstGeom>
+          <a:noFill/>
+          <a:ln>
+            <a:noFill/>
+          </a:ln>
+          <a:effectLst/>
+          <a:extLst>
+            <a:ext uri="{909E8E84-426E-40DD-AFC4-6F175D3DCCD1}">
+              <a14:hiddenFill xmlns:a14="http://schemas.microsoft.com/office/drawing/2010/main">
+                <a:solidFill>
+                  <a:schemeClr val="accent1"/>
+                </a:solidFill>
+              </a14:hiddenFill>
+            </a:ext>
+            <a:ext uri="{91240B29-F687-4F45-9708-019B960494DF}">
+              <a14:hiddenLine xmlns:a14="http://schemas.microsoft.com/office/drawing/2010/main" w="9525">
+                <a:solidFill>
+                  <a:schemeClr val="tx1"/>
+                </a:solidFill>
+                <a:miter lim="800000"/>
+                <a:headEnd/>
+                <a:tailEnd/>
+              </a14:hiddenLine>
+            </a:ext>
+            <a:ext uri="{AF507438-7753-43E0-B8FC-AC1667EBCBE1}">
+              <a14:hiddenEffects xmlns:a14="http://schemas.microsoft.com/office/drawing/2010/main">
+                <a:effectLst>
+                  <a:outerShdw dist="35921" dir="2700000" algn="ctr" rotWithShape="0">
+                    <a:schemeClr val="bg2"/>
+                  </a:outerShdw>
+                </a:effectLst>
+              </a14:hiddenEffects>
+            </a:ext>
+          </a:extLst>
+        </p:spPr>
+      </p:pic>
+    </p:spTree>
+    <p:extLst>
+      <p:ext uri="{BB962C8B-B14F-4D97-AF65-F5344CB8AC3E}">
+        <p14:creationId xmlns:p14="http://schemas.microsoft.com/office/powerpoint/2010/main" val="3005272018"/>
+      </p:ext>
+    </p:extLst>
+  </p:cSld>
+  <p:clrMapOvr>
+    <a:masterClrMapping/>
+  </p:clrMapOvr>
+  <p:timing>
+    <p:tnLst>
+      <p:par>
+        <p:cTn id="1" dur="indefinite" restart="never" nodeType="tmRoot"/>
+      </p:par>
+    </p:tnLst>
+  </p:timing>
+</p:sld>
+</file>
+
+<file path=ppt/slides/slide9.xml><?xml version="1.0" encoding="utf-8"?>
+<p:sld xmlns:a="http://schemas.openxmlformats.org/drawingml/2006/main" xmlns:r="http://schemas.openxmlformats.org/officeDocument/2006/relationships" xmlns:p="http://schemas.openxmlformats.org/presentationml/2006/main">
+  <p:cSld>
+    <p:spTree>
+      <p:nvGrpSpPr>
+        <p:cNvPr id="1" name=""/>
+        <p:cNvGrpSpPr/>
+        <p:nvPr/>
+      </p:nvGrpSpPr>
+      <p:grpSpPr>
+        <a:xfrm>
+          <a:off x="0" y="0"/>
+          <a:ext cx="0" cy="0"/>
+          <a:chOff x="0" y="0"/>
+          <a:chExt cx="0" cy="0"/>
+        </a:xfrm>
+      </p:grpSpPr>
+      <p:sp>
+        <p:nvSpPr>
+          <p:cNvPr id="2" name="Заголовок 1"/>
+          <p:cNvSpPr>
+            <a:spLocks noGrp="1"/>
+          </p:cNvSpPr>
+          <p:nvPr>
+            <p:ph type="title"/>
+          </p:nvPr>
+        </p:nvSpPr>
+        <p:spPr>
+          <a:xfrm>
+            <a:off x="0" y="274638"/>
+            <a:ext cx="9144000" cy="1143000"/>
+          </a:xfrm>
+        </p:spPr>
+        <p:txBody>
+          <a:bodyPr>
+            <a:normAutofit/>
+          </a:bodyPr>
+          <a:lstStyle/>
+          <a:p>
+            <a:r>
+              <a:rPr lang="en-US" dirty="0" smtClean="0"/>
+              <a:t>WPF Data Binding</a:t>
+            </a:r>
+            <a:endParaRPr lang="ru-RU" dirty="0"/>
+          </a:p>
+        </p:txBody>
+      </p:sp>
+      <p:pic>
+        <p:nvPicPr>
+          <p:cNvPr id="8194" name="Picture 2"/>
+          <p:cNvPicPr>
+            <a:picLocks noGrp="1" noChangeAspect="1" noChangeArrowheads="1"/>
+          </p:cNvPicPr>
+          <p:nvPr>
+            <p:ph idx="1"/>
+          </p:nvPr>
+        </p:nvPicPr>
+        <p:blipFill>
+          <a:blip r:embed="rId2">
+            <a:extLst>
+              <a:ext uri="{28A0092B-C50C-407E-A947-70E740481C1C}">
+                <a14:useLocalDpi xmlns:a14="http://schemas.microsoft.com/office/drawing/2010/main" val="0"/>
+              </a:ext>
+            </a:extLst>
+          </a:blip>
+          <a:srcRect/>
+          <a:stretch>
+            <a:fillRect/>
+          </a:stretch>
+        </p:blipFill>
+        <p:spPr bwMode="auto">
+          <a:xfrm>
+            <a:off x="1763688" y="620688"/>
+            <a:ext cx="457264" cy="457264"/>
+          </a:xfrm>
+          <a:prstGeom prst="rect">
+            <a:avLst/>
+          </a:prstGeom>
+          <a:noFill/>
+          <a:ln>
+            <a:noFill/>
+          </a:ln>
+          <a:effectLst/>
+          <a:extLst>
+            <a:ext uri="{909E8E84-426E-40DD-AFC4-6F175D3DCCD1}">
+              <a14:hiddenFill xmlns:a14="http://schemas.microsoft.com/office/drawing/2010/main">
+                <a:solidFill>
+                  <a:schemeClr val="accent1"/>
+                </a:solidFill>
+              </a14:hiddenFill>
+            </a:ext>
+            <a:ext uri="{91240B29-F687-4F45-9708-019B960494DF}">
+              <a14:hiddenLine xmlns:a14="http://schemas.microsoft.com/office/drawing/2010/main" w="9525">
+                <a:solidFill>
+                  <a:schemeClr val="tx1"/>
+                </a:solidFill>
+                <a:miter lim="800000"/>
+                <a:headEnd/>
+                <a:tailEnd/>
+              </a14:hiddenLine>
+            </a:ext>
+            <a:ext uri="{AF507438-7753-43E0-B8FC-AC1667EBCBE1}">
+              <a14:hiddenEffects xmlns:a14="http://schemas.microsoft.com/office/drawing/2010/main">
+                <a:effectLst>
+                  <a:outerShdw dist="35921" dir="2700000" algn="ctr" rotWithShape="0">
+                    <a:schemeClr val="bg2"/>
+                  </a:outerShdw>
+                </a:effectLst>
+              </a14:hiddenEffects>
+            </a:ext>
+          </a:extLst>
+        </p:spPr>
+      </p:pic>
+      <p:sp>
+        <p:nvSpPr>
+          <p:cNvPr id="6" name="Прямоугольник 5"/>
+          <p:cNvSpPr/>
+          <p:nvPr/>
+        </p:nvSpPr>
+        <p:spPr>
+          <a:xfrm>
+            <a:off x="467544" y="1628800"/>
+            <a:ext cx="4572000" cy="1175706"/>
+          </a:xfrm>
+          <a:prstGeom prst="rect">
+            <a:avLst/>
+          </a:prstGeom>
+        </p:spPr>
+        <p:txBody>
+          <a:bodyPr>
+            <a:spAutoFit/>
+          </a:bodyPr>
+          <a:lstStyle/>
+          <a:p>
+            <a:pPr marL="342900" lvl="0" indent="-342900">
+              <a:spcBef>
+                <a:spcPct val="20000"/>
+              </a:spcBef>
+              <a:buFont typeface="Arial" pitchFamily="34" charset="0"/>
+              <a:buChar char="•"/>
+            </a:pPr>
+            <a:r>
+              <a:rPr lang="en-US" sz="3200" dirty="0">
+                <a:solidFill>
+                  <a:prstClr val="black"/>
+                </a:solidFill>
+              </a:rPr>
+              <a:t>Data binding</a:t>
+            </a:r>
+          </a:p>
+          <a:p>
+            <a:pPr marL="342900" lvl="0" indent="-342900">
+              <a:spcBef>
+                <a:spcPct val="20000"/>
+              </a:spcBef>
+              <a:buFont typeface="Arial" pitchFamily="34" charset="0"/>
+              <a:buChar char="•"/>
+            </a:pPr>
+            <a:r>
+              <a:rPr lang="en-US" sz="3200" dirty="0">
+                <a:solidFill>
+                  <a:prstClr val="black"/>
+                </a:solidFill>
+              </a:rPr>
+              <a:t>Dependency properties</a:t>
+            </a:r>
+            <a:endParaRPr lang="ru-RU" sz="3200" dirty="0">
+              <a:solidFill>
+                <a:prstClr val="black"/>
+              </a:solidFill>
+            </a:endParaRPr>
+          </a:p>
+        </p:txBody>
+      </p:sp>
+      <p:sp>
+        <p:nvSpPr>
+          <p:cNvPr id="8" name="Прямоугольник 7"/>
+          <p:cNvSpPr/>
+          <p:nvPr/>
+        </p:nvSpPr>
+        <p:spPr>
+          <a:xfrm>
+            <a:off x="533128" y="2867855"/>
+            <a:ext cx="8028384" cy="1477328"/>
+          </a:xfrm>
+          <a:prstGeom prst="rect">
+            <a:avLst/>
+          </a:prstGeom>
+          <a:noFill/>
+          <a:ln w="12700">
+            <a:noFill/>
+          </a:ln>
+        </p:spPr>
+        <p:txBody>
+          <a:bodyPr wrap="square">
+            <a:spAutoFit/>
+          </a:bodyPr>
+          <a:lstStyle/>
+          <a:p>
+            <a:r>
+              <a:rPr lang="en-GB" dirty="0">
+                <a:solidFill>
+                  <a:srgbClr val="0000FF"/>
+                </a:solidFill>
+                <a:highlight>
+                  <a:srgbClr val="FFFFFF"/>
+                </a:highlight>
+                <a:latin typeface="Consolas"/>
+              </a:rPr>
+              <a:t>public</a:t>
+            </a:r>
+            <a:r>
+              <a:rPr lang="en-GB" dirty="0">
+                <a:solidFill>
+                  <a:srgbClr val="000000"/>
+                </a:solidFill>
+                <a:highlight>
+                  <a:srgbClr val="FFFFFF"/>
+                </a:highlight>
+                <a:latin typeface="Consolas"/>
+              </a:rPr>
+              <a:t> </a:t>
+            </a:r>
+            <a:r>
+              <a:rPr lang="en-GB" dirty="0">
+                <a:solidFill>
+                  <a:srgbClr val="0000FF"/>
+                </a:solidFill>
+                <a:highlight>
+                  <a:srgbClr val="FFFFFF"/>
+                </a:highlight>
+                <a:latin typeface="Consolas"/>
+              </a:rPr>
+              <a:t>static</a:t>
+            </a:r>
+            <a:r>
+              <a:rPr lang="en-GB" dirty="0">
+                <a:solidFill>
+                  <a:srgbClr val="000000"/>
+                </a:solidFill>
+                <a:highlight>
+                  <a:srgbClr val="FFFFFF"/>
+                </a:highlight>
+                <a:latin typeface="Consolas"/>
+              </a:rPr>
+              <a:t> </a:t>
+            </a:r>
+            <a:r>
+              <a:rPr lang="en-GB" dirty="0" err="1">
+                <a:solidFill>
+                  <a:srgbClr val="0000FF"/>
+                </a:solidFill>
+                <a:highlight>
+                  <a:srgbClr val="FFFFFF"/>
+                </a:highlight>
+                <a:latin typeface="Consolas"/>
+              </a:rPr>
+              <a:t>readonly</a:t>
+            </a:r>
+            <a:r>
+              <a:rPr lang="en-GB" dirty="0">
+                <a:solidFill>
+                  <a:srgbClr val="000000"/>
+                </a:solidFill>
+                <a:highlight>
+                  <a:srgbClr val="FFFFFF"/>
+                </a:highlight>
+                <a:latin typeface="Consolas"/>
+              </a:rPr>
+              <a:t> </a:t>
+            </a:r>
+            <a:r>
+              <a:rPr lang="en-GB" dirty="0" err="1">
+                <a:solidFill>
+                  <a:srgbClr val="2B91AF"/>
+                </a:solidFill>
+                <a:highlight>
+                  <a:srgbClr val="FFFFFF"/>
+                </a:highlight>
+                <a:latin typeface="Consolas"/>
+              </a:rPr>
+              <a:t>DependencyProperty</a:t>
+            </a:r>
+            <a:r>
+              <a:rPr lang="en-GB" dirty="0">
+                <a:solidFill>
+                  <a:srgbClr val="000000"/>
+                </a:solidFill>
+                <a:highlight>
+                  <a:srgbClr val="FFFFFF"/>
+                </a:highlight>
+                <a:latin typeface="Consolas"/>
+              </a:rPr>
+              <a:t> </a:t>
+            </a:r>
+            <a:r>
+              <a:rPr lang="en-GB" dirty="0" err="1">
+                <a:solidFill>
+                  <a:srgbClr val="000000"/>
+                </a:solidFill>
+                <a:highlight>
+                  <a:srgbClr val="FFFFFF"/>
+                </a:highlight>
+                <a:latin typeface="Consolas"/>
+              </a:rPr>
+              <a:t>LinkPointXProperty</a:t>
+            </a:r>
+            <a:r>
+              <a:rPr lang="en-GB" dirty="0">
+                <a:solidFill>
+                  <a:srgbClr val="000000"/>
+                </a:solidFill>
+                <a:highlight>
+                  <a:srgbClr val="FFFFFF"/>
+                </a:highlight>
+                <a:latin typeface="Consolas"/>
+              </a:rPr>
+              <a:t> </a:t>
+            </a:r>
+            <a:r>
+              <a:rPr lang="en-GB" dirty="0" smtClean="0">
+                <a:solidFill>
+                  <a:srgbClr val="000000"/>
+                </a:solidFill>
+                <a:highlight>
+                  <a:srgbClr val="FFFFFF"/>
+                </a:highlight>
+                <a:latin typeface="Consolas"/>
+              </a:rPr>
+              <a:t>=</a:t>
+            </a:r>
+          </a:p>
+          <a:p>
+            <a:r>
+              <a:rPr lang="en-GB" dirty="0" smtClean="0">
+                <a:solidFill>
+                  <a:srgbClr val="2B91AF"/>
+                </a:solidFill>
+                <a:highlight>
+                  <a:srgbClr val="FFFFFF"/>
+                </a:highlight>
+                <a:latin typeface="Consolas"/>
+              </a:rPr>
+              <a:t>	</a:t>
+            </a:r>
+            <a:r>
+              <a:rPr lang="en-GB" dirty="0" err="1" smtClean="0">
+                <a:solidFill>
+                  <a:srgbClr val="2B91AF"/>
+                </a:solidFill>
+                <a:highlight>
+                  <a:srgbClr val="FFFFFF"/>
+                </a:highlight>
+                <a:latin typeface="Consolas"/>
+              </a:rPr>
+              <a:t>DependencyProperty</a:t>
+            </a:r>
+            <a:r>
+              <a:rPr lang="en-GB" dirty="0" err="1" smtClean="0">
+                <a:solidFill>
+                  <a:srgbClr val="000000"/>
+                </a:solidFill>
+                <a:highlight>
+                  <a:srgbClr val="FFFFFF"/>
+                </a:highlight>
+                <a:latin typeface="Consolas"/>
+              </a:rPr>
+              <a:t>.Register</a:t>
+            </a:r>
+            <a:r>
+              <a:rPr lang="en-GB" dirty="0" smtClean="0">
+                <a:solidFill>
+                  <a:srgbClr val="000000"/>
+                </a:solidFill>
+                <a:highlight>
+                  <a:srgbClr val="FFFFFF"/>
+                </a:highlight>
+                <a:latin typeface="Consolas"/>
+              </a:rPr>
+              <a:t>(</a:t>
+            </a:r>
+          </a:p>
+          <a:p>
+            <a:r>
+              <a:rPr lang="en-GB" dirty="0">
+                <a:solidFill>
+                  <a:srgbClr val="000000"/>
+                </a:solidFill>
+                <a:highlight>
+                  <a:srgbClr val="FFFFFF"/>
+                </a:highlight>
+                <a:latin typeface="Consolas"/>
+              </a:rPr>
+              <a:t>	</a:t>
+            </a:r>
+            <a:r>
+              <a:rPr lang="en-GB" dirty="0" smtClean="0">
+                <a:solidFill>
+                  <a:srgbClr val="000000"/>
+                </a:solidFill>
+                <a:highlight>
+                  <a:srgbClr val="FFFFFF"/>
+                </a:highlight>
+                <a:latin typeface="Consolas"/>
+              </a:rPr>
+              <a:t>	</a:t>
+            </a:r>
+            <a:r>
+              <a:rPr lang="en-GB" dirty="0" smtClean="0">
+                <a:solidFill>
+                  <a:srgbClr val="A31515"/>
+                </a:solidFill>
+                <a:highlight>
+                  <a:srgbClr val="FFFFFF"/>
+                </a:highlight>
+                <a:latin typeface="Consolas"/>
+              </a:rPr>
+              <a:t>"</a:t>
+            </a:r>
+            <a:r>
+              <a:rPr lang="en-GB" dirty="0" err="1">
+                <a:solidFill>
+                  <a:srgbClr val="A31515"/>
+                </a:solidFill>
+                <a:highlight>
+                  <a:srgbClr val="FFFFFF"/>
+                </a:highlight>
+                <a:latin typeface="Consolas"/>
+              </a:rPr>
+              <a:t>LinkPointX</a:t>
+            </a:r>
+            <a:r>
+              <a:rPr lang="en-GB" dirty="0">
+                <a:solidFill>
+                  <a:srgbClr val="A31515"/>
+                </a:solidFill>
+                <a:highlight>
+                  <a:srgbClr val="FFFFFF"/>
+                </a:highlight>
+                <a:latin typeface="Consolas"/>
+              </a:rPr>
+              <a:t>"</a:t>
+            </a:r>
+            <a:r>
+              <a:rPr lang="en-GB" dirty="0">
+                <a:solidFill>
+                  <a:srgbClr val="000000"/>
+                </a:solidFill>
+                <a:highlight>
+                  <a:srgbClr val="FFFFFF"/>
+                </a:highlight>
+                <a:latin typeface="Consolas"/>
+              </a:rPr>
+              <a:t>, </a:t>
+            </a:r>
+            <a:endParaRPr lang="en-GB" dirty="0" smtClean="0">
+              <a:solidFill>
+                <a:srgbClr val="000000"/>
+              </a:solidFill>
+              <a:highlight>
+                <a:srgbClr val="FFFFFF"/>
+              </a:highlight>
+              <a:latin typeface="Consolas"/>
+            </a:endParaRPr>
+          </a:p>
+          <a:p>
+            <a:r>
+              <a:rPr lang="en-GB" dirty="0">
+                <a:solidFill>
+                  <a:srgbClr val="000000"/>
+                </a:solidFill>
+                <a:highlight>
+                  <a:srgbClr val="FFFFFF"/>
+                </a:highlight>
+                <a:latin typeface="Consolas"/>
+              </a:rPr>
+              <a:t>	</a:t>
+            </a:r>
+            <a:r>
+              <a:rPr lang="en-GB" dirty="0" smtClean="0">
+                <a:solidFill>
+                  <a:srgbClr val="000000"/>
+                </a:solidFill>
+                <a:highlight>
+                  <a:srgbClr val="FFFFFF"/>
+                </a:highlight>
+                <a:latin typeface="Consolas"/>
+              </a:rPr>
+              <a:t>	</a:t>
+            </a:r>
+            <a:r>
+              <a:rPr lang="en-GB" dirty="0" err="1" smtClean="0">
+                <a:solidFill>
+                  <a:srgbClr val="0000FF"/>
+                </a:solidFill>
+                <a:highlight>
+                  <a:srgbClr val="FFFFFF"/>
+                </a:highlight>
+                <a:latin typeface="Consolas"/>
+              </a:rPr>
+              <a:t>typeof</a:t>
+            </a:r>
+            <a:r>
+              <a:rPr lang="en-GB" dirty="0" smtClean="0">
+                <a:solidFill>
+                  <a:srgbClr val="000000"/>
+                </a:solidFill>
+                <a:highlight>
+                  <a:srgbClr val="FFFFFF"/>
+                </a:highlight>
+                <a:latin typeface="Consolas"/>
+              </a:rPr>
+              <a:t>(</a:t>
+            </a:r>
+            <a:r>
+              <a:rPr lang="en-GB" dirty="0" smtClean="0">
+                <a:solidFill>
+                  <a:srgbClr val="0000FF"/>
+                </a:solidFill>
+                <a:highlight>
+                  <a:srgbClr val="FFFFFF"/>
+                </a:highlight>
+                <a:latin typeface="Consolas"/>
+              </a:rPr>
+              <a:t>double</a:t>
+            </a:r>
+            <a:r>
+              <a:rPr lang="en-GB" dirty="0">
+                <a:solidFill>
+                  <a:srgbClr val="000000"/>
+                </a:solidFill>
+                <a:highlight>
+                  <a:srgbClr val="FFFFFF"/>
+                </a:highlight>
+                <a:latin typeface="Consolas"/>
+              </a:rPr>
+              <a:t>), </a:t>
+            </a:r>
+            <a:endParaRPr lang="en-GB" dirty="0" smtClean="0">
+              <a:solidFill>
+                <a:srgbClr val="000000"/>
+              </a:solidFill>
+              <a:highlight>
+                <a:srgbClr val="FFFFFF"/>
+              </a:highlight>
+              <a:latin typeface="Consolas"/>
+            </a:endParaRPr>
+          </a:p>
+          <a:p>
+            <a:r>
+              <a:rPr lang="en-GB" dirty="0">
+                <a:solidFill>
+                  <a:srgbClr val="000000"/>
+                </a:solidFill>
+                <a:highlight>
+                  <a:srgbClr val="FFFFFF"/>
+                </a:highlight>
+                <a:latin typeface="Consolas"/>
+              </a:rPr>
+              <a:t>	</a:t>
+            </a:r>
+            <a:r>
+              <a:rPr lang="en-GB" dirty="0" smtClean="0">
+                <a:solidFill>
+                  <a:srgbClr val="000000"/>
+                </a:solidFill>
+                <a:highlight>
+                  <a:srgbClr val="FFFFFF"/>
+                </a:highlight>
+                <a:latin typeface="Consolas"/>
+              </a:rPr>
+              <a:t>	</a:t>
+            </a:r>
+            <a:r>
+              <a:rPr lang="en-GB" dirty="0" err="1" smtClean="0">
+                <a:solidFill>
+                  <a:srgbClr val="0000FF"/>
+                </a:solidFill>
+                <a:highlight>
+                  <a:srgbClr val="FFFFFF"/>
+                </a:highlight>
+                <a:latin typeface="Consolas"/>
+              </a:rPr>
+              <a:t>typeof</a:t>
+            </a:r>
+            <a:r>
+              <a:rPr lang="en-GB" dirty="0" smtClean="0">
+                <a:solidFill>
+                  <a:srgbClr val="000000"/>
+                </a:solidFill>
+                <a:highlight>
+                  <a:srgbClr val="FFFFFF"/>
+                </a:highlight>
+                <a:latin typeface="Consolas"/>
+              </a:rPr>
+              <a:t>(</a:t>
+            </a:r>
+            <a:r>
+              <a:rPr lang="en-GB" dirty="0" err="1" smtClean="0">
+                <a:solidFill>
+                  <a:srgbClr val="2B91AF"/>
+                </a:solidFill>
+                <a:highlight>
+                  <a:srgbClr val="FFFFFF"/>
+                </a:highlight>
+                <a:latin typeface="Consolas"/>
+              </a:rPr>
+              <a:t>NodeControl</a:t>
+            </a:r>
+            <a:r>
+              <a:rPr lang="en-GB" dirty="0">
+                <a:solidFill>
+                  <a:srgbClr val="000000"/>
+                </a:solidFill>
+                <a:highlight>
+                  <a:srgbClr val="FFFFFF"/>
+                </a:highlight>
+                <a:latin typeface="Consolas"/>
+              </a:rPr>
+              <a:t>));</a:t>
+            </a:r>
+          </a:p>
+        </p:txBody>
+      </p:sp>
+      <p:sp>
+        <p:nvSpPr>
+          <p:cNvPr id="10" name="Прямоугольник 9"/>
+          <p:cNvSpPr/>
+          <p:nvPr/>
+        </p:nvSpPr>
+        <p:spPr>
+          <a:xfrm>
+            <a:off x="539552" y="4838282"/>
+            <a:ext cx="8028384" cy="369332"/>
+          </a:xfrm>
+          <a:prstGeom prst="rect">
+            <a:avLst/>
+          </a:prstGeom>
+          <a:ln>
+            <a:noFill/>
+          </a:ln>
+        </p:spPr>
+        <p:txBody>
+          <a:bodyPr wrap="square">
+            <a:spAutoFit/>
+          </a:bodyPr>
+          <a:lstStyle/>
+          <a:p>
+            <a:r>
+              <a:rPr lang="en-GB" dirty="0">
+                <a:solidFill>
+                  <a:srgbClr val="0000FF"/>
+                </a:solidFill>
+                <a:highlight>
+                  <a:srgbClr val="FFFFFF"/>
+                </a:highlight>
+                <a:latin typeface="Consolas"/>
+              </a:rPr>
+              <a:t>return</a:t>
+            </a:r>
+            <a:r>
+              <a:rPr lang="en-GB" dirty="0">
+                <a:solidFill>
+                  <a:srgbClr val="000000"/>
+                </a:solidFill>
+                <a:highlight>
+                  <a:srgbClr val="FFFFFF"/>
+                </a:highlight>
+                <a:latin typeface="Consolas"/>
+              </a:rPr>
+              <a:t> (</a:t>
+            </a:r>
+            <a:r>
+              <a:rPr lang="en-GB" dirty="0">
+                <a:solidFill>
+                  <a:srgbClr val="0000FF"/>
+                </a:solidFill>
+                <a:highlight>
+                  <a:srgbClr val="FFFFFF"/>
+                </a:highlight>
+                <a:latin typeface="Consolas"/>
+              </a:rPr>
+              <a:t>double</a:t>
+            </a:r>
+            <a:r>
+              <a:rPr lang="en-GB" dirty="0">
+                <a:solidFill>
+                  <a:srgbClr val="000000"/>
+                </a:solidFill>
+                <a:highlight>
+                  <a:srgbClr val="FFFFFF"/>
+                </a:highlight>
+                <a:latin typeface="Consolas"/>
+              </a:rPr>
+              <a:t>)</a:t>
+            </a:r>
+            <a:r>
+              <a:rPr lang="en-GB" dirty="0" err="1">
+                <a:solidFill>
+                  <a:srgbClr val="0000FF"/>
+                </a:solidFill>
+                <a:highlight>
+                  <a:srgbClr val="FFFFFF"/>
+                </a:highlight>
+                <a:latin typeface="Consolas"/>
+              </a:rPr>
+              <a:t>this</a:t>
+            </a:r>
+            <a:r>
+              <a:rPr lang="en-GB" dirty="0" err="1">
+                <a:solidFill>
+                  <a:srgbClr val="000000"/>
+                </a:solidFill>
+                <a:highlight>
+                  <a:srgbClr val="FFFFFF"/>
+                </a:highlight>
+                <a:latin typeface="Consolas"/>
+              </a:rPr>
+              <a:t>.GetValue</a:t>
+            </a:r>
+            <a:r>
+              <a:rPr lang="en-GB" dirty="0">
+                <a:solidFill>
+                  <a:srgbClr val="000000"/>
+                </a:solidFill>
+                <a:highlight>
+                  <a:srgbClr val="FFFFFF"/>
+                </a:highlight>
+                <a:latin typeface="Consolas"/>
+              </a:rPr>
+              <a:t>(</a:t>
+            </a:r>
+            <a:r>
+              <a:rPr lang="en-GB" dirty="0" err="1">
+                <a:solidFill>
+                  <a:srgbClr val="000000"/>
+                </a:solidFill>
+                <a:highlight>
+                  <a:srgbClr val="FFFFFF"/>
+                </a:highlight>
+                <a:latin typeface="Consolas"/>
+              </a:rPr>
+              <a:t>LinkPointXProperty</a:t>
+            </a:r>
+            <a:r>
+              <a:rPr lang="en-GB" dirty="0">
+                <a:solidFill>
+                  <a:srgbClr val="000000"/>
+                </a:solidFill>
+                <a:highlight>
+                  <a:srgbClr val="FFFFFF"/>
+                </a:highlight>
+                <a:latin typeface="Consolas"/>
+              </a:rPr>
+              <a:t>);</a:t>
+            </a:r>
+          </a:p>
+        </p:txBody>
+      </p:sp>
+      <p:pic>
+        <p:nvPicPr>
+          <p:cNvPr id="8198" name="Picture 6"/>
+          <p:cNvPicPr>
+            <a:picLocks noChangeAspect="1" noChangeArrowheads="1"/>
+          </p:cNvPicPr>
+          <p:nvPr/>
+        </p:nvPicPr>
+        <p:blipFill>
+          <a:blip r:embed="rId3">
+            <a:extLst>
+              <a:ext uri="{28A0092B-C50C-407E-A947-70E740481C1C}">
+                <a14:useLocalDpi xmlns:a14="http://schemas.microsoft.com/office/drawing/2010/main" val="0"/>
+              </a:ext>
+            </a:extLst>
+          </a:blip>
+          <a:srcRect/>
+          <a:stretch>
+            <a:fillRect/>
+          </a:stretch>
+        </p:blipFill>
+        <p:spPr bwMode="auto">
+          <a:xfrm>
+            <a:off x="562894" y="4381082"/>
+            <a:ext cx="457200" cy="457200"/>
+          </a:xfrm>
+          <a:prstGeom prst="rect">
+            <a:avLst/>
+          </a:prstGeom>
+          <a:noFill/>
+          <a:ln>
+            <a:noFill/>
+          </a:ln>
+          <a:effectLst/>
+          <a:extLst>
+            <a:ext uri="{909E8E84-426E-40DD-AFC4-6F175D3DCCD1}">
+              <a14:hiddenFill xmlns:a14="http://schemas.microsoft.com/office/drawing/2010/main">
+                <a:solidFill>
+                  <a:schemeClr val="accent1"/>
+                </a:solidFill>
+              </a14:hiddenFill>
+            </a:ext>
+            <a:ext uri="{91240B29-F687-4F45-9708-019B960494DF}">
+              <a14:hiddenLine xmlns:a14="http://schemas.microsoft.com/office/drawing/2010/main" w="9525">
+                <a:solidFill>
+                  <a:schemeClr val="tx1"/>
+                </a:solidFill>
+                <a:miter lim="800000"/>
+                <a:headEnd/>
+                <a:tailEnd/>
+              </a14:hiddenLine>
+            </a:ext>
+            <a:ext uri="{AF507438-7753-43E0-B8FC-AC1667EBCBE1}">
+              <a14:hiddenEffects xmlns:a14="http://schemas.microsoft.com/office/drawing/2010/main">
+                <a:effectLst>
+                  <a:outerShdw dist="35921" dir="2700000" algn="ctr" rotWithShape="0">
+                    <a:schemeClr val="bg2"/>
+                  </a:outerShdw>
+                </a:effectLst>
+              </a14:hiddenEffects>
+            </a:ext>
+          </a:extLst>
+        </p:spPr>
+      </p:pic>
+      <p:sp>
+        <p:nvSpPr>
+          <p:cNvPr id="12" name="Прямоугольник 11"/>
+          <p:cNvSpPr/>
+          <p:nvPr/>
+        </p:nvSpPr>
+        <p:spPr>
+          <a:xfrm>
+            <a:off x="533128" y="5701898"/>
+            <a:ext cx="8604449" cy="369332"/>
+          </a:xfrm>
+          <a:prstGeom prst="rect">
+            <a:avLst/>
+          </a:prstGeom>
+        </p:spPr>
+        <p:txBody>
+          <a:bodyPr wrap="square">
+            <a:spAutoFit/>
+          </a:bodyPr>
+          <a:lstStyle/>
+          <a:p>
+            <a:r>
+              <a:rPr lang="en-US" dirty="0" err="1">
+                <a:solidFill>
+                  <a:srgbClr val="0000FF"/>
+                </a:solidFill>
+                <a:highlight>
+                  <a:srgbClr val="FFFFFF"/>
+                </a:highlight>
+                <a:latin typeface="Consolas"/>
+              </a:rPr>
+              <a:t>var</a:t>
+            </a:r>
+            <a:r>
+              <a:rPr lang="en-US" dirty="0">
+                <a:solidFill>
+                  <a:srgbClr val="000000"/>
+                </a:solidFill>
+                <a:highlight>
+                  <a:srgbClr val="FFFFFF"/>
+                </a:highlight>
+                <a:latin typeface="Consolas"/>
+              </a:rPr>
+              <a:t> left = </a:t>
+            </a:r>
+            <a:r>
+              <a:rPr lang="en-US" dirty="0">
+                <a:solidFill>
+                  <a:srgbClr val="0000FF"/>
+                </a:solidFill>
+                <a:highlight>
+                  <a:srgbClr val="FFFFFF"/>
+                </a:highlight>
+                <a:latin typeface="Consolas"/>
+              </a:rPr>
+              <a:t>new</a:t>
+            </a:r>
+            <a:r>
+              <a:rPr lang="en-US" dirty="0">
+                <a:solidFill>
+                  <a:srgbClr val="000000"/>
+                </a:solidFill>
+                <a:highlight>
+                  <a:srgbClr val="FFFFFF"/>
+                </a:highlight>
+                <a:latin typeface="Consolas"/>
+              </a:rPr>
+              <a:t> </a:t>
+            </a:r>
+            <a:r>
+              <a:rPr lang="en-US" dirty="0" err="1">
+                <a:solidFill>
+                  <a:srgbClr val="2B91AF"/>
+                </a:solidFill>
+                <a:highlight>
+                  <a:srgbClr val="FFFFFF"/>
+                </a:highlight>
+                <a:latin typeface="Consolas"/>
+              </a:rPr>
+              <a:t>PropertyChangeNotifier</a:t>
+            </a:r>
+            <a:r>
+              <a:rPr lang="en-US" dirty="0">
+                <a:solidFill>
+                  <a:srgbClr val="000000"/>
+                </a:solidFill>
+                <a:highlight>
+                  <a:srgbClr val="FFFFFF"/>
+                </a:highlight>
+                <a:latin typeface="Consolas"/>
+              </a:rPr>
+              <a:t>(</a:t>
+            </a:r>
+            <a:r>
+              <a:rPr lang="en-US" dirty="0">
+                <a:solidFill>
+                  <a:srgbClr val="0000FF"/>
+                </a:solidFill>
+                <a:highlight>
+                  <a:srgbClr val="FFFFFF"/>
+                </a:highlight>
+                <a:latin typeface="Consolas"/>
+              </a:rPr>
+              <a:t>this</a:t>
+            </a:r>
+            <a:r>
+              <a:rPr lang="en-US" dirty="0">
+                <a:solidFill>
+                  <a:srgbClr val="000000"/>
+                </a:solidFill>
+                <a:highlight>
+                  <a:srgbClr val="FFFFFF"/>
+                </a:highlight>
+                <a:latin typeface="Consolas"/>
+              </a:rPr>
+              <a:t>, </a:t>
+            </a:r>
+            <a:r>
+              <a:rPr lang="en-US" dirty="0" err="1">
+                <a:solidFill>
+                  <a:srgbClr val="2B91AF"/>
+                </a:solidFill>
+                <a:highlight>
+                  <a:srgbClr val="FFFFFF"/>
+                </a:highlight>
+                <a:latin typeface="Consolas"/>
+              </a:rPr>
+              <a:t>Canvas</a:t>
+            </a:r>
+            <a:r>
+              <a:rPr lang="en-US" dirty="0" err="1">
+                <a:solidFill>
+                  <a:srgbClr val="000000"/>
+                </a:solidFill>
+                <a:highlight>
+                  <a:srgbClr val="FFFFFF"/>
+                </a:highlight>
+                <a:latin typeface="Consolas"/>
+              </a:rPr>
+              <a:t>.LeftProperty</a:t>
+            </a:r>
+            <a:r>
+              <a:rPr lang="en-US" dirty="0">
+                <a:solidFill>
+                  <a:srgbClr val="000000"/>
+                </a:solidFill>
+                <a:highlight>
+                  <a:srgbClr val="FFFFFF"/>
+                </a:highlight>
+                <a:latin typeface="Consolas"/>
+              </a:rPr>
+              <a:t>);</a:t>
+            </a:r>
+            <a:endParaRPr lang="ru-RU" dirty="0"/>
+          </a:p>
+        </p:txBody>
+      </p:sp>
+      <p:pic>
+        <p:nvPicPr>
+          <p:cNvPr id="18" name="Picture 6"/>
+          <p:cNvPicPr>
+            <a:picLocks noChangeAspect="1" noChangeArrowheads="1"/>
+          </p:cNvPicPr>
+          <p:nvPr/>
+        </p:nvPicPr>
+        <p:blipFill>
+          <a:blip r:embed="rId3">
+            <a:extLst>
+              <a:ext uri="{28A0092B-C50C-407E-A947-70E740481C1C}">
+                <a14:useLocalDpi xmlns:a14="http://schemas.microsoft.com/office/drawing/2010/main" val="0"/>
+              </a:ext>
+            </a:extLst>
+          </a:blip>
+          <a:srcRect/>
+          <a:stretch>
+            <a:fillRect/>
+          </a:stretch>
+        </p:blipFill>
+        <p:spPr bwMode="auto">
+          <a:xfrm>
+            <a:off x="562894" y="5207614"/>
+            <a:ext cx="457200" cy="457200"/>
+          </a:xfrm>
+          <a:prstGeom prst="rect">
+            <a:avLst/>
+          </a:prstGeom>
+          <a:noFill/>
+          <a:ln>
+            <a:noFill/>
+          </a:ln>
+          <a:effectLst/>
+          <a:extLst>
+            <a:ext uri="{909E8E84-426E-40DD-AFC4-6F175D3DCCD1}">
+              <a14:hiddenFill xmlns:a14="http://schemas.microsoft.com/office/drawing/2010/main">
+                <a:solidFill>
+                  <a:schemeClr val="accent1"/>
+                </a:solidFill>
+              </a14:hiddenFill>
+            </a:ext>
+            <a:ext uri="{91240B29-F687-4F45-9708-019B960494DF}">
+              <a14:hiddenLine xmlns:a14="http://schemas.microsoft.com/office/drawing/2010/main" w="9525">
+                <a:solidFill>
+                  <a:schemeClr val="tx1"/>
+                </a:solidFill>
+                <a:miter lim="800000"/>
+                <a:headEnd/>
+                <a:tailEnd/>
+              </a14:hiddenLine>
+            </a:ext>
+            <a:ext uri="{AF507438-7753-43E0-B8FC-AC1667EBCBE1}">
+              <a14:hiddenEffects xmlns:a14="http://schemas.microsoft.com/office/drawing/2010/main">
+                <a:effectLst>
+                  <a:outerShdw dist="35921" dir="2700000" algn="ctr" rotWithShape="0">
+                    <a:schemeClr val="bg2"/>
+                  </a:outerShdw>
+                </a:effectLst>
+              </a14:hiddenEffects>
+            </a:ext>
+          </a:extLst>
+        </p:spPr>
+      </p:pic>
+    </p:spTree>
+    <p:extLst>
+      <p:ext uri="{BB962C8B-B14F-4D97-AF65-F5344CB8AC3E}">
+        <p14:creationId xmlns:p14="http://schemas.microsoft.com/office/powerpoint/2010/main" val="2720123040"/>
+      </p:ext>
+    </p:extLst>
+  </p:cSld>
+  <p:clrMapOvr>
+    <a:masterClrMapping/>
+  </p:clrMapOvr>
   <p:timing>
     <p:tnLst>
       <p:par>

--- a/Documentation/coursetion.pptx
+++ b/Documentation/coursetion.pptx
@@ -15,6 +15,7 @@
     <p:sldId id="264" r:id="rId9"/>
     <p:sldId id="263" r:id="rId10"/>
     <p:sldId id="265" r:id="rId11"/>
+    <p:sldId id="266" r:id="rId12"/>
   </p:sldIdLst>
   <p:sldSz cx="9144000" cy="6858000" type="screen4x3"/>
   <p:notesSz cx="6858000" cy="9144000"/>
@@ -128,6 +129,7 @@
             <p14:sldId id="264"/>
             <p14:sldId id="263"/>
             <p14:sldId id="265"/>
+            <p14:sldId id="266"/>
           </p14:sldIdLst>
         </p14:section>
       </p14:sectionLst>
@@ -3966,7 +3968,7 @@
         <p:spPr>
           <a:xfrm>
             <a:off x="0" y="4479975"/>
-            <a:ext cx="8244408" cy="2062103"/>
+            <a:ext cx="8244408" cy="1323439"/>
           </a:xfrm>
           <a:prstGeom prst="rect">
             <a:avLst/>
@@ -4135,7 +4137,7 @@
           </a:p>
           <a:p>
             <a:r>
-              <a:rPr lang="en-US" sz="1600" dirty="0" smtClean="0">
+              <a:rPr lang="en-GB" sz="1600" dirty="0" smtClean="0">
                 <a:solidFill>
                   <a:srgbClr val="000000"/>
                 </a:solidFill>
@@ -4144,10 +4146,10 @@
                 </a:highlight>
                 <a:latin typeface="Consolas"/>
               </a:rPr>
-              <a:t>	</a:t>
-            </a:r>
-            <a:r>
-              <a:rPr lang="ru-RU" sz="1600" dirty="0" smtClean="0">
+              <a:t>		</a:t>
+            </a:r>
+            <a:r>
+              <a:rPr lang="en-GB" sz="1600" dirty="0" err="1" smtClean="0">
                 <a:solidFill>
                   <a:srgbClr val="000000"/>
                 </a:solidFill>
@@ -4156,19 +4158,8 @@
                 </a:highlight>
                 <a:latin typeface="Consolas"/>
               </a:rPr>
-              <a:t>{</a:t>
-            </a:r>
-            <a:endParaRPr lang="ru-RU" sz="1600" dirty="0">
-              <a:solidFill>
-                <a:srgbClr val="000000"/>
-              </a:solidFill>
-              <a:highlight>
-                <a:srgbClr val="FFFFFF"/>
-              </a:highlight>
-              <a:latin typeface="Consolas"/>
-            </a:endParaRPr>
-          </a:p>
-          <a:p>
+              <a:t>element.SetValue</a:t>
+            </a:r>
             <a:r>
               <a:rPr lang="en-GB" sz="1600" dirty="0" smtClean="0">
                 <a:solidFill>
@@ -4179,7 +4170,7 @@
                 </a:highlight>
                 <a:latin typeface="Consolas"/>
               </a:rPr>
-              <a:t>		</a:t>
+              <a:t>(</a:t>
             </a:r>
             <a:r>
               <a:rPr lang="en-GB" sz="1600" dirty="0" err="1" smtClean="0">
@@ -4191,7 +4182,43 @@
                 </a:highlight>
                 <a:latin typeface="Consolas"/>
               </a:rPr>
-              <a:t>element.SetValue</a:t>
+              <a:t>IdProperty</a:t>
+            </a:r>
+            <a:r>
+              <a:rPr lang="en-GB" sz="1600" dirty="0">
+                <a:solidFill>
+                  <a:srgbClr val="000000"/>
+                </a:solidFill>
+                <a:highlight>
+                  <a:srgbClr val="FFFFFF"/>
+                </a:highlight>
+                <a:latin typeface="Consolas"/>
+              </a:rPr>
+              <a:t>, </a:t>
+            </a:r>
+            <a:r>
+              <a:rPr lang="en-GB" sz="1600" dirty="0" err="1">
+                <a:solidFill>
+                  <a:srgbClr val="000000"/>
+                </a:solidFill>
+                <a:highlight>
+                  <a:srgbClr val="FFFFFF"/>
+                </a:highlight>
+                <a:latin typeface="Consolas"/>
+              </a:rPr>
+              <a:t>GetNewId</a:t>
+            </a:r>
+            <a:r>
+              <a:rPr lang="en-GB" sz="1600" dirty="0">
+                <a:solidFill>
+                  <a:srgbClr val="000000"/>
+                </a:solidFill>
+                <a:highlight>
+                  <a:srgbClr val="FFFFFF"/>
+                </a:highlight>
+                <a:latin typeface="Consolas"/>
+              </a:rPr>
+              <a:t>(element</a:t>
             </a:r>
             <a:r>
               <a:rPr lang="en-GB" sz="1600" dirty="0" smtClean="0">
@@ -4203,169 +4230,9 @@
                 </a:highlight>
                 <a:latin typeface="Consolas"/>
               </a:rPr>
-              <a:t>(</a:t>
-            </a:r>
-            <a:r>
-              <a:rPr lang="en-GB" sz="1600" dirty="0" err="1" smtClean="0">
-                <a:solidFill>
-                  <a:srgbClr val="000000"/>
-                </a:solidFill>
-                <a:highlight>
-                  <a:srgbClr val="FFFFFF"/>
-                </a:highlight>
-                <a:latin typeface="Consolas"/>
-              </a:rPr>
-              <a:t>IdProperty</a:t>
-            </a:r>
-            <a:r>
-              <a:rPr lang="en-GB" sz="1600" dirty="0">
-                <a:solidFill>
-                  <a:srgbClr val="000000"/>
-                </a:solidFill>
-                <a:highlight>
-                  <a:srgbClr val="FFFFFF"/>
-                </a:highlight>
-                <a:latin typeface="Consolas"/>
-              </a:rPr>
-              <a:t>, </a:t>
-            </a:r>
-            <a:r>
-              <a:rPr lang="en-GB" sz="1600" dirty="0" err="1">
-                <a:solidFill>
-                  <a:srgbClr val="000000"/>
-                </a:solidFill>
-                <a:highlight>
-                  <a:srgbClr val="FFFFFF"/>
-                </a:highlight>
-                <a:latin typeface="Consolas"/>
-              </a:rPr>
-              <a:t>GetNewId</a:t>
-            </a:r>
-            <a:r>
-              <a:rPr lang="en-GB" sz="1600" dirty="0">
-                <a:solidFill>
-                  <a:srgbClr val="000000"/>
-                </a:solidFill>
-                <a:highlight>
-                  <a:srgbClr val="FFFFFF"/>
-                </a:highlight>
-                <a:latin typeface="Consolas"/>
-              </a:rPr>
-              <a:t>(element));</a:t>
-            </a:r>
-          </a:p>
-          <a:p>
-            <a:r>
-              <a:rPr lang="en-GB" sz="1600" dirty="0" smtClean="0">
-                <a:solidFill>
-                  <a:srgbClr val="2B91AF"/>
-                </a:solidFill>
-                <a:highlight>
-                  <a:srgbClr val="FFFFFF"/>
-                </a:highlight>
-                <a:latin typeface="Consolas"/>
-              </a:rPr>
-              <a:t>		</a:t>
-            </a:r>
-            <a:r>
-              <a:rPr lang="en-GB" sz="1600" dirty="0" err="1" smtClean="0">
-                <a:solidFill>
-                  <a:srgbClr val="2B91AF"/>
-                </a:solidFill>
-                <a:highlight>
-                  <a:srgbClr val="FFFFFF"/>
-                </a:highlight>
-                <a:latin typeface="Consolas"/>
-              </a:rPr>
-              <a:t>Console</a:t>
-            </a:r>
-            <a:r>
-              <a:rPr lang="en-GB" sz="1600" dirty="0" err="1" smtClean="0">
-                <a:solidFill>
-                  <a:srgbClr val="000000"/>
-                </a:solidFill>
-                <a:highlight>
-                  <a:srgbClr val="FFFFFF"/>
-                </a:highlight>
-                <a:latin typeface="Consolas"/>
-              </a:rPr>
-              <a:t>.WriteLine</a:t>
-            </a:r>
-            <a:r>
-              <a:rPr lang="en-GB" sz="1600" dirty="0" smtClean="0">
-                <a:solidFill>
-                  <a:srgbClr val="000000"/>
-                </a:solidFill>
-                <a:highlight>
-                  <a:srgbClr val="FFFFFF"/>
-                </a:highlight>
-                <a:latin typeface="Consolas"/>
-              </a:rPr>
-              <a:t>(</a:t>
-            </a:r>
-            <a:r>
-              <a:rPr lang="en-GB" sz="1600" dirty="0" err="1" smtClean="0">
-                <a:solidFill>
-                  <a:srgbClr val="000000"/>
-                </a:solidFill>
-                <a:highlight>
-                  <a:srgbClr val="FFFFFF"/>
-                </a:highlight>
-                <a:latin typeface="Consolas"/>
-              </a:rPr>
-              <a:t>GetExistingId</a:t>
-            </a:r>
-            <a:r>
-              <a:rPr lang="en-GB" sz="1600" dirty="0" smtClean="0">
-                <a:solidFill>
-                  <a:srgbClr val="000000"/>
-                </a:solidFill>
-                <a:highlight>
-                  <a:srgbClr val="FFFFFF"/>
-                </a:highlight>
-                <a:latin typeface="Consolas"/>
-              </a:rPr>
-              <a:t>(element</a:t>
-            </a:r>
-            <a:r>
-              <a:rPr lang="en-GB" sz="1600" dirty="0">
-                <a:solidFill>
-                  <a:srgbClr val="000000"/>
-                </a:solidFill>
-                <a:highlight>
-                  <a:srgbClr val="FFFFFF"/>
-                </a:highlight>
-                <a:latin typeface="Consolas"/>
-              </a:rPr>
-              <a:t>));</a:t>
-            </a:r>
-          </a:p>
-          <a:p>
-            <a:r>
-              <a:rPr lang="en-US" sz="1600" dirty="0" smtClean="0">
-                <a:solidFill>
-                  <a:srgbClr val="000000"/>
-                </a:solidFill>
-                <a:highlight>
-                  <a:srgbClr val="FFFFFF"/>
-                </a:highlight>
-                <a:latin typeface="Consolas"/>
-              </a:rPr>
-              <a:t>	</a:t>
-            </a:r>
-            <a:r>
-              <a:rPr lang="ru-RU" sz="1600" dirty="0" smtClean="0">
-                <a:solidFill>
-                  <a:srgbClr val="000000"/>
-                </a:solidFill>
-                <a:highlight>
-                  <a:srgbClr val="FFFFFF"/>
-                </a:highlight>
-                <a:latin typeface="Consolas"/>
-              </a:rPr>
-              <a:t>}</a:t>
-            </a:r>
-            <a:endParaRPr lang="ru-RU" sz="1600" dirty="0">
+              <a:t>))</a:t>
+            </a:r>
+            <a:endParaRPr lang="en-GB" sz="1600" dirty="0">
               <a:solidFill>
                 <a:srgbClr val="000000"/>
               </a:solidFill>
@@ -4410,6 +4277,177 @@
   <p:clrMapOvr>
     <a:masterClrMapping/>
   </p:clrMapOvr>
+  <p:transition spd="slow">
+    <p:push/>
+  </p:transition>
+  <p:timing>
+    <p:tnLst>
+      <p:par>
+        <p:cTn id="1" dur="indefinite" restart="never" nodeType="tmRoot"/>
+      </p:par>
+    </p:tnLst>
+  </p:timing>
+</p:sld>
+</file>
+
+<file path=ppt/slides/slide11.xml><?xml version="1.0" encoding="utf-8"?>
+<p:sld xmlns:a="http://schemas.openxmlformats.org/drawingml/2006/main" xmlns:r="http://schemas.openxmlformats.org/officeDocument/2006/relationships" xmlns:p="http://schemas.openxmlformats.org/presentationml/2006/main">
+  <p:cSld>
+    <p:spTree>
+      <p:nvGrpSpPr>
+        <p:cNvPr id="1" name=""/>
+        <p:cNvGrpSpPr/>
+        <p:nvPr/>
+      </p:nvGrpSpPr>
+      <p:grpSpPr>
+        <a:xfrm>
+          <a:off x="0" y="0"/>
+          <a:ext cx="0" cy="0"/>
+          <a:chOff x="0" y="0"/>
+          <a:chExt cx="0" cy="0"/>
+        </a:xfrm>
+      </p:grpSpPr>
+      <p:sp>
+        <p:nvSpPr>
+          <p:cNvPr id="2" name="Заголовок 1"/>
+          <p:cNvSpPr>
+            <a:spLocks noGrp="1"/>
+          </p:cNvSpPr>
+          <p:nvPr>
+            <p:ph type="title"/>
+          </p:nvPr>
+        </p:nvSpPr>
+        <p:spPr/>
+        <p:txBody>
+          <a:bodyPr/>
+          <a:lstStyle/>
+          <a:p>
+            <a:r>
+              <a:rPr lang="en-US" dirty="0" smtClean="0"/>
+              <a:t>End of presentation</a:t>
+            </a:r>
+            <a:endParaRPr lang="ru-RU" dirty="0"/>
+          </a:p>
+        </p:txBody>
+      </p:sp>
+      <p:pic>
+        <p:nvPicPr>
+          <p:cNvPr id="11266" name="Picture 2"/>
+          <p:cNvPicPr>
+            <a:picLocks noChangeAspect="1" noChangeArrowheads="1"/>
+          </p:cNvPicPr>
+          <p:nvPr/>
+        </p:nvPicPr>
+        <p:blipFill>
+          <a:blip r:embed="rId2">
+            <a:extLst>
+              <a:ext uri="{28A0092B-C50C-407E-A947-70E740481C1C}">
+                <a14:useLocalDpi xmlns:a14="http://schemas.microsoft.com/office/drawing/2010/main" val="0"/>
+              </a:ext>
+            </a:extLst>
+          </a:blip>
+          <a:srcRect/>
+          <a:stretch>
+            <a:fillRect/>
+          </a:stretch>
+        </p:blipFill>
+        <p:spPr bwMode="auto">
+          <a:xfrm>
+            <a:off x="8604448" y="6282526"/>
+            <a:ext cx="457200" cy="457200"/>
+          </a:xfrm>
+          <a:prstGeom prst="rect">
+            <a:avLst/>
+          </a:prstGeom>
+          <a:noFill/>
+          <a:ln>
+            <a:noFill/>
+          </a:ln>
+          <a:effectLst/>
+          <a:extLst>
+            <a:ext uri="{909E8E84-426E-40DD-AFC4-6F175D3DCCD1}">
+              <a14:hiddenFill xmlns:a14="http://schemas.microsoft.com/office/drawing/2010/main">
+                <a:solidFill>
+                  <a:schemeClr val="accent1"/>
+                </a:solidFill>
+              </a14:hiddenFill>
+            </a:ext>
+            <a:ext uri="{91240B29-F687-4F45-9708-019B960494DF}">
+              <a14:hiddenLine xmlns:a14="http://schemas.microsoft.com/office/drawing/2010/main" w="9525">
+                <a:solidFill>
+                  <a:schemeClr val="tx1"/>
+                </a:solidFill>
+                <a:miter lim="800000"/>
+                <a:headEnd/>
+                <a:tailEnd/>
+              </a14:hiddenLine>
+            </a:ext>
+            <a:ext uri="{AF507438-7753-43E0-B8FC-AC1667EBCBE1}">
+              <a14:hiddenEffects xmlns:a14="http://schemas.microsoft.com/office/drawing/2010/main">
+                <a:effectLst>
+                  <a:outerShdw dist="35921" dir="2700000" algn="ctr" rotWithShape="0">
+                    <a:schemeClr val="bg2"/>
+                  </a:outerShdw>
+                </a:effectLst>
+              </a14:hiddenEffects>
+            </a:ext>
+          </a:extLst>
+        </p:spPr>
+      </p:pic>
+      <p:pic>
+        <p:nvPicPr>
+          <p:cNvPr id="11268" name="Picture 4" descr="C:\Users\hinst\Docs\Pro\Coursework_2\Documentation\ScreenShots\ScreenHunter_24 Feb. 26 01.25.png"/>
+          <p:cNvPicPr>
+            <a:picLocks noChangeAspect="1" noChangeArrowheads="1"/>
+          </p:cNvPicPr>
+          <p:nvPr/>
+        </p:nvPicPr>
+        <p:blipFill>
+          <a:blip r:embed="rId3">
+            <a:extLst>
+              <a:ext uri="{28A0092B-C50C-407E-A947-70E740481C1C}">
+                <a14:useLocalDpi xmlns:a14="http://schemas.microsoft.com/office/drawing/2010/main" val="0"/>
+              </a:ext>
+            </a:extLst>
+          </a:blip>
+          <a:srcRect/>
+          <a:stretch>
+            <a:fillRect/>
+          </a:stretch>
+        </p:blipFill>
+        <p:spPr bwMode="auto">
+          <a:xfrm>
+            <a:off x="1279029" y="1268760"/>
+            <a:ext cx="6480720" cy="5242366"/>
+          </a:xfrm>
+          <a:prstGeom prst="rect">
+            <a:avLst/>
+          </a:prstGeom>
+          <a:noFill/>
+          <a:extLst>
+            <a:ext uri="{909E8E84-426E-40DD-AFC4-6F175D3DCCD1}">
+              <a14:hiddenFill xmlns:a14="http://schemas.microsoft.com/office/drawing/2010/main">
+                <a:solidFill>
+                  <a:srgbClr val="FFFFFF"/>
+                </a:solidFill>
+              </a14:hiddenFill>
+            </a:ext>
+          </a:extLst>
+        </p:spPr>
+      </p:pic>
+    </p:spTree>
+    <p:extLst>
+      <p:ext uri="{BB962C8B-B14F-4D97-AF65-F5344CB8AC3E}">
+        <p14:creationId xmlns:p14="http://schemas.microsoft.com/office/powerpoint/2010/main" val="1224253156"/>
+      </p:ext>
+    </p:extLst>
+  </p:cSld>
+  <p:clrMapOvr>
+    <a:masterClrMapping/>
+  </p:clrMapOvr>
+  <p:transition spd="slow">
+    <p:push/>
+  </p:transition>
   <p:timing>
     <p:tnLst>
       <p:par>
@@ -6222,6 +6260,9 @@
   <p:clrMapOvr>
     <a:masterClrMapping/>
   </p:clrMapOvr>
+  <p:transition spd="slow">
+    <p:push/>
+  </p:transition>
   <p:timing>
     <p:tnLst>
       <p:par>
@@ -9039,6 +9080,9 @@
   <p:clrMapOvr>
     <a:masterClrMapping/>
   </p:clrMapOvr>
+  <p:transition spd="slow">
+    <p:push/>
+  </p:transition>
   <p:timing>
     <p:tnLst>
       <p:par>
@@ -11569,6 +11613,9 @@
   <p:clrMapOvr>
     <a:masterClrMapping/>
   </p:clrMapOvr>
+  <p:transition spd="slow">
+    <p:push/>
+  </p:transition>
   <p:timing>
     <p:tnLst>
       <p:par>
@@ -11793,6 +11840,9 @@
   <p:clrMapOvr>
     <a:masterClrMapping/>
   </p:clrMapOvr>
+  <p:transition spd="slow">
+    <p:push/>
+  </p:transition>
   <p:timing>
     <p:tnLst>
       <p:par>
@@ -12857,6 +12907,9 @@
   <p:clrMapOvr>
     <a:masterClrMapping/>
   </p:clrMapOvr>
+  <p:transition spd="slow">
+    <p:push/>
+  </p:transition>
   <p:timing>
     <p:tnLst>
       <p:par>
